--- a/Matches/USPSA - Renton - July 2020/Bay 6 - Release the Kraken.pptx
+++ b/Matches/USPSA - Renton - July 2020/Bay 6 - Release the Kraken.pptx
@@ -11,7 +11,7 @@
     <p:sldId id="275" r:id="rId2"/>
   </p:sldIdLst>
   <p:sldSz cx="7315200" cy="9601200"/>
-  <p:notesSz cx="7315200" cy="9601200"/>
+  <p:notesSz cx="7102475" cy="9388475"/>
   <p:defaultTextStyle>
     <a:defPPr>
       <a:defRPr lang="en-US"/>
@@ -156,1867 +156,6 @@
 </p:presentation>
 </file>
 
-<file path=ppt/revisionInfo.xml><?xml version="1.0" encoding="utf-8"?>
-<p1510:revInfo xmlns:a="http://schemas.openxmlformats.org/drawingml/2006/main" xmlns:r="http://schemas.openxmlformats.org/officeDocument/2006/relationships" xmlns:p1510="http://schemas.microsoft.com/office/powerpoint/2015/10/main">
-  <p1510:revLst>
-    <p1510:client id="{76715788-C17B-4AA9-AFFF-AE5D8F44665D}" v="8" dt="2020-07-25T06:53:04.482"/>
-    <p1510:client id="{E88151BB-15CF-4C9B-84F7-8BC7B7DF1626}" v="2" dt="2020-07-25T07:17:26.948"/>
-  </p1510:revLst>
-</p1510:revInfo>
-</file>
-
-<file path=ppt/changesInfos/changesInfo1.xml><?xml version="1.0" encoding="utf-8"?>
-<pc:chgInfo xmlns:a="http://schemas.openxmlformats.org/drawingml/2006/main" xmlns:r="http://schemas.openxmlformats.org/officeDocument/2006/relationships" xmlns:ac="http://schemas.microsoft.com/office/drawing/2013/main/command" xmlns:pc="http://schemas.microsoft.com/office/powerpoint/2013/main/command">
-  <pc:docChgLst>
-    <pc:chgData name="Matt Carlson" userId="0e792f37f00095d9" providerId="LiveId" clId="{354C8280-3915-4DFF-AB06-EBE740204D41}"/>
-    <pc:docChg chg="undo custSel delSld modSld">
-      <pc:chgData name="Matt Carlson" userId="0e792f37f00095d9" providerId="LiveId" clId="{354C8280-3915-4DFF-AB06-EBE740204D41}" dt="2019-04-28T07:59:04.479" v="417" actId="2696"/>
-      <pc:docMkLst>
-        <pc:docMk/>
-      </pc:docMkLst>
-      <pc:sldChg chg="addSp delSp modSp">
-        <pc:chgData name="Matt Carlson" userId="0e792f37f00095d9" providerId="LiveId" clId="{354C8280-3915-4DFF-AB06-EBE740204D41}" dt="2019-04-28T07:52:12.221" v="412" actId="20577"/>
-        <pc:sldMkLst>
-          <pc:docMk/>
-          <pc:sldMk cId="0" sldId="274"/>
-        </pc:sldMkLst>
-        <pc:spChg chg="add mod">
-          <ac:chgData name="Matt Carlson" userId="0e792f37f00095d9" providerId="LiveId" clId="{354C8280-3915-4DFF-AB06-EBE740204D41}" dt="2019-04-28T07:32:30.450" v="81"/>
-          <ac:spMkLst>
-            <pc:docMk/>
-            <pc:sldMk cId="0" sldId="274"/>
-            <ac:spMk id="93" creationId="{94E944EB-6B33-44F6-96B7-2AF31093415F}"/>
-          </ac:spMkLst>
-        </pc:spChg>
-        <pc:spChg chg="add mod">
-          <ac:chgData name="Matt Carlson" userId="0e792f37f00095d9" providerId="LiveId" clId="{354C8280-3915-4DFF-AB06-EBE740204D41}" dt="2019-04-28T07:27:32.725" v="30"/>
-          <ac:spMkLst>
-            <pc:docMk/>
-            <pc:sldMk cId="0" sldId="274"/>
-            <ac:spMk id="118" creationId="{B6CCA4B7-A9DD-49D8-883C-C855078C596F}"/>
-          </ac:spMkLst>
-        </pc:spChg>
-        <pc:spChg chg="add mod ord">
-          <ac:chgData name="Matt Carlson" userId="0e792f37f00095d9" providerId="LiveId" clId="{354C8280-3915-4DFF-AB06-EBE740204D41}" dt="2019-04-28T07:26:18.710" v="25" actId="166"/>
-          <ac:spMkLst>
-            <pc:docMk/>
-            <pc:sldMk cId="0" sldId="274"/>
-            <ac:spMk id="119" creationId="{F8AD4A5A-9137-4613-9800-F74C13A274E6}"/>
-          </ac:spMkLst>
-        </pc:spChg>
-        <pc:spChg chg="add mod">
-          <ac:chgData name="Matt Carlson" userId="0e792f37f00095d9" providerId="LiveId" clId="{354C8280-3915-4DFF-AB06-EBE740204D41}" dt="2019-04-28T07:27:37.727" v="32" actId="1076"/>
-          <ac:spMkLst>
-            <pc:docMk/>
-            <pc:sldMk cId="0" sldId="274"/>
-            <ac:spMk id="130" creationId="{F70127B7-0351-466A-8062-A58094837A63}"/>
-          </ac:spMkLst>
-        </pc:spChg>
-        <pc:spChg chg="mod">
-          <ac:chgData name="Matt Carlson" userId="0e792f37f00095d9" providerId="LiveId" clId="{354C8280-3915-4DFF-AB06-EBE740204D41}" dt="2019-04-28T07:27:57.160" v="39" actId="1076"/>
-          <ac:spMkLst>
-            <pc:docMk/>
-            <pc:sldMk cId="0" sldId="274"/>
-            <ac:spMk id="133" creationId="{3AC59F0D-34FF-4939-8264-696C7513A20F}"/>
-          </ac:spMkLst>
-        </pc:spChg>
-        <pc:spChg chg="del">
-          <ac:chgData name="Matt Carlson" userId="0e792f37f00095d9" providerId="LiveId" clId="{354C8280-3915-4DFF-AB06-EBE740204D41}" dt="2019-04-28T07:27:53.043" v="36" actId="478"/>
-          <ac:spMkLst>
-            <pc:docMk/>
-            <pc:sldMk cId="0" sldId="274"/>
-            <ac:spMk id="134" creationId="{F3E2A1E9-7B51-47B4-AB76-FA8E6FA51E55}"/>
-          </ac:spMkLst>
-        </pc:spChg>
-        <pc:spChg chg="add mod">
-          <ac:chgData name="Matt Carlson" userId="0e792f37f00095d9" providerId="LiveId" clId="{354C8280-3915-4DFF-AB06-EBE740204D41}" dt="2019-04-28T07:30:18.936" v="59" actId="1076"/>
-          <ac:spMkLst>
-            <pc:docMk/>
-            <pc:sldMk cId="0" sldId="274"/>
-            <ac:spMk id="169" creationId="{22D3E718-906C-4FC3-8BE8-F752B3C43967}"/>
-          </ac:spMkLst>
-        </pc:spChg>
-        <pc:spChg chg="add del mod">
-          <ac:chgData name="Matt Carlson" userId="0e792f37f00095d9" providerId="LiveId" clId="{354C8280-3915-4DFF-AB06-EBE740204D41}" dt="2019-04-28T07:32:15.952" v="77" actId="1076"/>
-          <ac:spMkLst>
-            <pc:docMk/>
-            <pc:sldMk cId="0" sldId="274"/>
-            <ac:spMk id="176" creationId="{F90835B5-990E-4EE2-BE13-6B013E67334E}"/>
-          </ac:spMkLst>
-        </pc:spChg>
-        <pc:spChg chg="add mod ord">
-          <ac:chgData name="Matt Carlson" userId="0e792f37f00095d9" providerId="LiveId" clId="{354C8280-3915-4DFF-AB06-EBE740204D41}" dt="2019-04-28T07:36:39.511" v="137" actId="167"/>
-          <ac:spMkLst>
-            <pc:docMk/>
-            <pc:sldMk cId="0" sldId="274"/>
-            <ac:spMk id="177" creationId="{C6B92204-4E45-4777-A390-39BE01B4DE8E}"/>
-          </ac:spMkLst>
-        </pc:spChg>
-        <pc:spChg chg="add mod">
-          <ac:chgData name="Matt Carlson" userId="0e792f37f00095d9" providerId="LiveId" clId="{354C8280-3915-4DFF-AB06-EBE740204D41}" dt="2019-04-28T07:32:47.734" v="87" actId="1076"/>
-          <ac:spMkLst>
-            <pc:docMk/>
-            <pc:sldMk cId="0" sldId="274"/>
-            <ac:spMk id="178" creationId="{363E4109-AA05-4C41-B0ED-8E46A3C78584}"/>
-          </ac:spMkLst>
-        </pc:spChg>
-        <pc:spChg chg="add mod">
-          <ac:chgData name="Matt Carlson" userId="0e792f37f00095d9" providerId="LiveId" clId="{354C8280-3915-4DFF-AB06-EBE740204D41}" dt="2019-04-28T07:33:34.203" v="95"/>
-          <ac:spMkLst>
-            <pc:docMk/>
-            <pc:sldMk cId="0" sldId="274"/>
-            <ac:spMk id="186" creationId="{77A2141A-93B6-4F61-9D9F-CCC4EF2F5102}"/>
-          </ac:spMkLst>
-        </pc:spChg>
-        <pc:spChg chg="add mod">
-          <ac:chgData name="Matt Carlson" userId="0e792f37f00095d9" providerId="LiveId" clId="{354C8280-3915-4DFF-AB06-EBE740204D41}" dt="2019-04-28T07:34:45.900" v="115"/>
-          <ac:spMkLst>
-            <pc:docMk/>
-            <pc:sldMk cId="0" sldId="274"/>
-            <ac:spMk id="192" creationId="{73250CBA-9C89-4B3B-8598-0A1972AFC637}"/>
-          </ac:spMkLst>
-        </pc:spChg>
-        <pc:spChg chg="add del mod">
-          <ac:chgData name="Matt Carlson" userId="0e792f37f00095d9" providerId="LiveId" clId="{354C8280-3915-4DFF-AB06-EBE740204D41}" dt="2019-04-28T07:42:41.335" v="189" actId="478"/>
-          <ac:spMkLst>
-            <pc:docMk/>
-            <pc:sldMk cId="0" sldId="274"/>
-            <ac:spMk id="193" creationId="{5FE7EDC8-E092-4C66-915A-E8FDD85C93D9}"/>
-          </ac:spMkLst>
-        </pc:spChg>
-        <pc:spChg chg="add del mod">
-          <ac:chgData name="Matt Carlson" userId="0e792f37f00095d9" providerId="LiveId" clId="{354C8280-3915-4DFF-AB06-EBE740204D41}" dt="2019-04-28T07:42:40.350" v="188" actId="478"/>
-          <ac:spMkLst>
-            <pc:docMk/>
-            <pc:sldMk cId="0" sldId="274"/>
-            <ac:spMk id="194" creationId="{D4FA01C9-08ED-416F-8360-6B8F46346008}"/>
-          </ac:spMkLst>
-        </pc:spChg>
-        <pc:spChg chg="add mod">
-          <ac:chgData name="Matt Carlson" userId="0e792f37f00095d9" providerId="LiveId" clId="{354C8280-3915-4DFF-AB06-EBE740204D41}" dt="2019-04-28T07:39:32.275" v="141" actId="1076"/>
-          <ac:spMkLst>
-            <pc:docMk/>
-            <pc:sldMk cId="0" sldId="274"/>
-            <ac:spMk id="224" creationId="{F4F0BF0D-065F-4145-88D3-5A288BA2D76C}"/>
-          </ac:spMkLst>
-        </pc:spChg>
-        <pc:spChg chg="add mod">
-          <ac:chgData name="Matt Carlson" userId="0e792f37f00095d9" providerId="LiveId" clId="{354C8280-3915-4DFF-AB06-EBE740204D41}" dt="2019-04-28T07:42:38.911" v="187" actId="1076"/>
-          <ac:spMkLst>
-            <pc:docMk/>
-            <pc:sldMk cId="0" sldId="274"/>
-            <ac:spMk id="226" creationId="{C244D3CE-56FB-484F-8CAD-7844D7C98A4C}"/>
-          </ac:spMkLst>
-        </pc:spChg>
-        <pc:spChg chg="del mod">
-          <ac:chgData name="Matt Carlson" userId="0e792f37f00095d9" providerId="LiveId" clId="{354C8280-3915-4DFF-AB06-EBE740204D41}" dt="2019-04-28T07:40:06.226" v="146" actId="478"/>
-          <ac:spMkLst>
-            <pc:docMk/>
-            <pc:sldMk cId="0" sldId="274"/>
-            <ac:spMk id="3094" creationId="{00000000-0000-0000-0000-000000000000}"/>
-          </ac:spMkLst>
-        </pc:spChg>
-        <pc:spChg chg="del mod">
-          <ac:chgData name="Matt Carlson" userId="0e792f37f00095d9" providerId="LiveId" clId="{354C8280-3915-4DFF-AB06-EBE740204D41}" dt="2019-04-28T07:40:06.226" v="146" actId="478"/>
-          <ac:spMkLst>
-            <pc:docMk/>
-            <pc:sldMk cId="0" sldId="274"/>
-            <ac:spMk id="3095" creationId="{00000000-0000-0000-0000-000000000000}"/>
-          </ac:spMkLst>
-        </pc:spChg>
-        <pc:spChg chg="del mod">
-          <ac:chgData name="Matt Carlson" userId="0e792f37f00095d9" providerId="LiveId" clId="{354C8280-3915-4DFF-AB06-EBE740204D41}" dt="2019-04-28T07:40:06.226" v="146" actId="478"/>
-          <ac:spMkLst>
-            <pc:docMk/>
-            <pc:sldMk cId="0" sldId="274"/>
-            <ac:spMk id="3096" creationId="{00000000-0000-0000-0000-000000000000}"/>
-          </ac:spMkLst>
-        </pc:spChg>
-        <pc:spChg chg="del mod">
-          <ac:chgData name="Matt Carlson" userId="0e792f37f00095d9" providerId="LiveId" clId="{354C8280-3915-4DFF-AB06-EBE740204D41}" dt="2019-04-28T07:40:06.226" v="146" actId="478"/>
-          <ac:spMkLst>
-            <pc:docMk/>
-            <pc:sldMk cId="0" sldId="274"/>
-            <ac:spMk id="3112" creationId="{00000000-0000-0000-0000-000000000000}"/>
-          </ac:spMkLst>
-        </pc:spChg>
-        <pc:grpChg chg="add mod">
-          <ac:chgData name="Matt Carlson" userId="0e792f37f00095d9" providerId="LiveId" clId="{354C8280-3915-4DFF-AB06-EBE740204D41}" dt="2019-04-28T07:23:53.068" v="6" actId="1076"/>
-          <ac:grpSpMkLst>
-            <pc:docMk/>
-            <pc:sldMk cId="0" sldId="274"/>
-            <ac:grpSpMk id="94" creationId="{6DBFD920-7BA5-4B5B-92AC-CE24DDCA5B0C}"/>
-          </ac:grpSpMkLst>
-        </pc:grpChg>
-        <pc:grpChg chg="add mod">
-          <ac:chgData name="Matt Carlson" userId="0e792f37f00095d9" providerId="LiveId" clId="{354C8280-3915-4DFF-AB06-EBE740204D41}" dt="2019-04-28T07:24:31.356" v="8" actId="1076"/>
-          <ac:grpSpMkLst>
-            <pc:docMk/>
-            <pc:sldMk cId="0" sldId="274"/>
-            <ac:grpSpMk id="98" creationId="{76F3B999-062B-4F4A-9ED6-5B0855B55664}"/>
-          </ac:grpSpMkLst>
-        </pc:grpChg>
-        <pc:grpChg chg="add mod">
-          <ac:chgData name="Matt Carlson" userId="0e792f37f00095d9" providerId="LiveId" clId="{354C8280-3915-4DFF-AB06-EBE740204D41}" dt="2019-04-28T07:24:42.277" v="10" actId="1076"/>
-          <ac:grpSpMkLst>
-            <pc:docMk/>
-            <pc:sldMk cId="0" sldId="274"/>
-            <ac:grpSpMk id="101" creationId="{22DFA2FC-7C89-4392-B3BA-C1C7D0E3188A}"/>
-          </ac:grpSpMkLst>
-        </pc:grpChg>
-        <pc:grpChg chg="add mod">
-          <ac:chgData name="Matt Carlson" userId="0e792f37f00095d9" providerId="LiveId" clId="{354C8280-3915-4DFF-AB06-EBE740204D41}" dt="2019-04-28T07:24:58.662" v="12" actId="1076"/>
-          <ac:grpSpMkLst>
-            <pc:docMk/>
-            <pc:sldMk cId="0" sldId="274"/>
-            <ac:grpSpMk id="107" creationId="{E1FC31E3-3B1C-4BFA-94CC-E00723157059}"/>
-          </ac:grpSpMkLst>
-        </pc:grpChg>
-        <pc:grpChg chg="add mod ord">
-          <ac:chgData name="Matt Carlson" userId="0e792f37f00095d9" providerId="LiveId" clId="{354C8280-3915-4DFF-AB06-EBE740204D41}" dt="2019-04-28T07:25:26.117" v="15" actId="167"/>
-          <ac:grpSpMkLst>
-            <pc:docMk/>
-            <pc:sldMk cId="0" sldId="274"/>
-            <ac:grpSpMk id="113" creationId="{6504B217-319A-448F-B4E0-802613B1E516}"/>
-          </ac:grpSpMkLst>
-        </pc:grpChg>
-        <pc:grpChg chg="add mod">
-          <ac:chgData name="Matt Carlson" userId="0e792f37f00095d9" providerId="LiveId" clId="{354C8280-3915-4DFF-AB06-EBE740204D41}" dt="2019-04-28T07:26:21.012" v="26" actId="1076"/>
-          <ac:grpSpMkLst>
-            <pc:docMk/>
-            <pc:sldMk cId="0" sldId="274"/>
-            <ac:grpSpMk id="120" creationId="{12A15363-B780-43BF-8A49-D6FBCDF7F4F5}"/>
-          </ac:grpSpMkLst>
-        </pc:grpChg>
-        <pc:grpChg chg="mod">
-          <ac:chgData name="Matt Carlson" userId="0e792f37f00095d9" providerId="LiveId" clId="{354C8280-3915-4DFF-AB06-EBE740204D41}" dt="2019-04-28T07:26:10.744" v="22"/>
-          <ac:grpSpMkLst>
-            <pc:docMk/>
-            <pc:sldMk cId="0" sldId="274"/>
-            <ac:grpSpMk id="123" creationId="{E905E7F1-317B-422D-AC0F-FCCD20027DA5}"/>
-          </ac:grpSpMkLst>
-        </pc:grpChg>
-        <pc:grpChg chg="add mod ord">
-          <ac:chgData name="Matt Carlson" userId="0e792f37f00095d9" providerId="LiveId" clId="{354C8280-3915-4DFF-AB06-EBE740204D41}" dt="2019-04-28T07:26:51.128" v="29" actId="167"/>
-          <ac:grpSpMkLst>
-            <pc:docMk/>
-            <pc:sldMk cId="0" sldId="274"/>
-            <ac:grpSpMk id="126" creationId="{97AB67AF-C70A-4645-9A6F-5E8FDD7F6720}"/>
-          </ac:grpSpMkLst>
-        </pc:grpChg>
-        <pc:grpChg chg="add mod">
-          <ac:chgData name="Matt Carlson" userId="0e792f37f00095d9" providerId="LiveId" clId="{354C8280-3915-4DFF-AB06-EBE740204D41}" dt="2019-04-28T07:27:55.176" v="38" actId="1076"/>
-          <ac:grpSpMkLst>
-            <pc:docMk/>
-            <pc:sldMk cId="0" sldId="274"/>
-            <ac:grpSpMk id="131" creationId="{88F7B05A-1EEF-4CA2-B70F-6328F6F65209}"/>
-          </ac:grpSpMkLst>
-        </pc:grpChg>
-        <pc:grpChg chg="add mod ord">
-          <ac:chgData name="Matt Carlson" userId="0e792f37f00095d9" providerId="LiveId" clId="{354C8280-3915-4DFF-AB06-EBE740204D41}" dt="2019-04-28T07:36:39.511" v="137" actId="167"/>
-          <ac:grpSpMkLst>
-            <pc:docMk/>
-            <pc:sldMk cId="0" sldId="274"/>
-            <ac:grpSpMk id="135" creationId="{26AE530C-BB67-4706-B666-C4FF37FA4B6F}"/>
-          </ac:grpSpMkLst>
-        </pc:grpChg>
-        <pc:grpChg chg="add mod ord">
-          <ac:chgData name="Matt Carlson" userId="0e792f37f00095d9" providerId="LiveId" clId="{354C8280-3915-4DFF-AB06-EBE740204D41}" dt="2019-04-28T07:29:11.706" v="49" actId="167"/>
-          <ac:grpSpMkLst>
-            <pc:docMk/>
-            <pc:sldMk cId="0" sldId="274"/>
-            <ac:grpSpMk id="141" creationId="{C8589D5A-E5C0-4765-BC3D-2EA1EB29C53D}"/>
-          </ac:grpSpMkLst>
-        </pc:grpChg>
-        <pc:grpChg chg="add mod ord">
-          <ac:chgData name="Matt Carlson" userId="0e792f37f00095d9" providerId="LiveId" clId="{354C8280-3915-4DFF-AB06-EBE740204D41}" dt="2019-04-28T07:29:11.706" v="49" actId="167"/>
-          <ac:grpSpMkLst>
-            <pc:docMk/>
-            <pc:sldMk cId="0" sldId="274"/>
-            <ac:grpSpMk id="148" creationId="{8C3CDF3D-09CB-4B49-91D5-FB30C452D499}"/>
-          </ac:grpSpMkLst>
-        </pc:grpChg>
-        <pc:grpChg chg="add mod ord">
-          <ac:chgData name="Matt Carlson" userId="0e792f37f00095d9" providerId="LiveId" clId="{354C8280-3915-4DFF-AB06-EBE740204D41}" dt="2019-04-28T07:29:11.706" v="49" actId="167"/>
-          <ac:grpSpMkLst>
-            <pc:docMk/>
-            <pc:sldMk cId="0" sldId="274"/>
-            <ac:grpSpMk id="151" creationId="{D63CC604-6259-4E39-950B-33233D8AB839}"/>
-          </ac:grpSpMkLst>
-        </pc:grpChg>
-        <pc:grpChg chg="add mod ord">
-          <ac:chgData name="Matt Carlson" userId="0e792f37f00095d9" providerId="LiveId" clId="{354C8280-3915-4DFF-AB06-EBE740204D41}" dt="2019-04-28T07:29:33.578" v="52" actId="167"/>
-          <ac:grpSpMkLst>
-            <pc:docMk/>
-            <pc:sldMk cId="0" sldId="274"/>
-            <ac:grpSpMk id="154" creationId="{4936B801-28FD-40C2-82F5-6EE7D86798BE}"/>
-          </ac:grpSpMkLst>
-        </pc:grpChg>
-        <pc:grpChg chg="add mod ord">
-          <ac:chgData name="Matt Carlson" userId="0e792f37f00095d9" providerId="LiveId" clId="{354C8280-3915-4DFF-AB06-EBE740204D41}" dt="2019-04-28T07:29:54.053" v="55" actId="167"/>
-          <ac:grpSpMkLst>
-            <pc:docMk/>
-            <pc:sldMk cId="0" sldId="274"/>
-            <ac:grpSpMk id="158" creationId="{46B47EB6-0904-42FF-982F-DDA112D4910C}"/>
-          </ac:grpSpMkLst>
-        </pc:grpChg>
-        <pc:grpChg chg="add mod">
-          <ac:chgData name="Matt Carlson" userId="0e792f37f00095d9" providerId="LiveId" clId="{354C8280-3915-4DFF-AB06-EBE740204D41}" dt="2019-04-28T07:30:05.976" v="57" actId="1076"/>
-          <ac:grpSpMkLst>
-            <pc:docMk/>
-            <pc:sldMk cId="0" sldId="274"/>
-            <ac:grpSpMk id="165" creationId="{3C2BF5C8-08E4-4FA8-8D48-5AB45EBD8E49}"/>
-          </ac:grpSpMkLst>
-        </pc:grpChg>
-        <pc:grpChg chg="add mod">
-          <ac:chgData name="Matt Carlson" userId="0e792f37f00095d9" providerId="LiveId" clId="{354C8280-3915-4DFF-AB06-EBE740204D41}" dt="2019-04-28T07:31:22.113" v="61" actId="1076"/>
-          <ac:grpSpMkLst>
-            <pc:docMk/>
-            <pc:sldMk cId="0" sldId="274"/>
-            <ac:grpSpMk id="170" creationId="{715AE625-CB14-48AB-85FC-AD54476D8B52}"/>
-          </ac:grpSpMkLst>
-        </pc:grpChg>
-        <pc:grpChg chg="add mod">
-          <ac:chgData name="Matt Carlson" userId="0e792f37f00095d9" providerId="LiveId" clId="{354C8280-3915-4DFF-AB06-EBE740204D41}" dt="2019-04-28T07:31:26.233" v="63" actId="1076"/>
-          <ac:grpSpMkLst>
-            <pc:docMk/>
-            <pc:sldMk cId="0" sldId="274"/>
-            <ac:grpSpMk id="173" creationId="{BA78281D-D6A5-4B2F-89B9-C66F14B886B9}"/>
-          </ac:grpSpMkLst>
-        </pc:grpChg>
-        <pc:grpChg chg="add mod">
-          <ac:chgData name="Matt Carlson" userId="0e792f37f00095d9" providerId="LiveId" clId="{354C8280-3915-4DFF-AB06-EBE740204D41}" dt="2019-04-28T07:32:57.566" v="89" actId="1076"/>
-          <ac:grpSpMkLst>
-            <pc:docMk/>
-            <pc:sldMk cId="0" sldId="274"/>
-            <ac:grpSpMk id="179" creationId="{A3AFDFEA-61D2-474D-BDD5-EC5CA5B4AA62}"/>
-          </ac:grpSpMkLst>
-        </pc:grpChg>
-        <pc:grpChg chg="add mod">
-          <ac:chgData name="Matt Carlson" userId="0e792f37f00095d9" providerId="LiveId" clId="{354C8280-3915-4DFF-AB06-EBE740204D41}" dt="2019-04-28T07:33:02.224" v="91" actId="1076"/>
-          <ac:grpSpMkLst>
-            <pc:docMk/>
-            <pc:sldMk cId="0" sldId="274"/>
-            <ac:grpSpMk id="183" creationId="{B09BFF96-7C26-46B4-BEB8-44AAA2EF3D9A}"/>
-          </ac:grpSpMkLst>
-        </pc:grpChg>
-        <pc:grpChg chg="add mod ord">
-          <ac:chgData name="Matt Carlson" userId="0e792f37f00095d9" providerId="LiveId" clId="{354C8280-3915-4DFF-AB06-EBE740204D41}" dt="2019-04-28T07:36:06.149" v="131" actId="166"/>
-          <ac:grpSpMkLst>
-            <pc:docMk/>
-            <pc:sldMk cId="0" sldId="274"/>
-            <ac:grpSpMk id="195" creationId="{EE4991B4-7538-4E9C-87C2-442E9AEFFFD5}"/>
-          </ac:grpSpMkLst>
-        </pc:grpChg>
-        <pc:grpChg chg="add mod ord">
-          <ac:chgData name="Matt Carlson" userId="0e792f37f00095d9" providerId="LiveId" clId="{354C8280-3915-4DFF-AB06-EBE740204D41}" dt="2019-04-28T07:36:39.511" v="137" actId="167"/>
-          <ac:grpSpMkLst>
-            <pc:docMk/>
-            <pc:sldMk cId="0" sldId="274"/>
-            <ac:grpSpMk id="198" creationId="{69376C4C-91D0-473D-82DB-6800C7F407F6}"/>
-          </ac:grpSpMkLst>
-        </pc:grpChg>
-        <pc:grpChg chg="add mod ord">
-          <ac:chgData name="Matt Carlson" userId="0e792f37f00095d9" providerId="LiveId" clId="{354C8280-3915-4DFF-AB06-EBE740204D41}" dt="2019-04-28T07:36:39.511" v="137" actId="167"/>
-          <ac:grpSpMkLst>
-            <pc:docMk/>
-            <pc:sldMk cId="0" sldId="274"/>
-            <ac:grpSpMk id="204" creationId="{E63C0BF2-F030-4D02-9AAB-763440627BE2}"/>
-          </ac:grpSpMkLst>
-        </pc:grpChg>
-        <pc:grpChg chg="mod">
-          <ac:chgData name="Matt Carlson" userId="0e792f37f00095d9" providerId="LiveId" clId="{354C8280-3915-4DFF-AB06-EBE740204D41}" dt="2019-04-28T07:36:01.431" v="129"/>
-          <ac:grpSpMkLst>
-            <pc:docMk/>
-            <pc:sldMk cId="0" sldId="274"/>
-            <ac:grpSpMk id="207" creationId="{82804858-8950-4442-9725-7D217CD9E381}"/>
-          </ac:grpSpMkLst>
-        </pc:grpChg>
-        <pc:grpChg chg="add mod">
-          <ac:chgData name="Matt Carlson" userId="0e792f37f00095d9" providerId="LiveId" clId="{354C8280-3915-4DFF-AB06-EBE740204D41}" dt="2019-04-28T07:36:17.830" v="133" actId="1076"/>
-          <ac:grpSpMkLst>
-            <pc:docMk/>
-            <pc:sldMk cId="0" sldId="274"/>
-            <ac:grpSpMk id="210" creationId="{C99240D5-58AA-4A30-A7B5-57BCE53C566E}"/>
-          </ac:grpSpMkLst>
-        </pc:grpChg>
-        <pc:grpChg chg="mod">
-          <ac:chgData name="Matt Carlson" userId="0e792f37f00095d9" providerId="LiveId" clId="{354C8280-3915-4DFF-AB06-EBE740204D41}" dt="2019-04-28T07:36:15.156" v="132"/>
-          <ac:grpSpMkLst>
-            <pc:docMk/>
-            <pc:sldMk cId="0" sldId="274"/>
-            <ac:grpSpMk id="213" creationId="{ECA2948B-CDD3-4A92-BA9A-73A5CCDDC02F}"/>
-          </ac:grpSpMkLst>
-        </pc:grpChg>
-        <pc:grpChg chg="add mod ord">
-          <ac:chgData name="Matt Carlson" userId="0e792f37f00095d9" providerId="LiveId" clId="{354C8280-3915-4DFF-AB06-EBE740204D41}" dt="2019-04-28T07:36:31.590" v="136" actId="167"/>
-          <ac:grpSpMkLst>
-            <pc:docMk/>
-            <pc:sldMk cId="0" sldId="274"/>
-            <ac:grpSpMk id="216" creationId="{9AB5721F-CE98-4DB3-9F62-2C68F21B709E}"/>
-          </ac:grpSpMkLst>
-        </pc:grpChg>
-        <pc:grpChg chg="add mod ord">
-          <ac:chgData name="Matt Carlson" userId="0e792f37f00095d9" providerId="LiveId" clId="{354C8280-3915-4DFF-AB06-EBE740204D41}" dt="2019-04-28T07:39:41.901" v="145" actId="1076"/>
-          <ac:grpSpMkLst>
-            <pc:docMk/>
-            <pc:sldMk cId="0" sldId="274"/>
-            <ac:grpSpMk id="220" creationId="{F7245A19-821A-440E-8E81-AEE57BAB16EA}"/>
-          </ac:grpSpMkLst>
-        </pc:grpChg>
-        <pc:grpChg chg="del mod">
-          <ac:chgData name="Matt Carlson" userId="0e792f37f00095d9" providerId="LiveId" clId="{354C8280-3915-4DFF-AB06-EBE740204D41}" dt="2019-04-28T07:40:06.226" v="146" actId="478"/>
-          <ac:grpSpMkLst>
-            <pc:docMk/>
-            <pc:sldMk cId="0" sldId="274"/>
-            <ac:grpSpMk id="3090" creationId="{00000000-0000-0000-0000-000000000000}"/>
-          </ac:grpSpMkLst>
-        </pc:grpChg>
-        <pc:grpChg chg="del mod">
-          <ac:chgData name="Matt Carlson" userId="0e792f37f00095d9" providerId="LiveId" clId="{354C8280-3915-4DFF-AB06-EBE740204D41}" dt="2019-04-28T07:40:06.226" v="146" actId="478"/>
-          <ac:grpSpMkLst>
-            <pc:docMk/>
-            <pc:sldMk cId="0" sldId="274"/>
-            <ac:grpSpMk id="3091" creationId="{00000000-0000-0000-0000-000000000000}"/>
-          </ac:grpSpMkLst>
-        </pc:grpChg>
-        <pc:grpChg chg="del mod">
-          <ac:chgData name="Matt Carlson" userId="0e792f37f00095d9" providerId="LiveId" clId="{354C8280-3915-4DFF-AB06-EBE740204D41}" dt="2019-04-28T07:40:06.226" v="146" actId="478"/>
-          <ac:grpSpMkLst>
-            <pc:docMk/>
-            <pc:sldMk cId="0" sldId="274"/>
-            <ac:grpSpMk id="3092" creationId="{00000000-0000-0000-0000-000000000000}"/>
-          </ac:grpSpMkLst>
-        </pc:grpChg>
-        <pc:grpChg chg="del mod">
-          <ac:chgData name="Matt Carlson" userId="0e792f37f00095d9" providerId="LiveId" clId="{354C8280-3915-4DFF-AB06-EBE740204D41}" dt="2019-04-28T07:40:06.226" v="146" actId="478"/>
-          <ac:grpSpMkLst>
-            <pc:docMk/>
-            <pc:sldMk cId="0" sldId="274"/>
-            <ac:grpSpMk id="3093" creationId="{00000000-0000-0000-0000-000000000000}"/>
-          </ac:grpSpMkLst>
-        </pc:grpChg>
-        <pc:grpChg chg="del mod">
-          <ac:chgData name="Matt Carlson" userId="0e792f37f00095d9" providerId="LiveId" clId="{354C8280-3915-4DFF-AB06-EBE740204D41}" dt="2019-04-28T07:40:06.226" v="146" actId="478"/>
-          <ac:grpSpMkLst>
-            <pc:docMk/>
-            <pc:sldMk cId="0" sldId="274"/>
-            <ac:grpSpMk id="3101" creationId="{00000000-0000-0000-0000-000000000000}"/>
-          </ac:grpSpMkLst>
-        </pc:grpChg>
-        <pc:grpChg chg="del mod">
-          <ac:chgData name="Matt Carlson" userId="0e792f37f00095d9" providerId="LiveId" clId="{354C8280-3915-4DFF-AB06-EBE740204D41}" dt="2019-04-28T07:40:06.226" v="146" actId="478"/>
-          <ac:grpSpMkLst>
-            <pc:docMk/>
-            <pc:sldMk cId="0" sldId="274"/>
-            <ac:grpSpMk id="3102" creationId="{00000000-0000-0000-0000-000000000000}"/>
-          </ac:grpSpMkLst>
-        </pc:grpChg>
-        <pc:grpChg chg="del mod">
-          <ac:chgData name="Matt Carlson" userId="0e792f37f00095d9" providerId="LiveId" clId="{354C8280-3915-4DFF-AB06-EBE740204D41}" dt="2019-04-28T07:40:06.226" v="146" actId="478"/>
-          <ac:grpSpMkLst>
-            <pc:docMk/>
-            <pc:sldMk cId="0" sldId="274"/>
-            <ac:grpSpMk id="3103" creationId="{00000000-0000-0000-0000-000000000000}"/>
-          </ac:grpSpMkLst>
-        </pc:grpChg>
-        <pc:grpChg chg="del mod">
-          <ac:chgData name="Matt Carlson" userId="0e792f37f00095d9" providerId="LiveId" clId="{354C8280-3915-4DFF-AB06-EBE740204D41}" dt="2019-04-28T07:40:06.226" v="146" actId="478"/>
-          <ac:grpSpMkLst>
-            <pc:docMk/>
-            <pc:sldMk cId="0" sldId="274"/>
-            <ac:grpSpMk id="3104" creationId="{00000000-0000-0000-0000-000000000000}"/>
-          </ac:grpSpMkLst>
-        </pc:grpChg>
-        <pc:grpChg chg="del mod">
-          <ac:chgData name="Matt Carlson" userId="0e792f37f00095d9" providerId="LiveId" clId="{354C8280-3915-4DFF-AB06-EBE740204D41}" dt="2019-04-28T07:40:06.226" v="146" actId="478"/>
-          <ac:grpSpMkLst>
-            <pc:docMk/>
-            <pc:sldMk cId="0" sldId="274"/>
-            <ac:grpSpMk id="3105" creationId="{00000000-0000-0000-0000-000000000000}"/>
-          </ac:grpSpMkLst>
-        </pc:grpChg>
-        <pc:grpChg chg="del mod">
-          <ac:chgData name="Matt Carlson" userId="0e792f37f00095d9" providerId="LiveId" clId="{354C8280-3915-4DFF-AB06-EBE740204D41}" dt="2019-04-28T07:40:06.226" v="146" actId="478"/>
-          <ac:grpSpMkLst>
-            <pc:docMk/>
-            <pc:sldMk cId="0" sldId="274"/>
-            <ac:grpSpMk id="3106" creationId="{00000000-0000-0000-0000-000000000000}"/>
-          </ac:grpSpMkLst>
-        </pc:grpChg>
-        <pc:grpChg chg="del mod">
-          <ac:chgData name="Matt Carlson" userId="0e792f37f00095d9" providerId="LiveId" clId="{354C8280-3915-4DFF-AB06-EBE740204D41}" dt="2019-04-28T07:40:06.226" v="146" actId="478"/>
-          <ac:grpSpMkLst>
-            <pc:docMk/>
-            <pc:sldMk cId="0" sldId="274"/>
-            <ac:grpSpMk id="3107" creationId="{00000000-0000-0000-0000-000000000000}"/>
-          </ac:grpSpMkLst>
-        </pc:grpChg>
-        <pc:grpChg chg="del mod">
-          <ac:chgData name="Matt Carlson" userId="0e792f37f00095d9" providerId="LiveId" clId="{354C8280-3915-4DFF-AB06-EBE740204D41}" dt="2019-04-28T07:40:06.226" v="146" actId="478"/>
-          <ac:grpSpMkLst>
-            <pc:docMk/>
-            <pc:sldMk cId="0" sldId="274"/>
-            <ac:grpSpMk id="3108" creationId="{00000000-0000-0000-0000-000000000000}"/>
-          </ac:grpSpMkLst>
-        </pc:grpChg>
-        <pc:grpChg chg="del mod">
-          <ac:chgData name="Matt Carlson" userId="0e792f37f00095d9" providerId="LiveId" clId="{354C8280-3915-4DFF-AB06-EBE740204D41}" dt="2019-04-28T07:40:06.226" v="146" actId="478"/>
-          <ac:grpSpMkLst>
-            <pc:docMk/>
-            <pc:sldMk cId="0" sldId="274"/>
-            <ac:grpSpMk id="3109" creationId="{00000000-0000-0000-0000-000000000000}"/>
-          </ac:grpSpMkLst>
-        </pc:grpChg>
-        <pc:grpChg chg="del mod">
-          <ac:chgData name="Matt Carlson" userId="0e792f37f00095d9" providerId="LiveId" clId="{354C8280-3915-4DFF-AB06-EBE740204D41}" dt="2019-04-28T07:40:06.226" v="146" actId="478"/>
-          <ac:grpSpMkLst>
-            <pc:docMk/>
-            <pc:sldMk cId="0" sldId="274"/>
-            <ac:grpSpMk id="3110" creationId="{00000000-0000-0000-0000-000000000000}"/>
-          </ac:grpSpMkLst>
-        </pc:grpChg>
-        <pc:grpChg chg="del mod">
-          <ac:chgData name="Matt Carlson" userId="0e792f37f00095d9" providerId="LiveId" clId="{354C8280-3915-4DFF-AB06-EBE740204D41}" dt="2019-04-28T07:40:06.226" v="146" actId="478"/>
-          <ac:grpSpMkLst>
-            <pc:docMk/>
-            <pc:sldMk cId="0" sldId="274"/>
-            <ac:grpSpMk id="3111" creationId="{00000000-0000-0000-0000-000000000000}"/>
-          </ac:grpSpMkLst>
-        </pc:grpChg>
-        <pc:grpChg chg="mod">
-          <ac:chgData name="Matt Carlson" userId="0e792f37f00095d9" providerId="LiveId" clId="{354C8280-3915-4DFF-AB06-EBE740204D41}" dt="2019-04-28T07:21:03.100" v="0" actId="1076"/>
-          <ac:grpSpMkLst>
-            <pc:docMk/>
-            <pc:sldMk cId="0" sldId="274"/>
-            <ac:grpSpMk id="3119" creationId="{00000000-0000-0000-0000-000000000000}"/>
-          </ac:grpSpMkLst>
-        </pc:grpChg>
-        <pc:grpChg chg="mod">
-          <ac:chgData name="Matt Carlson" userId="0e792f37f00095d9" providerId="LiveId" clId="{354C8280-3915-4DFF-AB06-EBE740204D41}" dt="2019-04-28T07:21:03.100" v="0" actId="1076"/>
-          <ac:grpSpMkLst>
-            <pc:docMk/>
-            <pc:sldMk cId="0" sldId="274"/>
-            <ac:grpSpMk id="3142" creationId="{00000000-0000-0000-0000-000000000000}"/>
-          </ac:grpSpMkLst>
-        </pc:grpChg>
-        <pc:grpChg chg="mod">
-          <ac:chgData name="Matt Carlson" userId="0e792f37f00095d9" providerId="LiveId" clId="{354C8280-3915-4DFF-AB06-EBE740204D41}" dt="2019-04-28T07:21:03.100" v="0" actId="1076"/>
-          <ac:grpSpMkLst>
-            <pc:docMk/>
-            <pc:sldMk cId="0" sldId="274"/>
-            <ac:grpSpMk id="3147" creationId="{00000000-0000-0000-0000-000000000000}"/>
-          </ac:grpSpMkLst>
-        </pc:grpChg>
-        <pc:grpChg chg="mod">
-          <ac:chgData name="Matt Carlson" userId="0e792f37f00095d9" providerId="LiveId" clId="{354C8280-3915-4DFF-AB06-EBE740204D41}" dt="2019-04-28T07:21:03.100" v="0" actId="1076"/>
-          <ac:grpSpMkLst>
-            <pc:docMk/>
-            <pc:sldMk cId="0" sldId="274"/>
-            <ac:grpSpMk id="3152" creationId="{00000000-0000-0000-0000-000000000000}"/>
-          </ac:grpSpMkLst>
-        </pc:grpChg>
-        <pc:grpChg chg="mod">
-          <ac:chgData name="Matt Carlson" userId="0e792f37f00095d9" providerId="LiveId" clId="{354C8280-3915-4DFF-AB06-EBE740204D41}" dt="2019-04-28T07:21:03.100" v="0" actId="1076"/>
-          <ac:grpSpMkLst>
-            <pc:docMk/>
-            <pc:sldMk cId="0" sldId="274"/>
-            <ac:grpSpMk id="3174" creationId="{00000000-0000-0000-0000-000000000000}"/>
-          </ac:grpSpMkLst>
-        </pc:grpChg>
-        <pc:graphicFrameChg chg="mod modGraphic">
-          <ac:chgData name="Matt Carlson" userId="0e792f37f00095d9" providerId="LiveId" clId="{354C8280-3915-4DFF-AB06-EBE740204D41}" dt="2019-04-28T07:52:12.221" v="412" actId="20577"/>
-          <ac:graphicFrameMkLst>
-            <pc:docMk/>
-            <pc:sldMk cId="0" sldId="274"/>
-            <ac:graphicFrameMk id="110" creationId="{00000000-0000-0000-0000-000000000000}"/>
-          </ac:graphicFrameMkLst>
-        </pc:graphicFrameChg>
-        <pc:cxnChg chg="del mod">
-          <ac:chgData name="Matt Carlson" userId="0e792f37f00095d9" providerId="LiveId" clId="{354C8280-3915-4DFF-AB06-EBE740204D41}" dt="2019-04-28T07:40:06.226" v="146" actId="478"/>
-          <ac:cxnSpMkLst>
-            <pc:docMk/>
-            <pc:sldMk cId="0" sldId="274"/>
-            <ac:cxnSpMk id="143" creationId="{00000000-0000-0000-0000-000000000000}"/>
-          </ac:cxnSpMkLst>
-        </pc:cxnChg>
-        <pc:cxnChg chg="del mod">
-          <ac:chgData name="Matt Carlson" userId="0e792f37f00095d9" providerId="LiveId" clId="{354C8280-3915-4DFF-AB06-EBE740204D41}" dt="2019-04-28T07:40:06.226" v="146" actId="478"/>
-          <ac:cxnSpMkLst>
-            <pc:docMk/>
-            <pc:sldMk cId="0" sldId="274"/>
-            <ac:cxnSpMk id="144" creationId="{00000000-0000-0000-0000-000000000000}"/>
-          </ac:cxnSpMkLst>
-        </pc:cxnChg>
-        <pc:cxnChg chg="del mod">
-          <ac:chgData name="Matt Carlson" userId="0e792f37f00095d9" providerId="LiveId" clId="{354C8280-3915-4DFF-AB06-EBE740204D41}" dt="2019-04-28T07:40:06.226" v="146" actId="478"/>
-          <ac:cxnSpMkLst>
-            <pc:docMk/>
-            <pc:sldMk cId="0" sldId="274"/>
-            <ac:cxnSpMk id="145" creationId="{00000000-0000-0000-0000-000000000000}"/>
-          </ac:cxnSpMkLst>
-        </pc:cxnChg>
-        <pc:cxnChg chg="del mod">
-          <ac:chgData name="Matt Carlson" userId="0e792f37f00095d9" providerId="LiveId" clId="{354C8280-3915-4DFF-AB06-EBE740204D41}" dt="2019-04-28T07:40:06.226" v="146" actId="478"/>
-          <ac:cxnSpMkLst>
-            <pc:docMk/>
-            <pc:sldMk cId="0" sldId="274"/>
-            <ac:cxnSpMk id="146" creationId="{00000000-0000-0000-0000-000000000000}"/>
-          </ac:cxnSpMkLst>
-        </pc:cxnChg>
-        <pc:cxnChg chg="add mod ord">
-          <ac:chgData name="Matt Carlson" userId="0e792f37f00095d9" providerId="LiveId" clId="{354C8280-3915-4DFF-AB06-EBE740204D41}" dt="2019-04-28T07:33:48.734" v="99" actId="167"/>
-          <ac:cxnSpMkLst>
-            <pc:docMk/>
-            <pc:sldMk cId="0" sldId="274"/>
-            <ac:cxnSpMk id="187" creationId="{F639F52B-1A38-4B65-B564-C339B757097E}"/>
-          </ac:cxnSpMkLst>
-        </pc:cxnChg>
-        <pc:cxnChg chg="add mod ord">
-          <ac:chgData name="Matt Carlson" userId="0e792f37f00095d9" providerId="LiveId" clId="{354C8280-3915-4DFF-AB06-EBE740204D41}" dt="2019-04-28T07:42:03.709" v="183" actId="167"/>
-          <ac:cxnSpMkLst>
-            <pc:docMk/>
-            <pc:sldMk cId="0" sldId="274"/>
-            <ac:cxnSpMk id="188" creationId="{914153AC-30C6-421F-BBE0-CE12F8DD459D}"/>
-          </ac:cxnSpMkLst>
-        </pc:cxnChg>
-        <pc:cxnChg chg="add mod">
-          <ac:chgData name="Matt Carlson" userId="0e792f37f00095d9" providerId="LiveId" clId="{354C8280-3915-4DFF-AB06-EBE740204D41}" dt="2019-04-28T07:34:10.496" v="105" actId="1076"/>
-          <ac:cxnSpMkLst>
-            <pc:docMk/>
-            <pc:sldMk cId="0" sldId="274"/>
-            <ac:cxnSpMk id="189" creationId="{D499D3FE-A388-4FE4-973C-0238C5A50F19}"/>
-          </ac:cxnSpMkLst>
-        </pc:cxnChg>
-        <pc:cxnChg chg="add mod ord">
-          <ac:chgData name="Matt Carlson" userId="0e792f37f00095d9" providerId="LiveId" clId="{354C8280-3915-4DFF-AB06-EBE740204D41}" dt="2019-04-28T07:41:55.718" v="182" actId="167"/>
-          <ac:cxnSpMkLst>
-            <pc:docMk/>
-            <pc:sldMk cId="0" sldId="274"/>
-            <ac:cxnSpMk id="190" creationId="{4F9605E9-0FCB-4676-9FD4-352E0C94E51E}"/>
-          </ac:cxnSpMkLst>
-        </pc:cxnChg>
-        <pc:cxnChg chg="add del mod">
-          <ac:chgData name="Matt Carlson" userId="0e792f37f00095d9" providerId="LiveId" clId="{354C8280-3915-4DFF-AB06-EBE740204D41}" dt="2019-04-28T07:34:28.202" v="111" actId="478"/>
-          <ac:cxnSpMkLst>
-            <pc:docMk/>
-            <pc:sldMk cId="0" sldId="274"/>
-            <ac:cxnSpMk id="191" creationId="{9F24C40C-6F21-4191-BA7D-4D2436787C59}"/>
-          </ac:cxnSpMkLst>
-        </pc:cxnChg>
-        <pc:cxnChg chg="add mod ord">
-          <ac:chgData name="Matt Carlson" userId="0e792f37f00095d9" providerId="LiveId" clId="{354C8280-3915-4DFF-AB06-EBE740204D41}" dt="2019-04-28T07:41:52.603" v="181" actId="167"/>
-          <ac:cxnSpMkLst>
-            <pc:docMk/>
-            <pc:sldMk cId="0" sldId="274"/>
-            <ac:cxnSpMk id="225" creationId="{28ACE711-D2C9-4FAA-AD1B-6F59F8EC1F46}"/>
-          </ac:cxnSpMkLst>
-        </pc:cxnChg>
-        <pc:cxnChg chg="add mod">
-          <ac:chgData name="Matt Carlson" userId="0e792f37f00095d9" providerId="LiveId" clId="{354C8280-3915-4DFF-AB06-EBE740204D41}" dt="2019-04-28T07:43:07.342" v="193" actId="14100"/>
-          <ac:cxnSpMkLst>
-            <pc:docMk/>
-            <pc:sldMk cId="0" sldId="274"/>
-            <ac:cxnSpMk id="227" creationId="{6EC2A9DE-8B0E-4C68-8D86-BBE3741C9D23}"/>
-          </ac:cxnSpMkLst>
-        </pc:cxnChg>
-        <pc:cxnChg chg="add mod">
-          <ac:chgData name="Matt Carlson" userId="0e792f37f00095d9" providerId="LiveId" clId="{354C8280-3915-4DFF-AB06-EBE740204D41}" dt="2019-04-28T07:43:16.774" v="196" actId="14100"/>
-          <ac:cxnSpMkLst>
-            <pc:docMk/>
-            <pc:sldMk cId="0" sldId="274"/>
-            <ac:cxnSpMk id="230" creationId="{65218A77-BD40-496D-B653-DE5886BE703D}"/>
-          </ac:cxnSpMkLst>
-        </pc:cxnChg>
-        <pc:cxnChg chg="add mod">
-          <ac:chgData name="Matt Carlson" userId="0e792f37f00095d9" providerId="LiveId" clId="{354C8280-3915-4DFF-AB06-EBE740204D41}" dt="2019-04-28T07:43:22.079" v="200" actId="14100"/>
-          <ac:cxnSpMkLst>
-            <pc:docMk/>
-            <pc:sldMk cId="0" sldId="274"/>
-            <ac:cxnSpMk id="233" creationId="{F547890D-4D6D-401F-965F-91C48BEF4021}"/>
-          </ac:cxnSpMkLst>
-        </pc:cxnChg>
-      </pc:sldChg>
-    </pc:docChg>
-  </pc:docChgLst>
-  <pc:docChgLst>
-    <pc:chgData name="Matt Carlson" userId="0e792f37f00095d9" providerId="LiveId" clId="{E88151BB-15CF-4C9B-84F7-8BC7B7DF1626}"/>
-    <pc:docChg chg="addSld delSld modSld">
-      <pc:chgData name="Matt Carlson" userId="0e792f37f00095d9" providerId="LiveId" clId="{E88151BB-15CF-4C9B-84F7-8BC7B7DF1626}" dt="2020-07-25T07:17:26.948" v="9" actId="1036"/>
-      <pc:docMkLst>
-        <pc:docMk/>
-      </pc:docMkLst>
-      <pc:sldChg chg="del">
-        <pc:chgData name="Matt Carlson" userId="0e792f37f00095d9" providerId="LiveId" clId="{E88151BB-15CF-4C9B-84F7-8BC7B7DF1626}" dt="2020-07-25T07:04:08.540" v="1" actId="47"/>
-        <pc:sldMkLst>
-          <pc:docMk/>
-          <pc:sldMk cId="0" sldId="274"/>
-        </pc:sldMkLst>
-      </pc:sldChg>
-      <pc:sldChg chg="modSp add mod">
-        <pc:chgData name="Matt Carlson" userId="0e792f37f00095d9" providerId="LiveId" clId="{E88151BB-15CF-4C9B-84F7-8BC7B7DF1626}" dt="2020-07-25T07:17:26.948" v="9" actId="1036"/>
-        <pc:sldMkLst>
-          <pc:docMk/>
-          <pc:sldMk cId="487480502" sldId="275"/>
-        </pc:sldMkLst>
-        <pc:graphicFrameChg chg="modGraphic">
-          <ac:chgData name="Matt Carlson" userId="0e792f37f00095d9" providerId="LiveId" clId="{E88151BB-15CF-4C9B-84F7-8BC7B7DF1626}" dt="2020-07-25T07:04:38.196" v="7" actId="20577"/>
-          <ac:graphicFrameMkLst>
-            <pc:docMk/>
-            <pc:sldMk cId="487480502" sldId="275"/>
-            <ac:graphicFrameMk id="110" creationId="{00000000-0000-0000-0000-000000000000}"/>
-          </ac:graphicFrameMkLst>
-        </pc:graphicFrameChg>
-        <pc:picChg chg="mod">
-          <ac:chgData name="Matt Carlson" userId="0e792f37f00095d9" providerId="LiveId" clId="{E88151BB-15CF-4C9B-84F7-8BC7B7DF1626}" dt="2020-07-25T07:17:26.948" v="9" actId="1036"/>
-          <ac:picMkLst>
-            <pc:docMk/>
-            <pc:sldMk cId="487480502" sldId="275"/>
-            <ac:picMk id="3113" creationId="{00000000-0000-0000-0000-000000000000}"/>
-          </ac:picMkLst>
-        </pc:picChg>
-        <pc:picChg chg="mod">
-          <ac:chgData name="Matt Carlson" userId="0e792f37f00095d9" providerId="LiveId" clId="{E88151BB-15CF-4C9B-84F7-8BC7B7DF1626}" dt="2020-07-25T07:17:26.948" v="9" actId="1036"/>
-          <ac:picMkLst>
-            <pc:docMk/>
-            <pc:sldMk cId="487480502" sldId="275"/>
-            <ac:picMk id="3114" creationId="{00000000-0000-0000-0000-000000000000}"/>
-          </ac:picMkLst>
-        </pc:picChg>
-      </pc:sldChg>
-    </pc:docChg>
-  </pc:docChgLst>
-  <pc:docChgLst>
-    <pc:chgData name="Matt Carlson" userId="0e792f37f00095d9" providerId="LiveId" clId="{5CFCC283-3760-4963-8178-2319E33C76D7}"/>
-    <pc:docChg chg="undo modSld">
-      <pc:chgData name="Matt Carlson" userId="0e792f37f00095d9" providerId="LiveId" clId="{5CFCC283-3760-4963-8178-2319E33C76D7}" dt="2019-04-27T04:48:25.269" v="38" actId="1076"/>
-      <pc:docMkLst>
-        <pc:docMk/>
-      </pc:docMkLst>
-      <pc:sldChg chg="addSp delSp modSp">
-        <pc:chgData name="Matt Carlson" userId="0e792f37f00095d9" providerId="LiveId" clId="{5CFCC283-3760-4963-8178-2319E33C76D7}" dt="2019-04-27T04:48:25.269" v="38" actId="1076"/>
-        <pc:sldMkLst>
-          <pc:docMk/>
-          <pc:sldMk cId="0" sldId="274"/>
-        </pc:sldMkLst>
-        <pc:spChg chg="add del">
-          <ac:chgData name="Matt Carlson" userId="0e792f37f00095d9" providerId="LiveId" clId="{5CFCC283-3760-4963-8178-2319E33C76D7}" dt="2019-04-27T04:48:24.867" v="37" actId="478"/>
-          <ac:spMkLst>
-            <pc:docMk/>
-            <pc:sldMk cId="0" sldId="274"/>
-            <ac:spMk id="3094" creationId="{00000000-0000-0000-0000-000000000000}"/>
-          </ac:spMkLst>
-        </pc:spChg>
-        <pc:spChg chg="add del">
-          <ac:chgData name="Matt Carlson" userId="0e792f37f00095d9" providerId="LiveId" clId="{5CFCC283-3760-4963-8178-2319E33C76D7}" dt="2019-04-27T04:48:24.867" v="37" actId="478"/>
-          <ac:spMkLst>
-            <pc:docMk/>
-            <pc:sldMk cId="0" sldId="274"/>
-            <ac:spMk id="3095" creationId="{00000000-0000-0000-0000-000000000000}"/>
-          </ac:spMkLst>
-        </pc:spChg>
-        <pc:spChg chg="add del">
-          <ac:chgData name="Matt Carlson" userId="0e792f37f00095d9" providerId="LiveId" clId="{5CFCC283-3760-4963-8178-2319E33C76D7}" dt="2019-04-27T04:48:24.867" v="37" actId="478"/>
-          <ac:spMkLst>
-            <pc:docMk/>
-            <pc:sldMk cId="0" sldId="274"/>
-            <ac:spMk id="3096" creationId="{00000000-0000-0000-0000-000000000000}"/>
-          </ac:spMkLst>
-        </pc:spChg>
-        <pc:grpChg chg="add del">
-          <ac:chgData name="Matt Carlson" userId="0e792f37f00095d9" providerId="LiveId" clId="{5CFCC283-3760-4963-8178-2319E33C76D7}" dt="2019-04-27T04:48:24.867" v="37" actId="478"/>
-          <ac:grpSpMkLst>
-            <pc:docMk/>
-            <pc:sldMk cId="0" sldId="274"/>
-            <ac:grpSpMk id="3090" creationId="{00000000-0000-0000-0000-000000000000}"/>
-          </ac:grpSpMkLst>
-        </pc:grpChg>
-        <pc:grpChg chg="add del">
-          <ac:chgData name="Matt Carlson" userId="0e792f37f00095d9" providerId="LiveId" clId="{5CFCC283-3760-4963-8178-2319E33C76D7}" dt="2019-04-27T04:48:24.867" v="37" actId="478"/>
-          <ac:grpSpMkLst>
-            <pc:docMk/>
-            <pc:sldMk cId="0" sldId="274"/>
-            <ac:grpSpMk id="3091" creationId="{00000000-0000-0000-0000-000000000000}"/>
-          </ac:grpSpMkLst>
-        </pc:grpChg>
-        <pc:grpChg chg="add del">
-          <ac:chgData name="Matt Carlson" userId="0e792f37f00095d9" providerId="LiveId" clId="{5CFCC283-3760-4963-8178-2319E33C76D7}" dt="2019-04-27T04:48:24.867" v="37" actId="478"/>
-          <ac:grpSpMkLst>
-            <pc:docMk/>
-            <pc:sldMk cId="0" sldId="274"/>
-            <ac:grpSpMk id="3092" creationId="{00000000-0000-0000-0000-000000000000}"/>
-          </ac:grpSpMkLst>
-        </pc:grpChg>
-        <pc:grpChg chg="add del">
-          <ac:chgData name="Matt Carlson" userId="0e792f37f00095d9" providerId="LiveId" clId="{5CFCC283-3760-4963-8178-2319E33C76D7}" dt="2019-04-27T04:48:24.867" v="37" actId="478"/>
-          <ac:grpSpMkLst>
-            <pc:docMk/>
-            <pc:sldMk cId="0" sldId="274"/>
-            <ac:grpSpMk id="3093" creationId="{00000000-0000-0000-0000-000000000000}"/>
-          </ac:grpSpMkLst>
-        </pc:grpChg>
-        <pc:grpChg chg="add del">
-          <ac:chgData name="Matt Carlson" userId="0e792f37f00095d9" providerId="LiveId" clId="{5CFCC283-3760-4963-8178-2319E33C76D7}" dt="2019-04-27T04:48:24.867" v="37" actId="478"/>
-          <ac:grpSpMkLst>
-            <pc:docMk/>
-            <pc:sldMk cId="0" sldId="274"/>
-            <ac:grpSpMk id="3101" creationId="{00000000-0000-0000-0000-000000000000}"/>
-          </ac:grpSpMkLst>
-        </pc:grpChg>
-        <pc:grpChg chg="add del">
-          <ac:chgData name="Matt Carlson" userId="0e792f37f00095d9" providerId="LiveId" clId="{5CFCC283-3760-4963-8178-2319E33C76D7}" dt="2019-04-27T04:48:24.867" v="37" actId="478"/>
-          <ac:grpSpMkLst>
-            <pc:docMk/>
-            <pc:sldMk cId="0" sldId="274"/>
-            <ac:grpSpMk id="3102" creationId="{00000000-0000-0000-0000-000000000000}"/>
-          </ac:grpSpMkLst>
-        </pc:grpChg>
-        <pc:grpChg chg="add del">
-          <ac:chgData name="Matt Carlson" userId="0e792f37f00095d9" providerId="LiveId" clId="{5CFCC283-3760-4963-8178-2319E33C76D7}" dt="2019-04-27T04:48:24.867" v="37" actId="478"/>
-          <ac:grpSpMkLst>
-            <pc:docMk/>
-            <pc:sldMk cId="0" sldId="274"/>
-            <ac:grpSpMk id="3103" creationId="{00000000-0000-0000-0000-000000000000}"/>
-          </ac:grpSpMkLst>
-        </pc:grpChg>
-        <pc:grpChg chg="add del">
-          <ac:chgData name="Matt Carlson" userId="0e792f37f00095d9" providerId="LiveId" clId="{5CFCC283-3760-4963-8178-2319E33C76D7}" dt="2019-04-27T04:48:24.867" v="37" actId="478"/>
-          <ac:grpSpMkLst>
-            <pc:docMk/>
-            <pc:sldMk cId="0" sldId="274"/>
-            <ac:grpSpMk id="3104" creationId="{00000000-0000-0000-0000-000000000000}"/>
-          </ac:grpSpMkLst>
-        </pc:grpChg>
-        <pc:grpChg chg="add del">
-          <ac:chgData name="Matt Carlson" userId="0e792f37f00095d9" providerId="LiveId" clId="{5CFCC283-3760-4963-8178-2319E33C76D7}" dt="2019-04-27T04:48:24.867" v="37" actId="478"/>
-          <ac:grpSpMkLst>
-            <pc:docMk/>
-            <pc:sldMk cId="0" sldId="274"/>
-            <ac:grpSpMk id="3105" creationId="{00000000-0000-0000-0000-000000000000}"/>
-          </ac:grpSpMkLst>
-        </pc:grpChg>
-        <pc:grpChg chg="add del">
-          <ac:chgData name="Matt Carlson" userId="0e792f37f00095d9" providerId="LiveId" clId="{5CFCC283-3760-4963-8178-2319E33C76D7}" dt="2019-04-27T04:48:24.867" v="37" actId="478"/>
-          <ac:grpSpMkLst>
-            <pc:docMk/>
-            <pc:sldMk cId="0" sldId="274"/>
-            <ac:grpSpMk id="3106" creationId="{00000000-0000-0000-0000-000000000000}"/>
-          </ac:grpSpMkLst>
-        </pc:grpChg>
-        <pc:grpChg chg="add del">
-          <ac:chgData name="Matt Carlson" userId="0e792f37f00095d9" providerId="LiveId" clId="{5CFCC283-3760-4963-8178-2319E33C76D7}" dt="2019-04-27T04:48:24.867" v="37" actId="478"/>
-          <ac:grpSpMkLst>
-            <pc:docMk/>
-            <pc:sldMk cId="0" sldId="274"/>
-            <ac:grpSpMk id="3107" creationId="{00000000-0000-0000-0000-000000000000}"/>
-          </ac:grpSpMkLst>
-        </pc:grpChg>
-        <pc:grpChg chg="add del">
-          <ac:chgData name="Matt Carlson" userId="0e792f37f00095d9" providerId="LiveId" clId="{5CFCC283-3760-4963-8178-2319E33C76D7}" dt="2019-04-27T04:48:24.867" v="37" actId="478"/>
-          <ac:grpSpMkLst>
-            <pc:docMk/>
-            <pc:sldMk cId="0" sldId="274"/>
-            <ac:grpSpMk id="3108" creationId="{00000000-0000-0000-0000-000000000000}"/>
-          </ac:grpSpMkLst>
-        </pc:grpChg>
-        <pc:grpChg chg="add del">
-          <ac:chgData name="Matt Carlson" userId="0e792f37f00095d9" providerId="LiveId" clId="{5CFCC283-3760-4963-8178-2319E33C76D7}" dt="2019-04-27T04:48:24.867" v="37" actId="478"/>
-          <ac:grpSpMkLst>
-            <pc:docMk/>
-            <pc:sldMk cId="0" sldId="274"/>
-            <ac:grpSpMk id="3109" creationId="{00000000-0000-0000-0000-000000000000}"/>
-          </ac:grpSpMkLst>
-        </pc:grpChg>
-        <pc:grpChg chg="add del">
-          <ac:chgData name="Matt Carlson" userId="0e792f37f00095d9" providerId="LiveId" clId="{5CFCC283-3760-4963-8178-2319E33C76D7}" dt="2019-04-27T04:48:24.867" v="37" actId="478"/>
-          <ac:grpSpMkLst>
-            <pc:docMk/>
-            <pc:sldMk cId="0" sldId="274"/>
-            <ac:grpSpMk id="3110" creationId="{00000000-0000-0000-0000-000000000000}"/>
-          </ac:grpSpMkLst>
-        </pc:grpChg>
-        <pc:grpChg chg="mod">
-          <ac:chgData name="Matt Carlson" userId="0e792f37f00095d9" providerId="LiveId" clId="{5CFCC283-3760-4963-8178-2319E33C76D7}" dt="2019-04-27T04:48:25.269" v="38" actId="1076"/>
-          <ac:grpSpMkLst>
-            <pc:docMk/>
-            <pc:sldMk cId="0" sldId="274"/>
-            <ac:grpSpMk id="3111" creationId="{00000000-0000-0000-0000-000000000000}"/>
-          </ac:grpSpMkLst>
-        </pc:grpChg>
-        <pc:graphicFrameChg chg="mod modGraphic">
-          <ac:chgData name="Matt Carlson" userId="0e792f37f00095d9" providerId="LiveId" clId="{5CFCC283-3760-4963-8178-2319E33C76D7}" dt="2019-04-27T04:47:45.993" v="34" actId="20577"/>
-          <ac:graphicFrameMkLst>
-            <pc:docMk/>
-            <pc:sldMk cId="0" sldId="274"/>
-            <ac:graphicFrameMk id="110" creationId="{00000000-0000-0000-0000-000000000000}"/>
-          </ac:graphicFrameMkLst>
-        </pc:graphicFrameChg>
-        <pc:cxnChg chg="add del">
-          <ac:chgData name="Matt Carlson" userId="0e792f37f00095d9" providerId="LiveId" clId="{5CFCC283-3760-4963-8178-2319E33C76D7}" dt="2019-04-27T04:48:24.867" v="37" actId="478"/>
-          <ac:cxnSpMkLst>
-            <pc:docMk/>
-            <pc:sldMk cId="0" sldId="274"/>
-            <ac:cxnSpMk id="144" creationId="{00000000-0000-0000-0000-000000000000}"/>
-          </ac:cxnSpMkLst>
-        </pc:cxnChg>
-      </pc:sldChg>
-    </pc:docChg>
-  </pc:docChgLst>
-  <pc:docChgLst>
-    <pc:chgData name="Matt Carlson" userId="0e792f37f00095d9" providerId="LiveId" clId="{FAD5F499-209B-41A5-B992-814F8A1DAE63}"/>
-    <pc:docChg chg="undo custSel modSld">
-      <pc:chgData name="Matt Carlson" userId="0e792f37f00095d9" providerId="LiveId" clId="{FAD5F499-209B-41A5-B992-814F8A1DAE63}" dt="2019-05-26T14:57:40.745" v="511" actId="20577"/>
-      <pc:docMkLst>
-        <pc:docMk/>
-      </pc:docMkLst>
-      <pc:sldChg chg="addSp delSp modSp">
-        <pc:chgData name="Matt Carlson" userId="0e792f37f00095d9" providerId="LiveId" clId="{FAD5F499-209B-41A5-B992-814F8A1DAE63}" dt="2019-05-26T14:57:40.745" v="511" actId="20577"/>
-        <pc:sldMkLst>
-          <pc:docMk/>
-          <pc:sldMk cId="0" sldId="274"/>
-        </pc:sldMkLst>
-        <pc:spChg chg="add mod">
-          <ac:chgData name="Matt Carlson" userId="0e792f37f00095d9" providerId="LiveId" clId="{FAD5F499-209B-41A5-B992-814F8A1DAE63}" dt="2019-05-26T14:55:46.755" v="355" actId="1076"/>
-          <ac:spMkLst>
-            <pc:docMk/>
-            <pc:sldMk cId="0" sldId="274"/>
-            <ac:spMk id="2" creationId="{366ED290-982C-4ACF-B90A-31B57E8CE0B8}"/>
-          </ac:spMkLst>
-        </pc:spChg>
-        <pc:spChg chg="del">
-          <ac:chgData name="Matt Carlson" userId="0e792f37f00095d9" providerId="LiveId" clId="{FAD5F499-209B-41A5-B992-814F8A1DAE63}" dt="2019-05-24T06:21:39.908" v="0" actId="478"/>
-          <ac:spMkLst>
-            <pc:docMk/>
-            <pc:sldMk cId="0" sldId="274"/>
-            <ac:spMk id="93" creationId="{94E944EB-6B33-44F6-96B7-2AF31093415F}"/>
-          </ac:spMkLst>
-        </pc:spChg>
-        <pc:spChg chg="del">
-          <ac:chgData name="Matt Carlson" userId="0e792f37f00095d9" providerId="LiveId" clId="{FAD5F499-209B-41A5-B992-814F8A1DAE63}" dt="2019-05-24T06:21:39.908" v="0" actId="478"/>
-          <ac:spMkLst>
-            <pc:docMk/>
-            <pc:sldMk cId="0" sldId="274"/>
-            <ac:spMk id="118" creationId="{B6CCA4B7-A9DD-49D8-883C-C855078C596F}"/>
-          </ac:spMkLst>
-        </pc:spChg>
-        <pc:spChg chg="del">
-          <ac:chgData name="Matt Carlson" userId="0e792f37f00095d9" providerId="LiveId" clId="{FAD5F499-209B-41A5-B992-814F8A1DAE63}" dt="2019-05-24T06:21:39.908" v="0" actId="478"/>
-          <ac:spMkLst>
-            <pc:docMk/>
-            <pc:sldMk cId="0" sldId="274"/>
-            <ac:spMk id="119" creationId="{F8AD4A5A-9137-4613-9800-F74C13A274E6}"/>
-          </ac:spMkLst>
-        </pc:spChg>
-        <pc:spChg chg="del">
-          <ac:chgData name="Matt Carlson" userId="0e792f37f00095d9" providerId="LiveId" clId="{FAD5F499-209B-41A5-B992-814F8A1DAE63}" dt="2019-05-24T06:21:39.908" v="0" actId="478"/>
-          <ac:spMkLst>
-            <pc:docMk/>
-            <pc:sldMk cId="0" sldId="274"/>
-            <ac:spMk id="130" creationId="{F70127B7-0351-466A-8062-A58094837A63}"/>
-          </ac:spMkLst>
-        </pc:spChg>
-        <pc:spChg chg="add mod">
-          <ac:chgData name="Matt Carlson" userId="0e792f37f00095d9" providerId="LiveId" clId="{FAD5F499-209B-41A5-B992-814F8A1DAE63}" dt="2019-05-26T14:55:40.410" v="353" actId="1076"/>
-          <ac:spMkLst>
-            <pc:docMk/>
-            <pc:sldMk cId="0" sldId="274"/>
-            <ac:spMk id="143" creationId="{B810AD42-F445-464A-929F-6F80E184D1D3}"/>
-          </ac:spMkLst>
-        </pc:spChg>
-        <pc:spChg chg="del">
-          <ac:chgData name="Matt Carlson" userId="0e792f37f00095d9" providerId="LiveId" clId="{FAD5F499-209B-41A5-B992-814F8A1DAE63}" dt="2019-05-24T06:21:39.908" v="0" actId="478"/>
-          <ac:spMkLst>
-            <pc:docMk/>
-            <pc:sldMk cId="0" sldId="274"/>
-            <ac:spMk id="169" creationId="{22D3E718-906C-4FC3-8BE8-F752B3C43967}"/>
-          </ac:spMkLst>
-        </pc:spChg>
-        <pc:spChg chg="del">
-          <ac:chgData name="Matt Carlson" userId="0e792f37f00095d9" providerId="LiveId" clId="{FAD5F499-209B-41A5-B992-814F8A1DAE63}" dt="2019-05-24T06:21:39.908" v="0" actId="478"/>
-          <ac:spMkLst>
-            <pc:docMk/>
-            <pc:sldMk cId="0" sldId="274"/>
-            <ac:spMk id="176" creationId="{F90835B5-990E-4EE2-BE13-6B013E67334E}"/>
-          </ac:spMkLst>
-        </pc:spChg>
-        <pc:spChg chg="del">
-          <ac:chgData name="Matt Carlson" userId="0e792f37f00095d9" providerId="LiveId" clId="{FAD5F499-209B-41A5-B992-814F8A1DAE63}" dt="2019-05-24T06:21:39.908" v="0" actId="478"/>
-          <ac:spMkLst>
-            <pc:docMk/>
-            <pc:sldMk cId="0" sldId="274"/>
-            <ac:spMk id="177" creationId="{C6B92204-4E45-4777-A390-39BE01B4DE8E}"/>
-          </ac:spMkLst>
-        </pc:spChg>
-        <pc:spChg chg="del">
-          <ac:chgData name="Matt Carlson" userId="0e792f37f00095d9" providerId="LiveId" clId="{FAD5F499-209B-41A5-B992-814F8A1DAE63}" dt="2019-05-24T06:21:39.908" v="0" actId="478"/>
-          <ac:spMkLst>
-            <pc:docMk/>
-            <pc:sldMk cId="0" sldId="274"/>
-            <ac:spMk id="178" creationId="{363E4109-AA05-4C41-B0ED-8E46A3C78584}"/>
-          </ac:spMkLst>
-        </pc:spChg>
-        <pc:spChg chg="del">
-          <ac:chgData name="Matt Carlson" userId="0e792f37f00095d9" providerId="LiveId" clId="{FAD5F499-209B-41A5-B992-814F8A1DAE63}" dt="2019-05-24T06:21:39.908" v="0" actId="478"/>
-          <ac:spMkLst>
-            <pc:docMk/>
-            <pc:sldMk cId="0" sldId="274"/>
-            <ac:spMk id="186" creationId="{77A2141A-93B6-4F61-9D9F-CCC4EF2F5102}"/>
-          </ac:spMkLst>
-        </pc:spChg>
-        <pc:spChg chg="del">
-          <ac:chgData name="Matt Carlson" userId="0e792f37f00095d9" providerId="LiveId" clId="{FAD5F499-209B-41A5-B992-814F8A1DAE63}" dt="2019-05-24T06:21:39.908" v="0" actId="478"/>
-          <ac:spMkLst>
-            <pc:docMk/>
-            <pc:sldMk cId="0" sldId="274"/>
-            <ac:spMk id="192" creationId="{73250CBA-9C89-4B3B-8598-0A1972AFC637}"/>
-          </ac:spMkLst>
-        </pc:spChg>
-        <pc:spChg chg="del">
-          <ac:chgData name="Matt Carlson" userId="0e792f37f00095d9" providerId="LiveId" clId="{FAD5F499-209B-41A5-B992-814F8A1DAE63}" dt="2019-05-24T06:21:39.908" v="0" actId="478"/>
-          <ac:spMkLst>
-            <pc:docMk/>
-            <pc:sldMk cId="0" sldId="274"/>
-            <ac:spMk id="224" creationId="{F4F0BF0D-065F-4145-88D3-5A288BA2D76C}"/>
-          </ac:spMkLst>
-        </pc:spChg>
-        <pc:spChg chg="del">
-          <ac:chgData name="Matt Carlson" userId="0e792f37f00095d9" providerId="LiveId" clId="{FAD5F499-209B-41A5-B992-814F8A1DAE63}" dt="2019-05-24T06:21:39.908" v="0" actId="478"/>
-          <ac:spMkLst>
-            <pc:docMk/>
-            <pc:sldMk cId="0" sldId="274"/>
-            <ac:spMk id="226" creationId="{C244D3CE-56FB-484F-8CAD-7844D7C98A4C}"/>
-          </ac:spMkLst>
-        </pc:spChg>
-        <pc:spChg chg="add mod">
-          <ac:chgData name="Matt Carlson" userId="0e792f37f00095d9" providerId="LiveId" clId="{FAD5F499-209B-41A5-B992-814F8A1DAE63}" dt="2019-05-24T07:15:38.963" v="224" actId="1076"/>
-          <ac:spMkLst>
-            <pc:docMk/>
-            <pc:sldMk cId="0" sldId="274"/>
-            <ac:spMk id="234" creationId="{D83C1F1B-5A8D-4220-A76D-DA491F6C3EF2}"/>
-          </ac:spMkLst>
-        </pc:spChg>
-        <pc:spChg chg="add mod ord">
-          <ac:chgData name="Matt Carlson" userId="0e792f37f00095d9" providerId="LiveId" clId="{FAD5F499-209B-41A5-B992-814F8A1DAE63}" dt="2019-05-24T07:15:38.963" v="224" actId="1076"/>
-          <ac:spMkLst>
-            <pc:docMk/>
-            <pc:sldMk cId="0" sldId="274"/>
-            <ac:spMk id="235" creationId="{5933598B-B721-478E-A6CF-85963701A98B}"/>
-          </ac:spMkLst>
-        </pc:spChg>
-        <pc:spChg chg="add mod">
-          <ac:chgData name="Matt Carlson" userId="0e792f37f00095d9" providerId="LiveId" clId="{FAD5F499-209B-41A5-B992-814F8A1DAE63}" dt="2019-05-24T07:15:38.963" v="224" actId="1076"/>
-          <ac:spMkLst>
-            <pc:docMk/>
-            <pc:sldMk cId="0" sldId="274"/>
-            <ac:spMk id="236" creationId="{9DDFE735-B72A-4272-91A3-83ED21BA6471}"/>
-          </ac:spMkLst>
-        </pc:spChg>
-        <pc:spChg chg="add mod">
-          <ac:chgData name="Matt Carlson" userId="0e792f37f00095d9" providerId="LiveId" clId="{FAD5F499-209B-41A5-B992-814F8A1DAE63}" dt="2019-05-24T07:15:38.963" v="224" actId="1076"/>
-          <ac:spMkLst>
-            <pc:docMk/>
-            <pc:sldMk cId="0" sldId="274"/>
-            <ac:spMk id="237" creationId="{2701F47D-95CA-401B-84F0-431560B8971B}"/>
-          </ac:spMkLst>
-        </pc:spChg>
-        <pc:spChg chg="del">
-          <ac:chgData name="Matt Carlson" userId="0e792f37f00095d9" providerId="LiveId" clId="{FAD5F499-209B-41A5-B992-814F8A1DAE63}" dt="2019-05-24T06:29:49.042" v="35" actId="478"/>
-          <ac:spMkLst>
-            <pc:docMk/>
-            <pc:sldMk cId="0" sldId="274"/>
-            <ac:spMk id="243" creationId="{D64EB58D-C32C-43B2-BD18-EFDCA27BD799}"/>
-          </ac:spMkLst>
-        </pc:spChg>
-        <pc:spChg chg="del topLvl">
-          <ac:chgData name="Matt Carlson" userId="0e792f37f00095d9" providerId="LiveId" clId="{FAD5F499-209B-41A5-B992-814F8A1DAE63}" dt="2019-05-24T06:29:51.195" v="36" actId="478"/>
-          <ac:spMkLst>
-            <pc:docMk/>
-            <pc:sldMk cId="0" sldId="274"/>
-            <ac:spMk id="244" creationId="{C58292FF-7CE7-45D8-B312-8B7A6274E032}"/>
-          </ac:spMkLst>
-        </pc:spChg>
-        <pc:spChg chg="mod ord topLvl">
-          <ac:chgData name="Matt Carlson" userId="0e792f37f00095d9" providerId="LiveId" clId="{FAD5F499-209B-41A5-B992-814F8A1DAE63}" dt="2019-05-24T06:30:44.331" v="45" actId="164"/>
-          <ac:spMkLst>
-            <pc:docMk/>
-            <pc:sldMk cId="0" sldId="274"/>
-            <ac:spMk id="245" creationId="{555CD05B-1499-4389-BD35-EB73C5BF1159}"/>
-          </ac:spMkLst>
-        </pc:spChg>
-        <pc:spChg chg="add mod">
-          <ac:chgData name="Matt Carlson" userId="0e792f37f00095d9" providerId="LiveId" clId="{FAD5F499-209B-41A5-B992-814F8A1DAE63}" dt="2019-05-24T06:30:40.649" v="44" actId="164"/>
-          <ac:spMkLst>
-            <pc:docMk/>
-            <pc:sldMk cId="0" sldId="274"/>
-            <ac:spMk id="258" creationId="{6529DBBD-F244-4481-8CA2-26CED384C0BE}"/>
-          </ac:spMkLst>
-        </pc:spChg>
-        <pc:spChg chg="add mod">
-          <ac:chgData name="Matt Carlson" userId="0e792f37f00095d9" providerId="LiveId" clId="{FAD5F499-209B-41A5-B992-814F8A1DAE63}" dt="2019-05-24T07:15:38.963" v="224" actId="1076"/>
-          <ac:spMkLst>
-            <pc:docMk/>
-            <pc:sldMk cId="0" sldId="274"/>
-            <ac:spMk id="260" creationId="{53D4671D-34FB-40EE-B2E0-85E96E49C42B}"/>
-          </ac:spMkLst>
-        </pc:spChg>
-        <pc:spChg chg="add mod">
-          <ac:chgData name="Matt Carlson" userId="0e792f37f00095d9" providerId="LiveId" clId="{FAD5F499-209B-41A5-B992-814F8A1DAE63}" dt="2019-05-24T07:15:38.963" v="224" actId="1076"/>
-          <ac:spMkLst>
-            <pc:docMk/>
-            <pc:sldMk cId="0" sldId="274"/>
-            <ac:spMk id="274" creationId="{3E1B89AC-D1E3-478A-97D0-0E7D98B27997}"/>
-          </ac:spMkLst>
-        </pc:spChg>
-        <pc:spChg chg="add mod ord">
-          <ac:chgData name="Matt Carlson" userId="0e792f37f00095d9" providerId="LiveId" clId="{FAD5F499-209B-41A5-B992-814F8A1DAE63}" dt="2019-05-24T07:15:38.963" v="224" actId="1076"/>
-          <ac:spMkLst>
-            <pc:docMk/>
-            <pc:sldMk cId="0" sldId="274"/>
-            <ac:spMk id="283" creationId="{B6277E89-6024-47C7-904B-29834355E750}"/>
-          </ac:spMkLst>
-        </pc:spChg>
-        <pc:spChg chg="add mod ord">
-          <ac:chgData name="Matt Carlson" userId="0e792f37f00095d9" providerId="LiveId" clId="{FAD5F499-209B-41A5-B992-814F8A1DAE63}" dt="2019-05-24T07:15:38.963" v="224" actId="1076"/>
-          <ac:spMkLst>
-            <pc:docMk/>
-            <pc:sldMk cId="0" sldId="274"/>
-            <ac:spMk id="284" creationId="{C345E80E-C525-473D-A14A-A7236AC1FEAD}"/>
-          </ac:spMkLst>
-        </pc:spChg>
-        <pc:grpChg chg="add mod ord">
-          <ac:chgData name="Matt Carlson" userId="0e792f37f00095d9" providerId="LiveId" clId="{FAD5F499-209B-41A5-B992-814F8A1DAE63}" dt="2019-05-24T07:15:38.963" v="224" actId="1076"/>
-          <ac:grpSpMkLst>
-            <pc:docMk/>
-            <pc:sldMk cId="0" sldId="274"/>
-            <ac:grpSpMk id="3" creationId="{6C7B07C8-5189-484D-A780-23D07C61CF12}"/>
-          </ac:grpSpMkLst>
-        </pc:grpChg>
-        <pc:grpChg chg="add mod ord">
-          <ac:chgData name="Matt Carlson" userId="0e792f37f00095d9" providerId="LiveId" clId="{FAD5F499-209B-41A5-B992-814F8A1DAE63}" dt="2019-05-24T07:15:38.963" v="224" actId="1076"/>
-          <ac:grpSpMkLst>
-            <pc:docMk/>
-            <pc:sldMk cId="0" sldId="274"/>
-            <ac:grpSpMk id="4" creationId="{8785887F-DECC-47E4-A37C-401A7817AF44}"/>
-          </ac:grpSpMkLst>
-        </pc:grpChg>
-        <pc:grpChg chg="del">
-          <ac:chgData name="Matt Carlson" userId="0e792f37f00095d9" providerId="LiveId" clId="{FAD5F499-209B-41A5-B992-814F8A1DAE63}" dt="2019-05-24T06:21:39.908" v="0" actId="478"/>
-          <ac:grpSpMkLst>
-            <pc:docMk/>
-            <pc:sldMk cId="0" sldId="274"/>
-            <ac:grpSpMk id="94" creationId="{6DBFD920-7BA5-4B5B-92AC-CE24DDCA5B0C}"/>
-          </ac:grpSpMkLst>
-        </pc:grpChg>
-        <pc:grpChg chg="del">
-          <ac:chgData name="Matt Carlson" userId="0e792f37f00095d9" providerId="LiveId" clId="{FAD5F499-209B-41A5-B992-814F8A1DAE63}" dt="2019-05-24T06:21:39.908" v="0" actId="478"/>
-          <ac:grpSpMkLst>
-            <pc:docMk/>
-            <pc:sldMk cId="0" sldId="274"/>
-            <ac:grpSpMk id="98" creationId="{76F3B999-062B-4F4A-9ED6-5B0855B55664}"/>
-          </ac:grpSpMkLst>
-        </pc:grpChg>
-        <pc:grpChg chg="del">
-          <ac:chgData name="Matt Carlson" userId="0e792f37f00095d9" providerId="LiveId" clId="{FAD5F499-209B-41A5-B992-814F8A1DAE63}" dt="2019-05-24T06:21:39.908" v="0" actId="478"/>
-          <ac:grpSpMkLst>
-            <pc:docMk/>
-            <pc:sldMk cId="0" sldId="274"/>
-            <ac:grpSpMk id="101" creationId="{22DFA2FC-7C89-4392-B3BA-C1C7D0E3188A}"/>
-          </ac:grpSpMkLst>
-        </pc:grpChg>
-        <pc:grpChg chg="del">
-          <ac:chgData name="Matt Carlson" userId="0e792f37f00095d9" providerId="LiveId" clId="{FAD5F499-209B-41A5-B992-814F8A1DAE63}" dt="2019-05-24T06:21:39.908" v="0" actId="478"/>
-          <ac:grpSpMkLst>
-            <pc:docMk/>
-            <pc:sldMk cId="0" sldId="274"/>
-            <ac:grpSpMk id="107" creationId="{E1FC31E3-3B1C-4BFA-94CC-E00723157059}"/>
-          </ac:grpSpMkLst>
-        </pc:grpChg>
-        <pc:grpChg chg="del">
-          <ac:chgData name="Matt Carlson" userId="0e792f37f00095d9" providerId="LiveId" clId="{FAD5F499-209B-41A5-B992-814F8A1DAE63}" dt="2019-05-24T06:21:39.908" v="0" actId="478"/>
-          <ac:grpSpMkLst>
-            <pc:docMk/>
-            <pc:sldMk cId="0" sldId="274"/>
-            <ac:grpSpMk id="113" creationId="{6504B217-319A-448F-B4E0-802613B1E516}"/>
-          </ac:grpSpMkLst>
-        </pc:grpChg>
-        <pc:grpChg chg="del">
-          <ac:chgData name="Matt Carlson" userId="0e792f37f00095d9" providerId="LiveId" clId="{FAD5F499-209B-41A5-B992-814F8A1DAE63}" dt="2019-05-24T06:21:39.908" v="0" actId="478"/>
-          <ac:grpSpMkLst>
-            <pc:docMk/>
-            <pc:sldMk cId="0" sldId="274"/>
-            <ac:grpSpMk id="120" creationId="{12A15363-B780-43BF-8A49-D6FBCDF7F4F5}"/>
-          </ac:grpSpMkLst>
-        </pc:grpChg>
-        <pc:grpChg chg="del">
-          <ac:chgData name="Matt Carlson" userId="0e792f37f00095d9" providerId="LiveId" clId="{FAD5F499-209B-41A5-B992-814F8A1DAE63}" dt="2019-05-24T06:21:39.908" v="0" actId="478"/>
-          <ac:grpSpMkLst>
-            <pc:docMk/>
-            <pc:sldMk cId="0" sldId="274"/>
-            <ac:grpSpMk id="126" creationId="{97AB67AF-C70A-4645-9A6F-5E8FDD7F6720}"/>
-          </ac:grpSpMkLst>
-        </pc:grpChg>
-        <pc:grpChg chg="del">
-          <ac:chgData name="Matt Carlson" userId="0e792f37f00095d9" providerId="LiveId" clId="{FAD5F499-209B-41A5-B992-814F8A1DAE63}" dt="2019-05-24T06:21:39.908" v="0" actId="478"/>
-          <ac:grpSpMkLst>
-            <pc:docMk/>
-            <pc:sldMk cId="0" sldId="274"/>
-            <ac:grpSpMk id="131" creationId="{88F7B05A-1EEF-4CA2-B70F-6328F6F65209}"/>
-          </ac:grpSpMkLst>
-        </pc:grpChg>
-        <pc:grpChg chg="del">
-          <ac:chgData name="Matt Carlson" userId="0e792f37f00095d9" providerId="LiveId" clId="{FAD5F499-209B-41A5-B992-814F8A1DAE63}" dt="2019-05-24T06:21:39.908" v="0" actId="478"/>
-          <ac:grpSpMkLst>
-            <pc:docMk/>
-            <pc:sldMk cId="0" sldId="274"/>
-            <ac:grpSpMk id="135" creationId="{26AE530C-BB67-4706-B666-C4FF37FA4B6F}"/>
-          </ac:grpSpMkLst>
-        </pc:grpChg>
-        <pc:grpChg chg="del">
-          <ac:chgData name="Matt Carlson" userId="0e792f37f00095d9" providerId="LiveId" clId="{FAD5F499-209B-41A5-B992-814F8A1DAE63}" dt="2019-05-24T06:21:39.908" v="0" actId="478"/>
-          <ac:grpSpMkLst>
-            <pc:docMk/>
-            <pc:sldMk cId="0" sldId="274"/>
-            <ac:grpSpMk id="141" creationId="{C8589D5A-E5C0-4765-BC3D-2EA1EB29C53D}"/>
-          </ac:grpSpMkLst>
-        </pc:grpChg>
-        <pc:grpChg chg="add mod">
-          <ac:chgData name="Matt Carlson" userId="0e792f37f00095d9" providerId="LiveId" clId="{FAD5F499-209B-41A5-B992-814F8A1DAE63}" dt="2019-05-24T07:15:38.963" v="224" actId="1076"/>
-          <ac:grpSpMkLst>
-            <pc:docMk/>
-            <pc:sldMk cId="0" sldId="274"/>
-            <ac:grpSpMk id="144" creationId="{37D4B950-9846-4A7E-B5D6-5F1144BEDF88}"/>
-          </ac:grpSpMkLst>
-        </pc:grpChg>
-        <pc:grpChg chg="del">
-          <ac:chgData name="Matt Carlson" userId="0e792f37f00095d9" providerId="LiveId" clId="{FAD5F499-209B-41A5-B992-814F8A1DAE63}" dt="2019-05-24T06:21:39.908" v="0" actId="478"/>
-          <ac:grpSpMkLst>
-            <pc:docMk/>
-            <pc:sldMk cId="0" sldId="274"/>
-            <ac:grpSpMk id="148" creationId="{8C3CDF3D-09CB-4B49-91D5-FB30C452D499}"/>
-          </ac:grpSpMkLst>
-        </pc:grpChg>
-        <pc:grpChg chg="del">
-          <ac:chgData name="Matt Carlson" userId="0e792f37f00095d9" providerId="LiveId" clId="{FAD5F499-209B-41A5-B992-814F8A1DAE63}" dt="2019-05-24T06:21:39.908" v="0" actId="478"/>
-          <ac:grpSpMkLst>
-            <pc:docMk/>
-            <pc:sldMk cId="0" sldId="274"/>
-            <ac:grpSpMk id="151" creationId="{D63CC604-6259-4E39-950B-33233D8AB839}"/>
-          </ac:grpSpMkLst>
-        </pc:grpChg>
-        <pc:grpChg chg="del">
-          <ac:chgData name="Matt Carlson" userId="0e792f37f00095d9" providerId="LiveId" clId="{FAD5F499-209B-41A5-B992-814F8A1DAE63}" dt="2019-05-24T06:21:39.908" v="0" actId="478"/>
-          <ac:grpSpMkLst>
-            <pc:docMk/>
-            <pc:sldMk cId="0" sldId="274"/>
-            <ac:grpSpMk id="154" creationId="{4936B801-28FD-40C2-82F5-6EE7D86798BE}"/>
-          </ac:grpSpMkLst>
-        </pc:grpChg>
-        <pc:grpChg chg="del">
-          <ac:chgData name="Matt Carlson" userId="0e792f37f00095d9" providerId="LiveId" clId="{FAD5F499-209B-41A5-B992-814F8A1DAE63}" dt="2019-05-24T06:21:39.908" v="0" actId="478"/>
-          <ac:grpSpMkLst>
-            <pc:docMk/>
-            <pc:sldMk cId="0" sldId="274"/>
-            <ac:grpSpMk id="158" creationId="{46B47EB6-0904-42FF-982F-DDA112D4910C}"/>
-          </ac:grpSpMkLst>
-        </pc:grpChg>
-        <pc:grpChg chg="del">
-          <ac:chgData name="Matt Carlson" userId="0e792f37f00095d9" providerId="LiveId" clId="{FAD5F499-209B-41A5-B992-814F8A1DAE63}" dt="2019-05-24T06:21:39.908" v="0" actId="478"/>
-          <ac:grpSpMkLst>
-            <pc:docMk/>
-            <pc:sldMk cId="0" sldId="274"/>
-            <ac:grpSpMk id="165" creationId="{3C2BF5C8-08E4-4FA8-8D48-5AB45EBD8E49}"/>
-          </ac:grpSpMkLst>
-        </pc:grpChg>
-        <pc:grpChg chg="del">
-          <ac:chgData name="Matt Carlson" userId="0e792f37f00095d9" providerId="LiveId" clId="{FAD5F499-209B-41A5-B992-814F8A1DAE63}" dt="2019-05-24T06:21:39.908" v="0" actId="478"/>
-          <ac:grpSpMkLst>
-            <pc:docMk/>
-            <pc:sldMk cId="0" sldId="274"/>
-            <ac:grpSpMk id="170" creationId="{715AE625-CB14-48AB-85FC-AD54476D8B52}"/>
-          </ac:grpSpMkLst>
-        </pc:grpChg>
-        <pc:grpChg chg="del">
-          <ac:chgData name="Matt Carlson" userId="0e792f37f00095d9" providerId="LiveId" clId="{FAD5F499-209B-41A5-B992-814F8A1DAE63}" dt="2019-05-24T06:21:39.908" v="0" actId="478"/>
-          <ac:grpSpMkLst>
-            <pc:docMk/>
-            <pc:sldMk cId="0" sldId="274"/>
-            <ac:grpSpMk id="173" creationId="{BA78281D-D6A5-4B2F-89B9-C66F14B886B9}"/>
-          </ac:grpSpMkLst>
-        </pc:grpChg>
-        <pc:grpChg chg="del">
-          <ac:chgData name="Matt Carlson" userId="0e792f37f00095d9" providerId="LiveId" clId="{FAD5F499-209B-41A5-B992-814F8A1DAE63}" dt="2019-05-24T06:21:39.908" v="0" actId="478"/>
-          <ac:grpSpMkLst>
-            <pc:docMk/>
-            <pc:sldMk cId="0" sldId="274"/>
-            <ac:grpSpMk id="179" creationId="{A3AFDFEA-61D2-474D-BDD5-EC5CA5B4AA62}"/>
-          </ac:grpSpMkLst>
-        </pc:grpChg>
-        <pc:grpChg chg="del">
-          <ac:chgData name="Matt Carlson" userId="0e792f37f00095d9" providerId="LiveId" clId="{FAD5F499-209B-41A5-B992-814F8A1DAE63}" dt="2019-05-24T06:21:39.908" v="0" actId="478"/>
-          <ac:grpSpMkLst>
-            <pc:docMk/>
-            <pc:sldMk cId="0" sldId="274"/>
-            <ac:grpSpMk id="183" creationId="{B09BFF96-7C26-46B4-BEB8-44AAA2EF3D9A}"/>
-          </ac:grpSpMkLst>
-        </pc:grpChg>
-        <pc:grpChg chg="del">
-          <ac:chgData name="Matt Carlson" userId="0e792f37f00095d9" providerId="LiveId" clId="{FAD5F499-209B-41A5-B992-814F8A1DAE63}" dt="2019-05-24T06:21:39.908" v="0" actId="478"/>
-          <ac:grpSpMkLst>
-            <pc:docMk/>
-            <pc:sldMk cId="0" sldId="274"/>
-            <ac:grpSpMk id="195" creationId="{EE4991B4-7538-4E9C-87C2-442E9AEFFFD5}"/>
-          </ac:grpSpMkLst>
-        </pc:grpChg>
-        <pc:grpChg chg="del">
-          <ac:chgData name="Matt Carlson" userId="0e792f37f00095d9" providerId="LiveId" clId="{FAD5F499-209B-41A5-B992-814F8A1DAE63}" dt="2019-05-24T06:21:39.908" v="0" actId="478"/>
-          <ac:grpSpMkLst>
-            <pc:docMk/>
-            <pc:sldMk cId="0" sldId="274"/>
-            <ac:grpSpMk id="198" creationId="{69376C4C-91D0-473D-82DB-6800C7F407F6}"/>
-          </ac:grpSpMkLst>
-        </pc:grpChg>
-        <pc:grpChg chg="del">
-          <ac:chgData name="Matt Carlson" userId="0e792f37f00095d9" providerId="LiveId" clId="{FAD5F499-209B-41A5-B992-814F8A1DAE63}" dt="2019-05-24T06:21:39.908" v="0" actId="478"/>
-          <ac:grpSpMkLst>
-            <pc:docMk/>
-            <pc:sldMk cId="0" sldId="274"/>
-            <ac:grpSpMk id="204" creationId="{E63C0BF2-F030-4D02-9AAB-763440627BE2}"/>
-          </ac:grpSpMkLst>
-        </pc:grpChg>
-        <pc:grpChg chg="del">
-          <ac:chgData name="Matt Carlson" userId="0e792f37f00095d9" providerId="LiveId" clId="{FAD5F499-209B-41A5-B992-814F8A1DAE63}" dt="2019-05-24T06:21:39.908" v="0" actId="478"/>
-          <ac:grpSpMkLst>
-            <pc:docMk/>
-            <pc:sldMk cId="0" sldId="274"/>
-            <ac:grpSpMk id="210" creationId="{C99240D5-58AA-4A30-A7B5-57BCE53C566E}"/>
-          </ac:grpSpMkLst>
-        </pc:grpChg>
-        <pc:grpChg chg="del">
-          <ac:chgData name="Matt Carlson" userId="0e792f37f00095d9" providerId="LiveId" clId="{FAD5F499-209B-41A5-B992-814F8A1DAE63}" dt="2019-05-24T06:21:39.908" v="0" actId="478"/>
-          <ac:grpSpMkLst>
-            <pc:docMk/>
-            <pc:sldMk cId="0" sldId="274"/>
-            <ac:grpSpMk id="216" creationId="{9AB5721F-CE98-4DB3-9F62-2C68F21B709E}"/>
-          </ac:grpSpMkLst>
-        </pc:grpChg>
-        <pc:grpChg chg="del">
-          <ac:chgData name="Matt Carlson" userId="0e792f37f00095d9" providerId="LiveId" clId="{FAD5F499-209B-41A5-B992-814F8A1DAE63}" dt="2019-05-24T06:21:39.908" v="0" actId="478"/>
-          <ac:grpSpMkLst>
-            <pc:docMk/>
-            <pc:sldMk cId="0" sldId="274"/>
-            <ac:grpSpMk id="220" creationId="{F7245A19-821A-440E-8E81-AEE57BAB16EA}"/>
-          </ac:grpSpMkLst>
-        </pc:grpChg>
-        <pc:grpChg chg="add mod">
-          <ac:chgData name="Matt Carlson" userId="0e792f37f00095d9" providerId="LiveId" clId="{FAD5F499-209B-41A5-B992-814F8A1DAE63}" dt="2019-05-24T07:15:38.963" v="224" actId="1076"/>
-          <ac:grpSpMkLst>
-            <pc:docMk/>
-            <pc:sldMk cId="0" sldId="274"/>
-            <ac:grpSpMk id="238" creationId="{8CA13960-651B-46B7-86E4-0F31FDAF2AF6}"/>
-          </ac:grpSpMkLst>
-        </pc:grpChg>
-        <pc:grpChg chg="add del mod">
-          <ac:chgData name="Matt Carlson" userId="0e792f37f00095d9" providerId="LiveId" clId="{FAD5F499-209B-41A5-B992-814F8A1DAE63}" dt="2019-05-24T06:29:51.195" v="36" actId="478"/>
-          <ac:grpSpMkLst>
-            <pc:docMk/>
-            <pc:sldMk cId="0" sldId="274"/>
-            <ac:grpSpMk id="242" creationId="{F335117F-7ED3-41A9-9465-ED898AE52518}"/>
-          </ac:grpSpMkLst>
-        </pc:grpChg>
-        <pc:grpChg chg="add mod">
-          <ac:chgData name="Matt Carlson" userId="0e792f37f00095d9" providerId="LiveId" clId="{FAD5F499-209B-41A5-B992-814F8A1DAE63}" dt="2019-05-24T07:15:38.963" v="224" actId="1076"/>
-          <ac:grpSpMkLst>
-            <pc:docMk/>
-            <pc:sldMk cId="0" sldId="274"/>
-            <ac:grpSpMk id="246" creationId="{1E3EC9D0-BAA0-4D7D-AF54-A62AD599A06E}"/>
-          </ac:grpSpMkLst>
-        </pc:grpChg>
-        <pc:grpChg chg="add mod">
-          <ac:chgData name="Matt Carlson" userId="0e792f37f00095d9" providerId="LiveId" clId="{FAD5F499-209B-41A5-B992-814F8A1DAE63}" dt="2019-05-24T07:15:38.963" v="224" actId="1076"/>
-          <ac:grpSpMkLst>
-            <pc:docMk/>
-            <pc:sldMk cId="0" sldId="274"/>
-            <ac:grpSpMk id="250" creationId="{2853020F-C77B-486C-A370-F97F0B16E30F}"/>
-          </ac:grpSpMkLst>
-        </pc:grpChg>
-        <pc:grpChg chg="add mod">
-          <ac:chgData name="Matt Carlson" userId="0e792f37f00095d9" providerId="LiveId" clId="{FAD5F499-209B-41A5-B992-814F8A1DAE63}" dt="2019-05-24T07:15:38.963" v="224" actId="1076"/>
-          <ac:grpSpMkLst>
-            <pc:docMk/>
-            <pc:sldMk cId="0" sldId="274"/>
-            <ac:grpSpMk id="254" creationId="{C49FCF74-82EA-4F07-91EA-A194EDEA5F4C}"/>
-          </ac:grpSpMkLst>
-        </pc:grpChg>
-        <pc:grpChg chg="add mod">
-          <ac:chgData name="Matt Carlson" userId="0e792f37f00095d9" providerId="LiveId" clId="{FAD5F499-209B-41A5-B992-814F8A1DAE63}" dt="2019-05-24T07:15:38.963" v="224" actId="1076"/>
-          <ac:grpSpMkLst>
-            <pc:docMk/>
-            <pc:sldMk cId="0" sldId="274"/>
-            <ac:grpSpMk id="261" creationId="{9EA2E05F-9B07-42D3-8F8C-AEDA470815C0}"/>
-          </ac:grpSpMkLst>
-        </pc:grpChg>
-        <pc:grpChg chg="add mod ord">
-          <ac:chgData name="Matt Carlson" userId="0e792f37f00095d9" providerId="LiveId" clId="{FAD5F499-209B-41A5-B992-814F8A1DAE63}" dt="2019-05-24T07:15:38.963" v="224" actId="1076"/>
-          <ac:grpSpMkLst>
-            <pc:docMk/>
-            <pc:sldMk cId="0" sldId="274"/>
-            <ac:grpSpMk id="264" creationId="{97EBA82E-012C-454E-A727-90809413BE6E}"/>
-          </ac:grpSpMkLst>
-        </pc:grpChg>
-        <pc:grpChg chg="add mod">
-          <ac:chgData name="Matt Carlson" userId="0e792f37f00095d9" providerId="LiveId" clId="{FAD5F499-209B-41A5-B992-814F8A1DAE63}" dt="2019-05-24T07:15:38.963" v="224" actId="1076"/>
-          <ac:grpSpMkLst>
-            <pc:docMk/>
-            <pc:sldMk cId="0" sldId="274"/>
-            <ac:grpSpMk id="270" creationId="{6006DF78-BA1D-434D-BD51-9868D278223F}"/>
-          </ac:grpSpMkLst>
-        </pc:grpChg>
-        <pc:grpChg chg="add mod ord">
-          <ac:chgData name="Matt Carlson" userId="0e792f37f00095d9" providerId="LiveId" clId="{FAD5F499-209B-41A5-B992-814F8A1DAE63}" dt="2019-05-24T07:15:38.963" v="224" actId="1076"/>
-          <ac:grpSpMkLst>
-            <pc:docMk/>
-            <pc:sldMk cId="0" sldId="274"/>
-            <ac:grpSpMk id="275" creationId="{8775C547-7076-447C-8921-3DBEC5FC38D1}"/>
-          </ac:grpSpMkLst>
-        </pc:grpChg>
-        <pc:grpChg chg="add mod">
-          <ac:chgData name="Matt Carlson" userId="0e792f37f00095d9" providerId="LiveId" clId="{FAD5F499-209B-41A5-B992-814F8A1DAE63}" dt="2019-05-24T07:15:38.963" v="224" actId="1076"/>
-          <ac:grpSpMkLst>
-            <pc:docMk/>
-            <pc:sldMk cId="0" sldId="274"/>
-            <ac:grpSpMk id="279" creationId="{F346761C-94D9-4D60-9E68-92D73A796F1F}"/>
-          </ac:grpSpMkLst>
-        </pc:grpChg>
-        <pc:grpChg chg="add mod ord">
-          <ac:chgData name="Matt Carlson" userId="0e792f37f00095d9" providerId="LiveId" clId="{FAD5F499-209B-41A5-B992-814F8A1DAE63}" dt="2019-05-24T07:15:38.963" v="224" actId="1076"/>
-          <ac:grpSpMkLst>
-            <pc:docMk/>
-            <pc:sldMk cId="0" sldId="274"/>
-            <ac:grpSpMk id="285" creationId="{F75A29A5-950A-4999-81CE-D19D8585B8E1}"/>
-          </ac:grpSpMkLst>
-        </pc:grpChg>
-        <pc:grpChg chg="add mod ord">
-          <ac:chgData name="Matt Carlson" userId="0e792f37f00095d9" providerId="LiveId" clId="{FAD5F499-209B-41A5-B992-814F8A1DAE63}" dt="2019-05-24T07:15:38.963" v="224" actId="1076"/>
-          <ac:grpSpMkLst>
-            <pc:docMk/>
-            <pc:sldMk cId="0" sldId="274"/>
-            <ac:grpSpMk id="289" creationId="{A7C5149F-6E0B-46AE-8EA0-8BDB2F7B861E}"/>
-          </ac:grpSpMkLst>
-        </pc:grpChg>
-        <pc:grpChg chg="add mod">
-          <ac:chgData name="Matt Carlson" userId="0e792f37f00095d9" providerId="LiveId" clId="{FAD5F499-209B-41A5-B992-814F8A1DAE63}" dt="2019-05-24T07:15:38.963" v="224" actId="1076"/>
-          <ac:grpSpMkLst>
-            <pc:docMk/>
-            <pc:sldMk cId="0" sldId="274"/>
-            <ac:grpSpMk id="296" creationId="{BD71A030-D63A-40F3-9168-A705036C7BF6}"/>
-          </ac:grpSpMkLst>
-        </pc:grpChg>
-        <pc:grpChg chg="add mod">
-          <ac:chgData name="Matt Carlson" userId="0e792f37f00095d9" providerId="LiveId" clId="{FAD5F499-209B-41A5-B992-814F8A1DAE63}" dt="2019-05-24T07:15:38.963" v="224" actId="1076"/>
-          <ac:grpSpMkLst>
-            <pc:docMk/>
-            <pc:sldMk cId="0" sldId="274"/>
-            <ac:grpSpMk id="300" creationId="{036AA125-B3F3-40E3-BA83-9D4C938BDD8D}"/>
-          </ac:grpSpMkLst>
-        </pc:grpChg>
-        <pc:grpChg chg="add mod">
-          <ac:chgData name="Matt Carlson" userId="0e792f37f00095d9" providerId="LiveId" clId="{FAD5F499-209B-41A5-B992-814F8A1DAE63}" dt="2019-05-24T07:15:38.963" v="224" actId="1076"/>
-          <ac:grpSpMkLst>
-            <pc:docMk/>
-            <pc:sldMk cId="0" sldId="274"/>
-            <ac:grpSpMk id="303" creationId="{49082555-9ADC-404F-8AD3-9485F82CCE1C}"/>
-          </ac:grpSpMkLst>
-        </pc:grpChg>
-        <pc:grpChg chg="add mod">
-          <ac:chgData name="Matt Carlson" userId="0e792f37f00095d9" providerId="LiveId" clId="{FAD5F499-209B-41A5-B992-814F8A1DAE63}" dt="2019-05-24T07:15:38.963" v="224" actId="1076"/>
-          <ac:grpSpMkLst>
-            <pc:docMk/>
-            <pc:sldMk cId="0" sldId="274"/>
-            <ac:grpSpMk id="306" creationId="{5873732E-E847-4156-9D49-6D8A16387E97}"/>
-          </ac:grpSpMkLst>
-        </pc:grpChg>
-        <pc:grpChg chg="add mod">
-          <ac:chgData name="Matt Carlson" userId="0e792f37f00095d9" providerId="LiveId" clId="{FAD5F499-209B-41A5-B992-814F8A1DAE63}" dt="2019-05-24T07:15:38.963" v="224" actId="1076"/>
-          <ac:grpSpMkLst>
-            <pc:docMk/>
-            <pc:sldMk cId="0" sldId="274"/>
-            <ac:grpSpMk id="309" creationId="{A8516F07-D5A9-4441-8DEF-CD5A0AFC25A5}"/>
-          </ac:grpSpMkLst>
-        </pc:grpChg>
-        <pc:grpChg chg="add mod">
-          <ac:chgData name="Matt Carlson" userId="0e792f37f00095d9" providerId="LiveId" clId="{FAD5F499-209B-41A5-B992-814F8A1DAE63}" dt="2019-05-24T07:15:38.963" v="224" actId="1076"/>
-          <ac:grpSpMkLst>
-            <pc:docMk/>
-            <pc:sldMk cId="0" sldId="274"/>
-            <ac:grpSpMk id="314" creationId="{CFDC560F-7C14-4D3C-940E-F4C42B80717C}"/>
-          </ac:grpSpMkLst>
-        </pc:grpChg>
-        <pc:graphicFrameChg chg="mod modGraphic">
-          <ac:chgData name="Matt Carlson" userId="0e792f37f00095d9" providerId="LiveId" clId="{FAD5F499-209B-41A5-B992-814F8A1DAE63}" dt="2019-05-26T14:57:40.745" v="511" actId="20577"/>
-          <ac:graphicFrameMkLst>
-            <pc:docMk/>
-            <pc:sldMk cId="0" sldId="274"/>
-            <ac:graphicFrameMk id="110" creationId="{00000000-0000-0000-0000-000000000000}"/>
-          </ac:graphicFrameMkLst>
-        </pc:graphicFrameChg>
-        <pc:cxnChg chg="add mod">
-          <ac:chgData name="Matt Carlson" userId="0e792f37f00095d9" providerId="LiveId" clId="{FAD5F499-209B-41A5-B992-814F8A1DAE63}" dt="2019-05-24T07:15:38.963" v="224" actId="1076"/>
-          <ac:cxnSpMkLst>
-            <pc:docMk/>
-            <pc:sldMk cId="0" sldId="274"/>
-            <ac:cxnSpMk id="134" creationId="{4E2F83B9-2897-4D2E-8BB2-816BD92E349E}"/>
-          </ac:cxnSpMkLst>
-        </pc:cxnChg>
-        <pc:cxnChg chg="del mod">
-          <ac:chgData name="Matt Carlson" userId="0e792f37f00095d9" providerId="LiveId" clId="{FAD5F499-209B-41A5-B992-814F8A1DAE63}" dt="2019-05-24T06:21:39.908" v="0" actId="478"/>
-          <ac:cxnSpMkLst>
-            <pc:docMk/>
-            <pc:sldMk cId="0" sldId="274"/>
-            <ac:cxnSpMk id="187" creationId="{F639F52B-1A38-4B65-B564-C339B757097E}"/>
-          </ac:cxnSpMkLst>
-        </pc:cxnChg>
-        <pc:cxnChg chg="del mod">
-          <ac:chgData name="Matt Carlson" userId="0e792f37f00095d9" providerId="LiveId" clId="{FAD5F499-209B-41A5-B992-814F8A1DAE63}" dt="2019-05-24T06:21:39.908" v="0" actId="478"/>
-          <ac:cxnSpMkLst>
-            <pc:docMk/>
-            <pc:sldMk cId="0" sldId="274"/>
-            <ac:cxnSpMk id="188" creationId="{914153AC-30C6-421F-BBE0-CE12F8DD459D}"/>
-          </ac:cxnSpMkLst>
-        </pc:cxnChg>
-        <pc:cxnChg chg="del">
-          <ac:chgData name="Matt Carlson" userId="0e792f37f00095d9" providerId="LiveId" clId="{FAD5F499-209B-41A5-B992-814F8A1DAE63}" dt="2019-05-24T06:21:39.908" v="0" actId="478"/>
-          <ac:cxnSpMkLst>
-            <pc:docMk/>
-            <pc:sldMk cId="0" sldId="274"/>
-            <ac:cxnSpMk id="189" creationId="{D499D3FE-A388-4FE4-973C-0238C5A50F19}"/>
-          </ac:cxnSpMkLst>
-        </pc:cxnChg>
-        <pc:cxnChg chg="del">
-          <ac:chgData name="Matt Carlson" userId="0e792f37f00095d9" providerId="LiveId" clId="{FAD5F499-209B-41A5-B992-814F8A1DAE63}" dt="2019-05-24T06:21:39.908" v="0" actId="478"/>
-          <ac:cxnSpMkLst>
-            <pc:docMk/>
-            <pc:sldMk cId="0" sldId="274"/>
-            <ac:cxnSpMk id="190" creationId="{4F9605E9-0FCB-4676-9FD4-352E0C94E51E}"/>
-          </ac:cxnSpMkLst>
-        </pc:cxnChg>
-        <pc:cxnChg chg="del">
-          <ac:chgData name="Matt Carlson" userId="0e792f37f00095d9" providerId="LiveId" clId="{FAD5F499-209B-41A5-B992-814F8A1DAE63}" dt="2019-05-24T06:21:39.908" v="0" actId="478"/>
-          <ac:cxnSpMkLst>
-            <pc:docMk/>
-            <pc:sldMk cId="0" sldId="274"/>
-            <ac:cxnSpMk id="225" creationId="{28ACE711-D2C9-4FAA-AD1B-6F59F8EC1F46}"/>
-          </ac:cxnSpMkLst>
-        </pc:cxnChg>
-        <pc:cxnChg chg="del">
-          <ac:chgData name="Matt Carlson" userId="0e792f37f00095d9" providerId="LiveId" clId="{FAD5F499-209B-41A5-B992-814F8A1DAE63}" dt="2019-05-24T06:21:39.908" v="0" actId="478"/>
-          <ac:cxnSpMkLst>
-            <pc:docMk/>
-            <pc:sldMk cId="0" sldId="274"/>
-            <ac:cxnSpMk id="227" creationId="{6EC2A9DE-8B0E-4C68-8D86-BBE3741C9D23}"/>
-          </ac:cxnSpMkLst>
-        </pc:cxnChg>
-        <pc:cxnChg chg="del">
-          <ac:chgData name="Matt Carlson" userId="0e792f37f00095d9" providerId="LiveId" clId="{FAD5F499-209B-41A5-B992-814F8A1DAE63}" dt="2019-05-24T06:21:39.908" v="0" actId="478"/>
-          <ac:cxnSpMkLst>
-            <pc:docMk/>
-            <pc:sldMk cId="0" sldId="274"/>
-            <ac:cxnSpMk id="230" creationId="{65218A77-BD40-496D-B653-DE5886BE703D}"/>
-          </ac:cxnSpMkLst>
-        </pc:cxnChg>
-        <pc:cxnChg chg="del mod">
-          <ac:chgData name="Matt Carlson" userId="0e792f37f00095d9" providerId="LiveId" clId="{FAD5F499-209B-41A5-B992-814F8A1DAE63}" dt="2019-05-24T06:21:39.908" v="0" actId="478"/>
-          <ac:cxnSpMkLst>
-            <pc:docMk/>
-            <pc:sldMk cId="0" sldId="274"/>
-            <ac:cxnSpMk id="233" creationId="{F547890D-4D6D-401F-965F-91C48BEF4021}"/>
-          </ac:cxnSpMkLst>
-        </pc:cxnChg>
-        <pc:cxnChg chg="add mod">
-          <ac:chgData name="Matt Carlson" userId="0e792f37f00095d9" providerId="LiveId" clId="{FAD5F499-209B-41A5-B992-814F8A1DAE63}" dt="2019-05-24T07:15:38.963" v="224" actId="1076"/>
-          <ac:cxnSpMkLst>
-            <pc:docMk/>
-            <pc:sldMk cId="0" sldId="274"/>
-            <ac:cxnSpMk id="259" creationId="{A1DD0740-2B66-44C2-9B66-1B8D1443B3C4}"/>
-          </ac:cxnSpMkLst>
-        </pc:cxnChg>
-        <pc:cxnChg chg="add mod">
-          <ac:chgData name="Matt Carlson" userId="0e792f37f00095d9" providerId="LiveId" clId="{FAD5F499-209B-41A5-B992-814F8A1DAE63}" dt="2019-05-24T07:15:38.963" v="224" actId="1076"/>
-          <ac:cxnSpMkLst>
-            <pc:docMk/>
-            <pc:sldMk cId="0" sldId="274"/>
-            <ac:cxnSpMk id="268" creationId="{852A13C5-FA78-4856-93A5-24063CE3F72E}"/>
-          </ac:cxnSpMkLst>
-        </pc:cxnChg>
-        <pc:cxnChg chg="add mod ord">
-          <ac:chgData name="Matt Carlson" userId="0e792f37f00095d9" providerId="LiveId" clId="{FAD5F499-209B-41A5-B992-814F8A1DAE63}" dt="2019-05-24T07:15:38.963" v="224" actId="1076"/>
-          <ac:cxnSpMkLst>
-            <pc:docMk/>
-            <pc:sldMk cId="0" sldId="274"/>
-            <ac:cxnSpMk id="269" creationId="{CC5495E1-A07D-4318-A099-24745C907D82}"/>
-          </ac:cxnSpMkLst>
-        </pc:cxnChg>
-        <pc:cxnChg chg="add mod">
-          <ac:chgData name="Matt Carlson" userId="0e792f37f00095d9" providerId="LiveId" clId="{FAD5F499-209B-41A5-B992-814F8A1DAE63}" dt="2019-05-24T07:15:38.963" v="224" actId="1076"/>
-          <ac:cxnSpMkLst>
-            <pc:docMk/>
-            <pc:sldMk cId="0" sldId="274"/>
-            <ac:cxnSpMk id="293" creationId="{F98C886B-9B98-4737-B6BF-DC092791AED5}"/>
-          </ac:cxnSpMkLst>
-        </pc:cxnChg>
-        <pc:cxnChg chg="add mod">
-          <ac:chgData name="Matt Carlson" userId="0e792f37f00095d9" providerId="LiveId" clId="{FAD5F499-209B-41A5-B992-814F8A1DAE63}" dt="2019-05-24T07:15:38.963" v="224" actId="1076"/>
-          <ac:cxnSpMkLst>
-            <pc:docMk/>
-            <pc:sldMk cId="0" sldId="274"/>
-            <ac:cxnSpMk id="294" creationId="{F46C3220-4AD4-4ECA-8E6D-52ABBED185CC}"/>
-          </ac:cxnSpMkLst>
-        </pc:cxnChg>
-        <pc:cxnChg chg="add mod ord">
-          <ac:chgData name="Matt Carlson" userId="0e792f37f00095d9" providerId="LiveId" clId="{FAD5F499-209B-41A5-B992-814F8A1DAE63}" dt="2019-05-24T07:15:38.963" v="224" actId="1076"/>
-          <ac:cxnSpMkLst>
-            <pc:docMk/>
-            <pc:sldMk cId="0" sldId="274"/>
-            <ac:cxnSpMk id="295" creationId="{645C9F6C-045C-4BDF-81D2-8082140DE235}"/>
-          </ac:cxnSpMkLst>
-        </pc:cxnChg>
-        <pc:cxnChg chg="add mod">
-          <ac:chgData name="Matt Carlson" userId="0e792f37f00095d9" providerId="LiveId" clId="{FAD5F499-209B-41A5-B992-814F8A1DAE63}" dt="2019-05-24T07:15:38.963" v="224" actId="1076"/>
-          <ac:cxnSpMkLst>
-            <pc:docMk/>
-            <pc:sldMk cId="0" sldId="274"/>
-            <ac:cxnSpMk id="313" creationId="{C569F406-2C16-45F6-8946-CB5A80045EE0}"/>
-          </ac:cxnSpMkLst>
-        </pc:cxnChg>
-      </pc:sldChg>
-    </pc:docChg>
-  </pc:docChgLst>
-  <pc:docChgLst>
-    <pc:chgData name="Matt Carlson" userId="0e792f37f00095d9" providerId="LiveId" clId="{76715788-C17B-4AA9-AFFF-AE5D8F44665D}"/>
-    <pc:docChg chg="custSel modSld">
-      <pc:chgData name="Matt Carlson" userId="0e792f37f00095d9" providerId="LiveId" clId="{76715788-C17B-4AA9-AFFF-AE5D8F44665D}" dt="2020-07-25T06:53:45.556" v="22" actId="20577"/>
-      <pc:docMkLst>
-        <pc:docMk/>
-      </pc:docMkLst>
-      <pc:sldChg chg="addSp delSp modSp mod">
-        <pc:chgData name="Matt Carlson" userId="0e792f37f00095d9" providerId="LiveId" clId="{76715788-C17B-4AA9-AFFF-AE5D8F44665D}" dt="2020-07-25T06:53:45.556" v="22" actId="20577"/>
-        <pc:sldMkLst>
-          <pc:docMk/>
-          <pc:sldMk cId="0" sldId="274"/>
-        </pc:sldMkLst>
-        <pc:spChg chg="mod">
-          <ac:chgData name="Matt Carlson" userId="0e792f37f00095d9" providerId="LiveId" clId="{76715788-C17B-4AA9-AFFF-AE5D8F44665D}" dt="2020-07-25T06:52:43.914" v="2" actId="1076"/>
-          <ac:spMkLst>
-            <pc:docMk/>
-            <pc:sldMk cId="0" sldId="274"/>
-            <ac:spMk id="101" creationId="{AAF35E6E-6E23-4F8D-BEA4-937CAD1E8189}"/>
-          </ac:spMkLst>
-        </pc:spChg>
-        <pc:spChg chg="mod">
-          <ac:chgData name="Matt Carlson" userId="0e792f37f00095d9" providerId="LiveId" clId="{76715788-C17B-4AA9-AFFF-AE5D8F44665D}" dt="2020-07-25T06:52:43.914" v="2" actId="1076"/>
-          <ac:spMkLst>
-            <pc:docMk/>
-            <pc:sldMk cId="0" sldId="274"/>
-            <ac:spMk id="102" creationId="{3E0CFE32-16F0-4EAB-A4B9-ADB62E4F5631}"/>
-          </ac:spMkLst>
-        </pc:spChg>
-        <pc:spChg chg="mod">
-          <ac:chgData name="Matt Carlson" userId="0e792f37f00095d9" providerId="LiveId" clId="{76715788-C17B-4AA9-AFFF-AE5D8F44665D}" dt="2020-07-25T06:52:43.914" v="2" actId="1076"/>
-          <ac:spMkLst>
-            <pc:docMk/>
-            <pc:sldMk cId="0" sldId="274"/>
-            <ac:spMk id="103" creationId="{AE1651FC-2CF1-4959-BC14-96036CBF7C38}"/>
-          </ac:spMkLst>
-        </pc:spChg>
-        <pc:spChg chg="mod">
-          <ac:chgData name="Matt Carlson" userId="0e792f37f00095d9" providerId="LiveId" clId="{76715788-C17B-4AA9-AFFF-AE5D8F44665D}" dt="2020-07-25T06:52:43.914" v="2" actId="1076"/>
-          <ac:spMkLst>
-            <pc:docMk/>
-            <pc:sldMk cId="0" sldId="274"/>
-            <ac:spMk id="104" creationId="{F8D79AC9-B9C6-48CC-8983-545A289F1490}"/>
-          </ac:spMkLst>
-        </pc:spChg>
-        <pc:spChg chg="mod">
-          <ac:chgData name="Matt Carlson" userId="0e792f37f00095d9" providerId="LiveId" clId="{76715788-C17B-4AA9-AFFF-AE5D8F44665D}" dt="2020-07-25T06:52:43.914" v="2" actId="1076"/>
-          <ac:spMkLst>
-            <pc:docMk/>
-            <pc:sldMk cId="0" sldId="274"/>
-            <ac:spMk id="105" creationId="{60DD15AA-5FF8-475D-95AE-BF722A45F281}"/>
-          </ac:spMkLst>
-        </pc:spChg>
-        <pc:spChg chg="mod">
-          <ac:chgData name="Matt Carlson" userId="0e792f37f00095d9" providerId="LiveId" clId="{76715788-C17B-4AA9-AFFF-AE5D8F44665D}" dt="2020-07-25T06:52:43.914" v="2" actId="1076"/>
-          <ac:spMkLst>
-            <pc:docMk/>
-            <pc:sldMk cId="0" sldId="274"/>
-            <ac:spMk id="106" creationId="{89E985D8-F246-4831-A7D3-AD747FAB00C8}"/>
-          </ac:spMkLst>
-        </pc:spChg>
-        <pc:spChg chg="mod">
-          <ac:chgData name="Matt Carlson" userId="0e792f37f00095d9" providerId="LiveId" clId="{76715788-C17B-4AA9-AFFF-AE5D8F44665D}" dt="2020-07-25T06:52:43.914" v="2" actId="1076"/>
-          <ac:spMkLst>
-            <pc:docMk/>
-            <pc:sldMk cId="0" sldId="274"/>
-            <ac:spMk id="107" creationId="{1BB9E074-D854-4F76-89F9-391E4486867A}"/>
-          </ac:spMkLst>
-        </pc:spChg>
-        <pc:spChg chg="mod">
-          <ac:chgData name="Matt Carlson" userId="0e792f37f00095d9" providerId="LiveId" clId="{76715788-C17B-4AA9-AFFF-AE5D8F44665D}" dt="2020-07-25T06:52:55.831" v="5" actId="1076"/>
-          <ac:spMkLst>
-            <pc:docMk/>
-            <pc:sldMk cId="0" sldId="274"/>
-            <ac:spMk id="109" creationId="{7E70CD28-C20B-4EE0-A7E2-71F69C50BFCD}"/>
-          </ac:spMkLst>
-        </pc:spChg>
-        <pc:spChg chg="mod">
-          <ac:chgData name="Matt Carlson" userId="0e792f37f00095d9" providerId="LiveId" clId="{76715788-C17B-4AA9-AFFF-AE5D8F44665D}" dt="2020-07-25T06:52:55.831" v="5" actId="1076"/>
-          <ac:spMkLst>
-            <pc:docMk/>
-            <pc:sldMk cId="0" sldId="274"/>
-            <ac:spMk id="111" creationId="{439063FE-64BA-4AB3-BB7D-BC447F15F622}"/>
-          </ac:spMkLst>
-        </pc:spChg>
-        <pc:spChg chg="mod">
-          <ac:chgData name="Matt Carlson" userId="0e792f37f00095d9" providerId="LiveId" clId="{76715788-C17B-4AA9-AFFF-AE5D8F44665D}" dt="2020-07-25T06:52:55.831" v="5" actId="1076"/>
-          <ac:spMkLst>
-            <pc:docMk/>
-            <pc:sldMk cId="0" sldId="274"/>
-            <ac:spMk id="112" creationId="{18A6D08F-E3ED-41A5-B5EF-33AB5B98F423}"/>
-          </ac:spMkLst>
-        </pc:spChg>
-        <pc:spChg chg="mod">
-          <ac:chgData name="Matt Carlson" userId="0e792f37f00095d9" providerId="LiveId" clId="{76715788-C17B-4AA9-AFFF-AE5D8F44665D}" dt="2020-07-25T06:52:55.831" v="5" actId="1076"/>
-          <ac:spMkLst>
-            <pc:docMk/>
-            <pc:sldMk cId="0" sldId="274"/>
-            <ac:spMk id="113" creationId="{A93A4F62-B9F4-40D8-8964-16D53EAE13E0}"/>
-          </ac:spMkLst>
-        </pc:spChg>
-        <pc:spChg chg="mod">
-          <ac:chgData name="Matt Carlson" userId="0e792f37f00095d9" providerId="LiveId" clId="{76715788-C17B-4AA9-AFFF-AE5D8F44665D}" dt="2020-07-25T06:52:55.831" v="5" actId="1076"/>
-          <ac:spMkLst>
-            <pc:docMk/>
-            <pc:sldMk cId="0" sldId="274"/>
-            <ac:spMk id="114" creationId="{895931F9-9BD1-417D-A323-649B6AFEEAD4}"/>
-          </ac:spMkLst>
-        </pc:spChg>
-        <pc:spChg chg="mod">
-          <ac:chgData name="Matt Carlson" userId="0e792f37f00095d9" providerId="LiveId" clId="{76715788-C17B-4AA9-AFFF-AE5D8F44665D}" dt="2020-07-25T06:52:55.831" v="5" actId="1076"/>
-          <ac:spMkLst>
-            <pc:docMk/>
-            <pc:sldMk cId="0" sldId="274"/>
-            <ac:spMk id="115" creationId="{3F031EE3-EDA8-4B9F-BEBD-A0FA72E5FEC5}"/>
-          </ac:spMkLst>
-        </pc:spChg>
-        <pc:spChg chg="mod">
-          <ac:chgData name="Matt Carlson" userId="0e792f37f00095d9" providerId="LiveId" clId="{76715788-C17B-4AA9-AFFF-AE5D8F44665D}" dt="2020-07-25T06:52:55.831" v="5" actId="1076"/>
-          <ac:spMkLst>
-            <pc:docMk/>
-            <pc:sldMk cId="0" sldId="274"/>
-            <ac:spMk id="116" creationId="{54CE1B72-D3D7-4AA1-A3A0-B46B4940522D}"/>
-          </ac:spMkLst>
-        </pc:spChg>
-        <pc:spChg chg="mod">
-          <ac:chgData name="Matt Carlson" userId="0e792f37f00095d9" providerId="LiveId" clId="{76715788-C17B-4AA9-AFFF-AE5D8F44665D}" dt="2020-07-25T06:53:04.482" v="8" actId="1076"/>
-          <ac:spMkLst>
-            <pc:docMk/>
-            <pc:sldMk cId="0" sldId="274"/>
-            <ac:spMk id="118" creationId="{08CFD944-6D3A-4A17-9DD1-E176816AE04E}"/>
-          </ac:spMkLst>
-        </pc:spChg>
-        <pc:spChg chg="mod">
-          <ac:chgData name="Matt Carlson" userId="0e792f37f00095d9" providerId="LiveId" clId="{76715788-C17B-4AA9-AFFF-AE5D8F44665D}" dt="2020-07-25T06:53:04.482" v="8" actId="1076"/>
-          <ac:spMkLst>
-            <pc:docMk/>
-            <pc:sldMk cId="0" sldId="274"/>
-            <ac:spMk id="119" creationId="{2FF94195-437E-4669-BCCC-3092C138BD37}"/>
-          </ac:spMkLst>
-        </pc:spChg>
-        <pc:spChg chg="mod">
-          <ac:chgData name="Matt Carlson" userId="0e792f37f00095d9" providerId="LiveId" clId="{76715788-C17B-4AA9-AFFF-AE5D8F44665D}" dt="2020-07-25T06:53:04.482" v="8" actId="1076"/>
-          <ac:spMkLst>
-            <pc:docMk/>
-            <pc:sldMk cId="0" sldId="274"/>
-            <ac:spMk id="120" creationId="{A655670F-FFCC-4156-9708-1372DD40DA32}"/>
-          </ac:spMkLst>
-        </pc:spChg>
-        <pc:spChg chg="mod">
-          <ac:chgData name="Matt Carlson" userId="0e792f37f00095d9" providerId="LiveId" clId="{76715788-C17B-4AA9-AFFF-AE5D8F44665D}" dt="2020-07-25T06:53:04.482" v="8" actId="1076"/>
-          <ac:spMkLst>
-            <pc:docMk/>
-            <pc:sldMk cId="0" sldId="274"/>
-            <ac:spMk id="121" creationId="{DE3D55A3-3B82-4249-AA24-3144201E575C}"/>
-          </ac:spMkLst>
-        </pc:spChg>
-        <pc:spChg chg="mod">
-          <ac:chgData name="Matt Carlson" userId="0e792f37f00095d9" providerId="LiveId" clId="{76715788-C17B-4AA9-AFFF-AE5D8F44665D}" dt="2020-07-25T06:53:04.482" v="8" actId="1076"/>
-          <ac:spMkLst>
-            <pc:docMk/>
-            <pc:sldMk cId="0" sldId="274"/>
-            <ac:spMk id="122" creationId="{39747ABE-7EB7-45A9-B776-15F5492E5D72}"/>
-          </ac:spMkLst>
-        </pc:spChg>
-        <pc:spChg chg="mod">
-          <ac:chgData name="Matt Carlson" userId="0e792f37f00095d9" providerId="LiveId" clId="{76715788-C17B-4AA9-AFFF-AE5D8F44665D}" dt="2020-07-25T06:53:04.482" v="8" actId="1076"/>
-          <ac:spMkLst>
-            <pc:docMk/>
-            <pc:sldMk cId="0" sldId="274"/>
-            <ac:spMk id="123" creationId="{596623AD-0717-4115-87D2-C034634F21B4}"/>
-          </ac:spMkLst>
-        </pc:spChg>
-        <pc:spChg chg="mod">
-          <ac:chgData name="Matt Carlson" userId="0e792f37f00095d9" providerId="LiveId" clId="{76715788-C17B-4AA9-AFFF-AE5D8F44665D}" dt="2020-07-25T06:53:04.482" v="8" actId="1076"/>
-          <ac:spMkLst>
-            <pc:docMk/>
-            <pc:sldMk cId="0" sldId="274"/>
-            <ac:spMk id="124" creationId="{AA4A095B-74C3-4C35-959C-C7A15FA863D4}"/>
-          </ac:spMkLst>
-        </pc:spChg>
-        <pc:grpChg chg="add mod">
-          <ac:chgData name="Matt Carlson" userId="0e792f37f00095d9" providerId="LiveId" clId="{76715788-C17B-4AA9-AFFF-AE5D8F44665D}" dt="2020-07-25T06:52:43.914" v="2" actId="1076"/>
-          <ac:grpSpMkLst>
-            <pc:docMk/>
-            <pc:sldMk cId="0" sldId="274"/>
-            <ac:grpSpMk id="100" creationId="{054B84E0-EDA8-42AA-B2CF-FD1D4D92C820}"/>
-          </ac:grpSpMkLst>
-        </pc:grpChg>
-        <pc:grpChg chg="add mod">
-          <ac:chgData name="Matt Carlson" userId="0e792f37f00095d9" providerId="LiveId" clId="{76715788-C17B-4AA9-AFFF-AE5D8F44665D}" dt="2020-07-25T06:52:55.831" v="5" actId="1076"/>
-          <ac:grpSpMkLst>
-            <pc:docMk/>
-            <pc:sldMk cId="0" sldId="274"/>
-            <ac:grpSpMk id="108" creationId="{F5C60F95-B4B1-46F4-B6B1-B883C951D7D8}"/>
-          </ac:grpSpMkLst>
-        </pc:grpChg>
-        <pc:grpChg chg="add mod">
-          <ac:chgData name="Matt Carlson" userId="0e792f37f00095d9" providerId="LiveId" clId="{76715788-C17B-4AA9-AFFF-AE5D8F44665D}" dt="2020-07-25T06:53:04.482" v="8" actId="1076"/>
-          <ac:grpSpMkLst>
-            <pc:docMk/>
-            <pc:sldMk cId="0" sldId="274"/>
-            <ac:grpSpMk id="117" creationId="{AE7B485D-3D93-4C33-9A83-AC4836DCCD02}"/>
-          </ac:grpSpMkLst>
-        </pc:grpChg>
-        <pc:grpChg chg="del">
-          <ac:chgData name="Matt Carlson" userId="0e792f37f00095d9" providerId="LiveId" clId="{76715788-C17B-4AA9-AFFF-AE5D8F44665D}" dt="2020-07-25T06:52:38.877" v="0" actId="478"/>
-          <ac:grpSpMkLst>
-            <pc:docMk/>
-            <pc:sldMk cId="0" sldId="274"/>
-            <ac:grpSpMk id="144" creationId="{37D4B950-9846-4A7E-B5D6-5F1144BEDF88}"/>
-          </ac:grpSpMkLst>
-        </pc:grpChg>
-        <pc:graphicFrameChg chg="modGraphic">
-          <ac:chgData name="Matt Carlson" userId="0e792f37f00095d9" providerId="LiveId" clId="{76715788-C17B-4AA9-AFFF-AE5D8F44665D}" dt="2020-07-25T06:53:45.556" v="22" actId="20577"/>
-          <ac:graphicFrameMkLst>
-            <pc:docMk/>
-            <pc:sldMk cId="0" sldId="274"/>
-            <ac:graphicFrameMk id="110" creationId="{00000000-0000-0000-0000-000000000000}"/>
-          </ac:graphicFrameMkLst>
-        </pc:graphicFrameChg>
-      </pc:sldChg>
-    </pc:docChg>
-  </pc:docChgLst>
-</pc:chgInfo>
-</file>
-
 <file path=ppt/notesMasters/notesMaster1.xml><?xml version="1.0" encoding="utf-8"?>
 <p:notesMaster xmlns:a="http://schemas.openxmlformats.org/drawingml/2006/main" xmlns:r="http://schemas.openxmlformats.org/officeDocument/2006/relationships" xmlns:p="http://schemas.openxmlformats.org/presentationml/2006/main">
   <p:cSld>
@@ -2055,14 +194,14 @@
         <p:spPr>
           <a:xfrm>
             <a:off x="0" y="0"/>
-            <a:ext cx="3170238" cy="479425"/>
+            <a:ext cx="3078048" cy="468803"/>
           </a:xfrm>
           <a:prstGeom prst="rect">
             <a:avLst/>
           </a:prstGeom>
         </p:spPr>
         <p:txBody>
-          <a:bodyPr vert="horz" lIns="96634" tIns="48317" rIns="96634" bIns="48317" rtlCol="0"/>
+          <a:bodyPr vert="horz" lIns="94199" tIns="47099" rIns="94199" bIns="47099" rtlCol="0"/>
           <a:lstStyle>
             <a:lvl1pPr algn="l" eaLnBrk="1" hangingPunct="1">
               <a:defRPr sz="1200">
@@ -2092,15 +231,15 @@
         </p:nvSpPr>
         <p:spPr>
           <a:xfrm>
-            <a:off x="4143375" y="0"/>
-            <a:ext cx="3170238" cy="479425"/>
+            <a:off x="4022886" y="0"/>
+            <a:ext cx="3078048" cy="468803"/>
           </a:xfrm>
           <a:prstGeom prst="rect">
             <a:avLst/>
           </a:prstGeom>
         </p:spPr>
         <p:txBody>
-          <a:bodyPr vert="horz" lIns="96634" tIns="48317" rIns="96634" bIns="48317" rtlCol="0"/>
+          <a:bodyPr vert="horz" lIns="94199" tIns="47099" rIns="94199" bIns="47099" rtlCol="0"/>
           <a:lstStyle>
             <a:lvl1pPr algn="r" eaLnBrk="1" hangingPunct="1">
               <a:defRPr sz="1200">
@@ -2137,8 +276,8 @@
         </p:nvSpPr>
         <p:spPr>
           <a:xfrm>
-            <a:off x="2286000" y="719138"/>
-            <a:ext cx="2743200" cy="3600450"/>
+            <a:off x="2211388" y="703263"/>
+            <a:ext cx="2679700" cy="3521075"/>
           </a:xfrm>
           <a:prstGeom prst="rect">
             <a:avLst/>
@@ -2151,7 +290,7 @@
           </a:ln>
         </p:spPr>
         <p:txBody>
-          <a:bodyPr vert="horz" lIns="96634" tIns="48317" rIns="96634" bIns="48317" rtlCol="0" anchor="ctr"/>
+          <a:bodyPr vert="horz" lIns="94199" tIns="47099" rIns="94199" bIns="47099" rtlCol="0" anchor="ctr"/>
           <a:lstStyle/>
           <a:p>
             <a:pPr lvl="0"/>
@@ -2171,15 +310,15 @@
         </p:nvSpPr>
         <p:spPr>
           <a:xfrm>
-            <a:off x="731838" y="4560888"/>
-            <a:ext cx="5851525" cy="4319587"/>
+            <a:off x="710557" y="4459837"/>
+            <a:ext cx="5681363" cy="4223882"/>
           </a:xfrm>
           <a:prstGeom prst="rect">
             <a:avLst/>
           </a:prstGeom>
         </p:spPr>
         <p:txBody>
-          <a:bodyPr vert="horz" lIns="96634" tIns="48317" rIns="96634" bIns="48317" rtlCol="0">
+          <a:bodyPr vert="horz" lIns="94199" tIns="47099" rIns="94199" bIns="47099" rtlCol="0">
             <a:normAutofit/>
           </a:bodyPr>
           <a:lstStyle/>
@@ -2232,15 +371,15 @@
         </p:nvSpPr>
         <p:spPr>
           <a:xfrm>
-            <a:off x="0" y="9120188"/>
-            <a:ext cx="3170238" cy="479425"/>
+            <a:off x="0" y="8918121"/>
+            <a:ext cx="3078048" cy="468803"/>
           </a:xfrm>
           <a:prstGeom prst="rect">
             <a:avLst/>
           </a:prstGeom>
         </p:spPr>
         <p:txBody>
-          <a:bodyPr vert="horz" lIns="96634" tIns="48317" rIns="96634" bIns="48317" rtlCol="0" anchor="b"/>
+          <a:bodyPr vert="horz" lIns="94199" tIns="47099" rIns="94199" bIns="47099" rtlCol="0" anchor="b"/>
           <a:lstStyle>
             <a:lvl1pPr algn="l" eaLnBrk="1" hangingPunct="1">
               <a:defRPr sz="1200">
@@ -2270,15 +409,15 @@
         </p:nvSpPr>
         <p:spPr>
           <a:xfrm>
-            <a:off x="4143375" y="9120188"/>
-            <a:ext cx="3170238" cy="479425"/>
+            <a:off x="4022886" y="8918121"/>
+            <a:ext cx="3078048" cy="468803"/>
           </a:xfrm>
           <a:prstGeom prst="rect">
             <a:avLst/>
           </a:prstGeom>
         </p:spPr>
         <p:txBody>
-          <a:bodyPr vert="horz" wrap="square" lIns="96634" tIns="48317" rIns="96634" bIns="48317" numCol="1" anchor="b" anchorCtr="0" compatLnSpc="1">
+          <a:bodyPr vert="horz" wrap="square" lIns="94199" tIns="47099" rIns="94199" bIns="47099" numCol="1" anchor="b" anchorCtr="0" compatLnSpc="1">
             <a:prstTxWarp prst="textNoShape">
               <a:avLst/>
             </a:prstTxWarp>
@@ -2574,7 +713,7 @@
                 <a:latin typeface="Calibri" panose="020F0502020204030204" pitchFamily="34" charset="0"/>
               </a:defRPr>
             </a:lvl1pPr>
-            <a:lvl2pPr marL="742950" indent="-285750">
+            <a:lvl2pPr marL="724228" indent="-278549">
               <a:spcBef>
                 <a:spcPct val="30000"/>
               </a:spcBef>
@@ -2585,7 +724,7 @@
                 <a:latin typeface="Calibri" panose="020F0502020204030204" pitchFamily="34" charset="0"/>
               </a:defRPr>
             </a:lvl2pPr>
-            <a:lvl3pPr marL="1143000" indent="-228600">
+            <a:lvl3pPr marL="1114196" indent="-222839">
               <a:spcBef>
                 <a:spcPct val="30000"/>
               </a:spcBef>
@@ -2596,7 +735,7 @@
                 <a:latin typeface="Calibri" panose="020F0502020204030204" pitchFamily="34" charset="0"/>
               </a:defRPr>
             </a:lvl3pPr>
-            <a:lvl4pPr marL="1600200" indent="-228600">
+            <a:lvl4pPr marL="1559875" indent="-222839">
               <a:spcBef>
                 <a:spcPct val="30000"/>
               </a:spcBef>
@@ -2607,7 +746,7 @@
                 <a:latin typeface="Calibri" panose="020F0502020204030204" pitchFamily="34" charset="0"/>
               </a:defRPr>
             </a:lvl4pPr>
-            <a:lvl5pPr marL="2057400" indent="-228600">
+            <a:lvl5pPr marL="2005554" indent="-222839">
               <a:spcBef>
                 <a:spcPct val="30000"/>
               </a:spcBef>
@@ -2618,7 +757,7 @@
                 <a:latin typeface="Calibri" panose="020F0502020204030204" pitchFamily="34" charset="0"/>
               </a:defRPr>
             </a:lvl5pPr>
-            <a:lvl6pPr marL="2514600" indent="-228600" eaLnBrk="0" fontAlgn="base" hangingPunct="0">
+            <a:lvl6pPr marL="2451232" indent="-222839" eaLnBrk="0" fontAlgn="base" hangingPunct="0">
               <a:spcBef>
                 <a:spcPct val="30000"/>
               </a:spcBef>
@@ -2632,7 +771,7 @@
                 <a:latin typeface="Calibri" panose="020F0502020204030204" pitchFamily="34" charset="0"/>
               </a:defRPr>
             </a:lvl6pPr>
-            <a:lvl7pPr marL="2971800" indent="-228600" eaLnBrk="0" fontAlgn="base" hangingPunct="0">
+            <a:lvl7pPr marL="2896911" indent="-222839" eaLnBrk="0" fontAlgn="base" hangingPunct="0">
               <a:spcBef>
                 <a:spcPct val="30000"/>
               </a:spcBef>
@@ -2646,7 +785,7 @@
                 <a:latin typeface="Calibri" panose="020F0502020204030204" pitchFamily="34" charset="0"/>
               </a:defRPr>
             </a:lvl7pPr>
-            <a:lvl8pPr marL="3429000" indent="-228600" eaLnBrk="0" fontAlgn="base" hangingPunct="0">
+            <a:lvl8pPr marL="3342589" indent="-222839" eaLnBrk="0" fontAlgn="base" hangingPunct="0">
               <a:spcBef>
                 <a:spcPct val="30000"/>
               </a:spcBef>
@@ -2660,7 +799,7 @@
                 <a:latin typeface="Calibri" panose="020F0502020204030204" pitchFamily="34" charset="0"/>
               </a:defRPr>
             </a:lvl8pPr>
-            <a:lvl9pPr marL="3886200" indent="-228600" eaLnBrk="0" fontAlgn="base" hangingPunct="0">
+            <a:lvl9pPr marL="3788268" indent="-222839" eaLnBrk="0" fontAlgn="base" hangingPunct="0">
               <a:spcBef>
                 <a:spcPct val="30000"/>
               </a:spcBef>
@@ -6100,7 +4239,7 @@
         </p:nvGrpSpPr>
         <p:grpSpPr bwMode="auto">
           <a:xfrm>
-            <a:off x="4877557" y="3186112"/>
+            <a:off x="2749712" y="5107304"/>
             <a:ext cx="393700" cy="1271588"/>
             <a:chOff x="2496" y="4380"/>
             <a:chExt cx="236" cy="690"/>
@@ -6489,7 +4628,7 @@
         </p:nvGrpSpPr>
         <p:grpSpPr bwMode="auto">
           <a:xfrm>
-            <a:off x="5515821" y="3078457"/>
+            <a:off x="3506252" y="5070213"/>
             <a:ext cx="393700" cy="1271588"/>
             <a:chOff x="2496" y="4380"/>
             <a:chExt cx="236" cy="690"/>
@@ -6878,7 +5017,7 @@
         </p:nvGrpSpPr>
         <p:grpSpPr bwMode="auto">
           <a:xfrm flipH="1">
-            <a:off x="2725585" y="3355974"/>
+            <a:off x="2035747" y="3238210"/>
             <a:ext cx="222250" cy="858838"/>
             <a:chOff x="384" y="816"/>
             <a:chExt cx="140" cy="541"/>
@@ -7458,7 +5597,7 @@
         </p:nvGrpSpPr>
         <p:grpSpPr bwMode="auto">
           <a:xfrm>
-            <a:off x="3449304" y="3288604"/>
+            <a:off x="3690899" y="3324167"/>
             <a:ext cx="287338" cy="790575"/>
             <a:chOff x="528" y="240"/>
             <a:chExt cx="181" cy="498"/>
@@ -7741,7 +5880,7 @@
           <p:nvPr>
             <p:extLst>
               <p:ext uri="{D42A27DB-BD31-4B8C-83A1-F6EECF244321}">
-                <p14:modId xmlns:p14="http://schemas.microsoft.com/office/powerpoint/2010/main" val="2403247487"/>
+                <p14:modId xmlns:p14="http://schemas.microsoft.com/office/powerpoint/2010/main" val="2711755407"/>
               </p:ext>
             </p:extLst>
           </p:nvPr>
@@ -8213,7 +6352,35 @@
                           <a:latin typeface="Arial" charset="0"/>
                           <a:cs typeface="Times New Roman" charset="0"/>
                         </a:rPr>
-                        <a:t>, facing anywhere downrange. Gun loaded and holstered.</a:t>
+                        <a:t>, facing anywhere </a:t>
+                      </a:r>
+                      <a:r>
+                        <a:rPr kumimoji="0" lang="en-US" sz="1100" b="0" i="0" u="none" strike="noStrike" cap="none" normalizeH="0" baseline="0">
+                          <a:ln>
+                            <a:noFill/>
+                          </a:ln>
+                          <a:solidFill>
+                            <a:schemeClr val="tx1"/>
+                          </a:solidFill>
+                          <a:effectLst/>
+                          <a:latin typeface="Arial" charset="0"/>
+                          <a:cs typeface="Times New Roman" charset="0"/>
+                        </a:rPr>
+                        <a:t>uprange</a:t>
+                      </a:r>
+                      <a:r>
+                        <a:rPr kumimoji="0" lang="en-US" sz="1100" b="0" i="0" u="none" strike="noStrike" cap="none" normalizeH="0" baseline="0" dirty="0">
+                          <a:ln>
+                            <a:noFill/>
+                          </a:ln>
+                          <a:solidFill>
+                            <a:schemeClr val="tx1"/>
+                          </a:solidFill>
+                          <a:effectLst/>
+                          <a:latin typeface="Arial" charset="0"/>
+                          <a:cs typeface="Times New Roman" charset="0"/>
+                        </a:rPr>
+                        <a:t>. Gun loaded and holstered.</a:t>
                       </a:r>
                     </a:p>
                     <a:p>
@@ -9039,8 +7206,8 @@
         </p:nvCxnSpPr>
         <p:spPr>
           <a:xfrm flipH="1">
-            <a:off x="1209675" y="4800600"/>
-            <a:ext cx="354507" cy="609600"/>
+            <a:off x="1001369" y="5034443"/>
+            <a:ext cx="1349561" cy="985087"/>
           </a:xfrm>
           <a:prstGeom prst="line">
             <a:avLst/>
@@ -9078,8 +7245,8 @@
         </p:nvCxnSpPr>
         <p:spPr>
           <a:xfrm>
-            <a:off x="4905700" y="5023221"/>
-            <a:ext cx="312058" cy="1868908"/>
+            <a:off x="4547432" y="5107304"/>
+            <a:ext cx="670326" cy="1784825"/>
           </a:xfrm>
           <a:prstGeom prst="line">
             <a:avLst/>
@@ -9117,8 +7284,8 @@
         </p:nvCxnSpPr>
         <p:spPr>
           <a:xfrm flipH="1">
-            <a:off x="5890859" y="7528821"/>
-            <a:ext cx="1226521" cy="0"/>
+            <a:off x="6202568" y="7528820"/>
+            <a:ext cx="672372" cy="1"/>
           </a:xfrm>
           <a:prstGeom prst="line">
             <a:avLst/>
@@ -9140,357 +7307,6 @@
           </a:fontRef>
         </p:style>
       </p:cxnSp>
-      <p:cxnSp>
-        <p:nvCxnSpPr>
-          <p:cNvPr id="88" name="Straight Connector 87">
-            <a:extLst>
-              <a:ext uri="{FF2B5EF4-FFF2-40B4-BE49-F238E27FC236}">
-                <a16:creationId xmlns:a16="http://schemas.microsoft.com/office/drawing/2014/main" id="{95ABC678-E38C-44E0-B446-953028B08557}"/>
-              </a:ext>
-            </a:extLst>
-          </p:cNvPr>
-          <p:cNvCxnSpPr>
-            <a:cxnSpLocks/>
-          </p:cNvCxnSpPr>
-          <p:nvPr/>
-        </p:nvCxnSpPr>
-        <p:spPr>
-          <a:xfrm flipV="1">
-            <a:off x="1209675" y="5400551"/>
-            <a:ext cx="0" cy="1153689"/>
-          </a:xfrm>
-          <a:prstGeom prst="line">
-            <a:avLst/>
-          </a:prstGeom>
-          <a:ln w="19050"/>
-        </p:spPr>
-        <p:style>
-          <a:lnRef idx="1">
-            <a:schemeClr val="dk1"/>
-          </a:lnRef>
-          <a:fillRef idx="0">
-            <a:schemeClr val="dk1"/>
-          </a:fillRef>
-          <a:effectRef idx="0">
-            <a:schemeClr val="dk1"/>
-          </a:effectRef>
-          <a:fontRef idx="minor">
-            <a:schemeClr val="tx1"/>
-          </a:fontRef>
-        </p:style>
-      </p:cxnSp>
-      <p:sp>
-        <p:nvSpPr>
-          <p:cNvPr id="90" name="Freeform 301">
-            <a:extLst>
-              <a:ext uri="{FF2B5EF4-FFF2-40B4-BE49-F238E27FC236}">
-                <a16:creationId xmlns:a16="http://schemas.microsoft.com/office/drawing/2014/main" id="{982127C2-59DA-47CD-9EB3-88BC736285A5}"/>
-              </a:ext>
-            </a:extLst>
-          </p:cNvPr>
-          <p:cNvSpPr>
-            <a:spLocks/>
-          </p:cNvSpPr>
-          <p:nvPr/>
-        </p:nvSpPr>
-        <p:spPr bwMode="auto">
-          <a:xfrm flipH="1">
-            <a:off x="2667000" y="3733800"/>
-            <a:ext cx="576394" cy="1522412"/>
-          </a:xfrm>
-          <a:custGeom>
-            <a:avLst/>
-            <a:gdLst>
-              <a:gd name="T0" fmla="*/ 0 w 240"/>
-              <a:gd name="T1" fmla="*/ 2147483646 h 840"/>
-              <a:gd name="T2" fmla="*/ 2147483646 w 240"/>
-              <a:gd name="T3" fmla="*/ 2147483646 h 840"/>
-              <a:gd name="T4" fmla="*/ 2147483646 w 240"/>
-              <a:gd name="T5" fmla="*/ 2147483646 h 840"/>
-              <a:gd name="T6" fmla="*/ 0 w 240"/>
-              <a:gd name="T7" fmla="*/ 0 h 840"/>
-              <a:gd name="T8" fmla="*/ 0 w 240"/>
-              <a:gd name="T9" fmla="*/ 2147483646 h 840"/>
-              <a:gd name="T10" fmla="*/ 0 60000 65536"/>
-              <a:gd name="T11" fmla="*/ 0 60000 65536"/>
-              <a:gd name="T12" fmla="*/ 0 60000 65536"/>
-              <a:gd name="T13" fmla="*/ 0 60000 65536"/>
-              <a:gd name="T14" fmla="*/ 0 60000 65536"/>
-              <a:gd name="T15" fmla="*/ 0 w 240"/>
-              <a:gd name="T16" fmla="*/ 0 h 840"/>
-              <a:gd name="T17" fmla="*/ 240 w 240"/>
-              <a:gd name="T18" fmla="*/ 840 h 840"/>
-            </a:gdLst>
-            <a:ahLst/>
-            <a:cxnLst>
-              <a:cxn ang="T10">
-                <a:pos x="T0" y="T1"/>
-              </a:cxn>
-              <a:cxn ang="T11">
-                <a:pos x="T2" y="T3"/>
-              </a:cxn>
-              <a:cxn ang="T12">
-                <a:pos x="T4" y="T5"/>
-              </a:cxn>
-              <a:cxn ang="T13">
-                <a:pos x="T6" y="T7"/>
-              </a:cxn>
-              <a:cxn ang="T14">
-                <a:pos x="T8" y="T9"/>
-              </a:cxn>
-            </a:cxnLst>
-            <a:rect l="T15" t="T16" r="T17" b="T18"/>
-            <a:pathLst>
-              <a:path w="240" h="840">
-                <a:moveTo>
-                  <a:pt x="0" y="480"/>
-                </a:moveTo>
-                <a:lnTo>
-                  <a:pt x="240" y="840"/>
-                </a:lnTo>
-                <a:lnTo>
-                  <a:pt x="240" y="120"/>
-                </a:lnTo>
-                <a:lnTo>
-                  <a:pt x="0" y="0"/>
-                </a:lnTo>
-                <a:lnTo>
-                  <a:pt x="0" y="480"/>
-                </a:lnTo>
-                <a:close/>
-              </a:path>
-            </a:pathLst>
-          </a:custGeom>
-          <a:solidFill>
-            <a:schemeClr val="accent1">
-              <a:alpha val="64000"/>
-            </a:schemeClr>
-          </a:solidFill>
-          <a:ln w="9525">
-            <a:solidFill>
-              <a:schemeClr val="tx1"/>
-            </a:solidFill>
-            <a:round/>
-            <a:headEnd/>
-            <a:tailEnd/>
-          </a:ln>
-        </p:spPr>
-        <p:txBody>
-          <a:bodyPr wrap="none" anchor="ctr"/>
-          <a:lstStyle/>
-          <a:p>
-            <a:endParaRPr lang="en-US"/>
-          </a:p>
-        </p:txBody>
-      </p:sp>
-      <p:sp>
-        <p:nvSpPr>
-          <p:cNvPr id="91" name="Freeform 301">
-            <a:extLst>
-              <a:ext uri="{FF2B5EF4-FFF2-40B4-BE49-F238E27FC236}">
-                <a16:creationId xmlns:a16="http://schemas.microsoft.com/office/drawing/2014/main" id="{8D4B353C-AC5E-4365-9776-3D696D89336F}"/>
-              </a:ext>
-            </a:extLst>
-          </p:cNvPr>
-          <p:cNvSpPr>
-            <a:spLocks/>
-          </p:cNvSpPr>
-          <p:nvPr/>
-        </p:nvSpPr>
-        <p:spPr bwMode="auto">
-          <a:xfrm>
-            <a:off x="3554080" y="3733800"/>
-            <a:ext cx="365124" cy="1522412"/>
-          </a:xfrm>
-          <a:custGeom>
-            <a:avLst/>
-            <a:gdLst>
-              <a:gd name="T0" fmla="*/ 0 w 240"/>
-              <a:gd name="T1" fmla="*/ 2147483646 h 840"/>
-              <a:gd name="T2" fmla="*/ 2147483646 w 240"/>
-              <a:gd name="T3" fmla="*/ 2147483646 h 840"/>
-              <a:gd name="T4" fmla="*/ 2147483646 w 240"/>
-              <a:gd name="T5" fmla="*/ 2147483646 h 840"/>
-              <a:gd name="T6" fmla="*/ 0 w 240"/>
-              <a:gd name="T7" fmla="*/ 0 h 840"/>
-              <a:gd name="T8" fmla="*/ 0 w 240"/>
-              <a:gd name="T9" fmla="*/ 2147483646 h 840"/>
-              <a:gd name="T10" fmla="*/ 0 60000 65536"/>
-              <a:gd name="T11" fmla="*/ 0 60000 65536"/>
-              <a:gd name="T12" fmla="*/ 0 60000 65536"/>
-              <a:gd name="T13" fmla="*/ 0 60000 65536"/>
-              <a:gd name="T14" fmla="*/ 0 60000 65536"/>
-              <a:gd name="T15" fmla="*/ 0 w 240"/>
-              <a:gd name="T16" fmla="*/ 0 h 840"/>
-              <a:gd name="T17" fmla="*/ 240 w 240"/>
-              <a:gd name="T18" fmla="*/ 840 h 840"/>
-            </a:gdLst>
-            <a:ahLst/>
-            <a:cxnLst>
-              <a:cxn ang="T10">
-                <a:pos x="T0" y="T1"/>
-              </a:cxn>
-              <a:cxn ang="T11">
-                <a:pos x="T2" y="T3"/>
-              </a:cxn>
-              <a:cxn ang="T12">
-                <a:pos x="T4" y="T5"/>
-              </a:cxn>
-              <a:cxn ang="T13">
-                <a:pos x="T6" y="T7"/>
-              </a:cxn>
-              <a:cxn ang="T14">
-                <a:pos x="T8" y="T9"/>
-              </a:cxn>
-            </a:cxnLst>
-            <a:rect l="T15" t="T16" r="T17" b="T18"/>
-            <a:pathLst>
-              <a:path w="240" h="840">
-                <a:moveTo>
-                  <a:pt x="0" y="480"/>
-                </a:moveTo>
-                <a:lnTo>
-                  <a:pt x="240" y="840"/>
-                </a:lnTo>
-                <a:lnTo>
-                  <a:pt x="240" y="120"/>
-                </a:lnTo>
-                <a:lnTo>
-                  <a:pt x="0" y="0"/>
-                </a:lnTo>
-                <a:lnTo>
-                  <a:pt x="0" y="480"/>
-                </a:lnTo>
-                <a:close/>
-              </a:path>
-            </a:pathLst>
-          </a:custGeom>
-          <a:solidFill>
-            <a:schemeClr val="accent1">
-              <a:alpha val="64000"/>
-            </a:schemeClr>
-          </a:solidFill>
-          <a:ln w="9525">
-            <a:solidFill>
-              <a:schemeClr val="tx1"/>
-            </a:solidFill>
-            <a:round/>
-            <a:headEnd/>
-            <a:tailEnd/>
-          </a:ln>
-        </p:spPr>
-        <p:txBody>
-          <a:bodyPr wrap="none" anchor="ctr"/>
-          <a:lstStyle/>
-          <a:p>
-            <a:endParaRPr lang="en-US"/>
-          </a:p>
-        </p:txBody>
-      </p:sp>
-      <p:sp>
-        <p:nvSpPr>
-          <p:cNvPr id="92" name="Freeform 301">
-            <a:extLst>
-              <a:ext uri="{FF2B5EF4-FFF2-40B4-BE49-F238E27FC236}">
-                <a16:creationId xmlns:a16="http://schemas.microsoft.com/office/drawing/2014/main" id="{51B97BB8-3EEA-4723-8E85-4A478F6BE014}"/>
-              </a:ext>
-            </a:extLst>
-          </p:cNvPr>
-          <p:cNvSpPr>
-            <a:spLocks/>
-          </p:cNvSpPr>
-          <p:nvPr/>
-        </p:nvSpPr>
-        <p:spPr bwMode="auto">
-          <a:xfrm>
-            <a:off x="2309146" y="3740150"/>
-            <a:ext cx="354507" cy="1522412"/>
-          </a:xfrm>
-          <a:custGeom>
-            <a:avLst/>
-            <a:gdLst>
-              <a:gd name="T0" fmla="*/ 0 w 240"/>
-              <a:gd name="T1" fmla="*/ 2147483646 h 840"/>
-              <a:gd name="T2" fmla="*/ 2147483646 w 240"/>
-              <a:gd name="T3" fmla="*/ 2147483646 h 840"/>
-              <a:gd name="T4" fmla="*/ 2147483646 w 240"/>
-              <a:gd name="T5" fmla="*/ 2147483646 h 840"/>
-              <a:gd name="T6" fmla="*/ 0 w 240"/>
-              <a:gd name="T7" fmla="*/ 0 h 840"/>
-              <a:gd name="T8" fmla="*/ 0 w 240"/>
-              <a:gd name="T9" fmla="*/ 2147483646 h 840"/>
-              <a:gd name="T10" fmla="*/ 0 60000 65536"/>
-              <a:gd name="T11" fmla="*/ 0 60000 65536"/>
-              <a:gd name="T12" fmla="*/ 0 60000 65536"/>
-              <a:gd name="T13" fmla="*/ 0 60000 65536"/>
-              <a:gd name="T14" fmla="*/ 0 60000 65536"/>
-              <a:gd name="T15" fmla="*/ 0 w 240"/>
-              <a:gd name="T16" fmla="*/ 0 h 840"/>
-              <a:gd name="T17" fmla="*/ 240 w 240"/>
-              <a:gd name="T18" fmla="*/ 840 h 840"/>
-            </a:gdLst>
-            <a:ahLst/>
-            <a:cxnLst>
-              <a:cxn ang="T10">
-                <a:pos x="T0" y="T1"/>
-              </a:cxn>
-              <a:cxn ang="T11">
-                <a:pos x="T2" y="T3"/>
-              </a:cxn>
-              <a:cxn ang="T12">
-                <a:pos x="T4" y="T5"/>
-              </a:cxn>
-              <a:cxn ang="T13">
-                <a:pos x="T6" y="T7"/>
-              </a:cxn>
-              <a:cxn ang="T14">
-                <a:pos x="T8" y="T9"/>
-              </a:cxn>
-            </a:cxnLst>
-            <a:rect l="T15" t="T16" r="T17" b="T18"/>
-            <a:pathLst>
-              <a:path w="240" h="840">
-                <a:moveTo>
-                  <a:pt x="0" y="480"/>
-                </a:moveTo>
-                <a:lnTo>
-                  <a:pt x="240" y="840"/>
-                </a:lnTo>
-                <a:lnTo>
-                  <a:pt x="240" y="120"/>
-                </a:lnTo>
-                <a:lnTo>
-                  <a:pt x="0" y="0"/>
-                </a:lnTo>
-                <a:lnTo>
-                  <a:pt x="0" y="480"/>
-                </a:lnTo>
-                <a:close/>
-              </a:path>
-            </a:pathLst>
-          </a:custGeom>
-          <a:solidFill>
-            <a:schemeClr val="accent1">
-              <a:alpha val="64000"/>
-            </a:schemeClr>
-          </a:solidFill>
-          <a:ln w="9525">
-            <a:solidFill>
-              <a:schemeClr val="tx1"/>
-            </a:solidFill>
-            <a:round/>
-            <a:headEnd/>
-            <a:tailEnd/>
-          </a:ln>
-        </p:spPr>
-        <p:txBody>
-          <a:bodyPr wrap="none" anchor="ctr"/>
-          <a:lstStyle/>
-          <a:p>
-            <a:endParaRPr lang="en-US"/>
-          </a:p>
-        </p:txBody>
-      </p:sp>
       <p:grpSp>
         <p:nvGrpSpPr>
           <p:cNvPr id="126" name="Group 29">
@@ -9507,7 +7323,7 @@
         </p:nvGrpSpPr>
         <p:grpSpPr bwMode="auto">
           <a:xfrm>
-            <a:off x="1922593" y="3220368"/>
+            <a:off x="2529816" y="3162438"/>
             <a:ext cx="287338" cy="790575"/>
             <a:chOff x="528" y="240"/>
             <a:chExt cx="181" cy="498"/>
@@ -9797,7 +7613,7 @@
         </p:nvGrpSpPr>
         <p:grpSpPr bwMode="auto">
           <a:xfrm>
-            <a:off x="726731" y="3833523"/>
+            <a:off x="735495" y="3478912"/>
             <a:ext cx="287338" cy="588963"/>
             <a:chOff x="528" y="240"/>
             <a:chExt cx="181" cy="371"/>
@@ -10073,10 +7889,10 @@
       </p:grpSp>
       <p:cxnSp>
         <p:nvCxnSpPr>
-          <p:cNvPr id="138" name="Straight Connector 137">
+          <p:cNvPr id="142" name="Straight Connector 141">
             <a:extLst>
               <a:ext uri="{FF2B5EF4-FFF2-40B4-BE49-F238E27FC236}">
-                <a16:creationId xmlns:a16="http://schemas.microsoft.com/office/drawing/2014/main" id="{C7C766CE-0ECA-48CE-A3A1-28A972FE0481}"/>
+                <a16:creationId xmlns:a16="http://schemas.microsoft.com/office/drawing/2014/main" id="{A1D91C56-A6F3-4D84-83DF-D0FD65AF88E9}"/>
               </a:ext>
             </a:extLst>
           </p:cNvPr>
@@ -10087,8 +7903,8 @@
         </p:nvCxnSpPr>
         <p:spPr>
           <a:xfrm flipH="1" flipV="1">
-            <a:off x="2132118" y="4800600"/>
-            <a:ext cx="539969" cy="457201"/>
+            <a:off x="2341504" y="5023222"/>
+            <a:ext cx="2207246" cy="57750"/>
           </a:xfrm>
           <a:prstGeom prst="line">
             <a:avLst/>
@@ -10110,188 +7926,6 @@
           </a:fontRef>
         </p:style>
       </p:cxnSp>
-      <p:cxnSp>
-        <p:nvCxnSpPr>
-          <p:cNvPr id="140" name="Straight Connector 139">
-            <a:extLst>
-              <a:ext uri="{FF2B5EF4-FFF2-40B4-BE49-F238E27FC236}">
-                <a16:creationId xmlns:a16="http://schemas.microsoft.com/office/drawing/2014/main" id="{8A9B89EB-5E75-4C44-B6CB-07868AA90E56}"/>
-              </a:ext>
-            </a:extLst>
-          </p:cNvPr>
-          <p:cNvCxnSpPr>
-            <a:cxnSpLocks/>
-          </p:cNvCxnSpPr>
-          <p:nvPr/>
-        </p:nvCxnSpPr>
-        <p:spPr>
-          <a:xfrm flipH="1">
-            <a:off x="3208320" y="4648200"/>
-            <a:ext cx="375027" cy="0"/>
-          </a:xfrm>
-          <a:prstGeom prst="line">
-            <a:avLst/>
-          </a:prstGeom>
-          <a:ln w="19050"/>
-        </p:spPr>
-        <p:style>
-          <a:lnRef idx="1">
-            <a:schemeClr val="dk1"/>
-          </a:lnRef>
-          <a:fillRef idx="0">
-            <a:schemeClr val="dk1"/>
-          </a:fillRef>
-          <a:effectRef idx="0">
-            <a:schemeClr val="dk1"/>
-          </a:effectRef>
-          <a:fontRef idx="minor">
-            <a:schemeClr val="tx1"/>
-          </a:fontRef>
-        </p:style>
-      </p:cxnSp>
-      <p:cxnSp>
-        <p:nvCxnSpPr>
-          <p:cNvPr id="142" name="Straight Connector 141">
-            <a:extLst>
-              <a:ext uri="{FF2B5EF4-FFF2-40B4-BE49-F238E27FC236}">
-                <a16:creationId xmlns:a16="http://schemas.microsoft.com/office/drawing/2014/main" id="{A1D91C56-A6F3-4D84-83DF-D0FD65AF88E9}"/>
-              </a:ext>
-            </a:extLst>
-          </p:cNvPr>
-          <p:cNvCxnSpPr>
-            <a:cxnSpLocks/>
-          </p:cNvCxnSpPr>
-          <p:nvPr/>
-        </p:nvCxnSpPr>
-        <p:spPr>
-          <a:xfrm flipH="1">
-            <a:off x="3919204" y="5023221"/>
-            <a:ext cx="986497" cy="228228"/>
-          </a:xfrm>
-          <a:prstGeom prst="line">
-            <a:avLst/>
-          </a:prstGeom>
-          <a:ln w="19050"/>
-        </p:spPr>
-        <p:style>
-          <a:lnRef idx="1">
-            <a:schemeClr val="dk1"/>
-          </a:lnRef>
-          <a:fillRef idx="0">
-            <a:schemeClr val="dk1"/>
-          </a:fillRef>
-          <a:effectRef idx="0">
-            <a:schemeClr val="dk1"/>
-          </a:effectRef>
-          <a:fontRef idx="minor">
-            <a:schemeClr val="tx1"/>
-          </a:fontRef>
-        </p:style>
-      </p:cxnSp>
-      <p:sp>
-        <p:nvSpPr>
-          <p:cNvPr id="144" name="Freeform 301">
-            <a:extLst>
-              <a:ext uri="{FF2B5EF4-FFF2-40B4-BE49-F238E27FC236}">
-                <a16:creationId xmlns:a16="http://schemas.microsoft.com/office/drawing/2014/main" id="{2CE5DB8C-CE2A-4457-94F3-FBD3E6964F5D}"/>
-              </a:ext>
-            </a:extLst>
-          </p:cNvPr>
-          <p:cNvSpPr>
-            <a:spLocks/>
-          </p:cNvSpPr>
-          <p:nvPr/>
-        </p:nvSpPr>
-        <p:spPr bwMode="auto">
-          <a:xfrm flipH="1">
-            <a:off x="3918970" y="3733800"/>
-            <a:ext cx="300931" cy="1522412"/>
-          </a:xfrm>
-          <a:custGeom>
-            <a:avLst/>
-            <a:gdLst>
-              <a:gd name="T0" fmla="*/ 0 w 240"/>
-              <a:gd name="T1" fmla="*/ 2147483646 h 840"/>
-              <a:gd name="T2" fmla="*/ 2147483646 w 240"/>
-              <a:gd name="T3" fmla="*/ 2147483646 h 840"/>
-              <a:gd name="T4" fmla="*/ 2147483646 w 240"/>
-              <a:gd name="T5" fmla="*/ 2147483646 h 840"/>
-              <a:gd name="T6" fmla="*/ 0 w 240"/>
-              <a:gd name="T7" fmla="*/ 0 h 840"/>
-              <a:gd name="T8" fmla="*/ 0 w 240"/>
-              <a:gd name="T9" fmla="*/ 2147483646 h 840"/>
-              <a:gd name="T10" fmla="*/ 0 60000 65536"/>
-              <a:gd name="T11" fmla="*/ 0 60000 65536"/>
-              <a:gd name="T12" fmla="*/ 0 60000 65536"/>
-              <a:gd name="T13" fmla="*/ 0 60000 65536"/>
-              <a:gd name="T14" fmla="*/ 0 60000 65536"/>
-              <a:gd name="T15" fmla="*/ 0 w 240"/>
-              <a:gd name="T16" fmla="*/ 0 h 840"/>
-              <a:gd name="T17" fmla="*/ 240 w 240"/>
-              <a:gd name="T18" fmla="*/ 840 h 840"/>
-            </a:gdLst>
-            <a:ahLst/>
-            <a:cxnLst>
-              <a:cxn ang="T10">
-                <a:pos x="T0" y="T1"/>
-              </a:cxn>
-              <a:cxn ang="T11">
-                <a:pos x="T2" y="T3"/>
-              </a:cxn>
-              <a:cxn ang="T12">
-                <a:pos x="T4" y="T5"/>
-              </a:cxn>
-              <a:cxn ang="T13">
-                <a:pos x="T6" y="T7"/>
-              </a:cxn>
-              <a:cxn ang="T14">
-                <a:pos x="T8" y="T9"/>
-              </a:cxn>
-            </a:cxnLst>
-            <a:rect l="T15" t="T16" r="T17" b="T18"/>
-            <a:pathLst>
-              <a:path w="240" h="840">
-                <a:moveTo>
-                  <a:pt x="0" y="480"/>
-                </a:moveTo>
-                <a:lnTo>
-                  <a:pt x="240" y="840"/>
-                </a:lnTo>
-                <a:lnTo>
-                  <a:pt x="240" y="120"/>
-                </a:lnTo>
-                <a:lnTo>
-                  <a:pt x="0" y="0"/>
-                </a:lnTo>
-                <a:lnTo>
-                  <a:pt x="0" y="480"/>
-                </a:lnTo>
-                <a:close/>
-              </a:path>
-            </a:pathLst>
-          </a:custGeom>
-          <a:solidFill>
-            <a:schemeClr val="accent1">
-              <a:alpha val="64000"/>
-            </a:schemeClr>
-          </a:solidFill>
-          <a:ln w="9525">
-            <a:solidFill>
-              <a:schemeClr val="tx1"/>
-            </a:solidFill>
-            <a:round/>
-            <a:headEnd/>
-            <a:tailEnd/>
-          </a:ln>
-        </p:spPr>
-        <p:txBody>
-          <a:bodyPr wrap="none" anchor="ctr"/>
-          <a:lstStyle/>
-          <a:p>
-            <a:endParaRPr lang="en-US"/>
-          </a:p>
-        </p:txBody>
-      </p:sp>
       <p:grpSp>
         <p:nvGrpSpPr>
           <p:cNvPr id="148" name="Group 29">
@@ -10308,7 +7942,7 @@
         </p:nvGrpSpPr>
         <p:grpSpPr bwMode="auto">
           <a:xfrm>
-            <a:off x="4250464" y="3747418"/>
+            <a:off x="4457447" y="3307626"/>
             <a:ext cx="287338" cy="790575"/>
             <a:chOff x="528" y="240"/>
             <a:chExt cx="181" cy="498"/>
@@ -10598,7 +8232,7 @@
         </p:nvGrpSpPr>
         <p:grpSpPr bwMode="auto">
           <a:xfrm>
-            <a:off x="4552781" y="3752699"/>
+            <a:off x="4759764" y="3312907"/>
             <a:ext cx="287338" cy="790575"/>
             <a:chOff x="528" y="240"/>
             <a:chExt cx="181" cy="498"/>
@@ -10872,45 +8506,6 @@
           </p:txBody>
         </p:sp>
       </p:grpSp>
-      <p:cxnSp>
-        <p:nvCxnSpPr>
-          <p:cNvPr id="165" name="Straight Connector 164">
-            <a:extLst>
-              <a:ext uri="{FF2B5EF4-FFF2-40B4-BE49-F238E27FC236}">
-                <a16:creationId xmlns:a16="http://schemas.microsoft.com/office/drawing/2014/main" id="{7ED5B829-16F2-464D-8B4E-B8D06509916B}"/>
-              </a:ext>
-            </a:extLst>
-          </p:cNvPr>
-          <p:cNvCxnSpPr>
-            <a:cxnSpLocks/>
-          </p:cNvCxnSpPr>
-          <p:nvPr/>
-        </p:nvCxnSpPr>
-        <p:spPr>
-          <a:xfrm flipV="1">
-            <a:off x="7116410" y="7528821"/>
-            <a:ext cx="0" cy="1153689"/>
-          </a:xfrm>
-          <a:prstGeom prst="line">
-            <a:avLst/>
-          </a:prstGeom>
-          <a:ln w="19050"/>
-        </p:spPr>
-        <p:style>
-          <a:lnRef idx="1">
-            <a:schemeClr val="dk1"/>
-          </a:lnRef>
-          <a:fillRef idx="0">
-            <a:schemeClr val="dk1"/>
-          </a:fillRef>
-          <a:effectRef idx="0">
-            <a:schemeClr val="dk1"/>
-          </a:effectRef>
-          <a:fontRef idx="minor">
-            <a:schemeClr val="tx1"/>
-          </a:fontRef>
-        </p:style>
-      </p:cxnSp>
       <p:sp>
         <p:nvSpPr>
           <p:cNvPr id="167" name="Freeform 301">
@@ -10927,7 +8522,7 @@
         </p:nvSpPr>
         <p:spPr bwMode="auto">
           <a:xfrm>
-            <a:off x="5601324" y="4143831"/>
+            <a:off x="3431502" y="3417743"/>
             <a:ext cx="130799" cy="1573973"/>
           </a:xfrm>
           <a:custGeom>
@@ -12236,7 +9831,7 @@
         </p:nvGrpSpPr>
         <p:grpSpPr bwMode="auto">
           <a:xfrm>
-            <a:off x="6536062" y="4435073"/>
+            <a:off x="6202568" y="3437801"/>
             <a:ext cx="185738" cy="660400"/>
             <a:chOff x="5403" y="3457"/>
             <a:chExt cx="209" cy="755"/>
@@ -13425,783 +11020,6 @@
           </p:txBody>
         </p:sp>
       </p:grpSp>
-      <p:grpSp>
-        <p:nvGrpSpPr>
-          <p:cNvPr id="286" name="Group 285">
-            <a:extLst>
-              <a:ext uri="{FF2B5EF4-FFF2-40B4-BE49-F238E27FC236}">
-                <a16:creationId xmlns:a16="http://schemas.microsoft.com/office/drawing/2014/main" id="{D78AF70C-FE17-4D8C-9A7C-75266A4AD6F5}"/>
-              </a:ext>
-            </a:extLst>
-          </p:cNvPr>
-          <p:cNvGrpSpPr/>
-          <p:nvPr/>
-        </p:nvGrpSpPr>
-        <p:grpSpPr>
-          <a:xfrm>
-            <a:off x="1088854" y="3557726"/>
-            <a:ext cx="295275" cy="919163"/>
-            <a:chOff x="1364003" y="3503255"/>
-            <a:chExt cx="295275" cy="919163"/>
-          </a:xfrm>
-        </p:grpSpPr>
-        <p:grpSp>
-          <p:nvGrpSpPr>
-            <p:cNvPr id="287" name="Group 164">
-              <a:extLst>
-                <a:ext uri="{FF2B5EF4-FFF2-40B4-BE49-F238E27FC236}">
-                  <a16:creationId xmlns:a16="http://schemas.microsoft.com/office/drawing/2014/main" id="{0812FF60-2F74-4F8B-9900-C862CD2491E4}"/>
-                </a:ext>
-              </a:extLst>
-            </p:cNvPr>
-            <p:cNvGrpSpPr>
-              <a:grpSpLocks/>
-            </p:cNvGrpSpPr>
-            <p:nvPr/>
-          </p:nvGrpSpPr>
-          <p:grpSpPr bwMode="auto">
-            <a:xfrm>
-              <a:off x="1364003" y="3503255"/>
-              <a:ext cx="295275" cy="919163"/>
-              <a:chOff x="1243" y="2496"/>
-              <a:chExt cx="186" cy="579"/>
-            </a:xfrm>
-          </p:grpSpPr>
-          <p:sp>
-            <p:nvSpPr>
-              <p:cNvPr id="289" name="Line 165">
-                <a:extLst>
-                  <a:ext uri="{FF2B5EF4-FFF2-40B4-BE49-F238E27FC236}">
-                    <a16:creationId xmlns:a16="http://schemas.microsoft.com/office/drawing/2014/main" id="{4A794C58-8418-4BCB-A9A3-0BB412D35865}"/>
-                  </a:ext>
-                </a:extLst>
-              </p:cNvPr>
-              <p:cNvSpPr>
-                <a:spLocks noChangeShapeType="1"/>
-              </p:cNvSpPr>
-              <p:nvPr/>
-            </p:nvSpPr>
-            <p:spPr bwMode="auto">
-              <a:xfrm>
-                <a:off x="1254" y="2823"/>
-                <a:ext cx="0" cy="252"/>
-              </a:xfrm>
-              <a:prstGeom prst="line">
-                <a:avLst/>
-              </a:prstGeom>
-              <a:noFill/>
-              <a:ln w="28575">
-                <a:solidFill>
-                  <a:schemeClr val="tx1"/>
-                </a:solidFill>
-                <a:round/>
-                <a:headEnd/>
-                <a:tailEnd/>
-              </a:ln>
-              <a:extLst>
-                <a:ext uri="{909E8E84-426E-40DD-AFC4-6F175D3DCCD1}">
-                  <a14:hiddenFill xmlns:a14="http://schemas.microsoft.com/office/drawing/2010/main">
-                    <a:noFill/>
-                  </a14:hiddenFill>
-                </a:ext>
-              </a:extLst>
-            </p:spPr>
-            <p:txBody>
-              <a:bodyPr wrap="none" anchor="ctr"/>
-              <a:lstStyle/>
-              <a:p>
-                <a:endParaRPr lang="en-US"/>
-              </a:p>
-            </p:txBody>
-          </p:sp>
-          <p:sp>
-            <p:nvSpPr>
-              <p:cNvPr id="290" name="Line 166">
-                <a:extLst>
-                  <a:ext uri="{FF2B5EF4-FFF2-40B4-BE49-F238E27FC236}">
-                    <a16:creationId xmlns:a16="http://schemas.microsoft.com/office/drawing/2014/main" id="{467C1E75-7AA5-4284-9ED6-1A25E93873A8}"/>
-                  </a:ext>
-                </a:extLst>
-              </p:cNvPr>
-              <p:cNvSpPr>
-                <a:spLocks noChangeShapeType="1"/>
-              </p:cNvSpPr>
-              <p:nvPr/>
-            </p:nvSpPr>
-            <p:spPr bwMode="auto">
-              <a:xfrm>
-                <a:off x="1422" y="2823"/>
-                <a:ext cx="0" cy="252"/>
-              </a:xfrm>
-              <a:prstGeom prst="line">
-                <a:avLst/>
-              </a:prstGeom>
-              <a:noFill/>
-              <a:ln w="28575">
-                <a:solidFill>
-                  <a:schemeClr val="tx1"/>
-                </a:solidFill>
-                <a:round/>
-                <a:headEnd/>
-                <a:tailEnd/>
-              </a:ln>
-              <a:extLst>
-                <a:ext uri="{909E8E84-426E-40DD-AFC4-6F175D3DCCD1}">
-                  <a14:hiddenFill xmlns:a14="http://schemas.microsoft.com/office/drawing/2010/main">
-                    <a:noFill/>
-                  </a14:hiddenFill>
-                </a:ext>
-              </a:extLst>
-            </p:spPr>
-            <p:txBody>
-              <a:bodyPr wrap="none" anchor="ctr"/>
-              <a:lstStyle/>
-              <a:p>
-                <a:endParaRPr lang="en-US"/>
-              </a:p>
-            </p:txBody>
-          </p:sp>
-          <p:grpSp>
-            <p:nvGrpSpPr>
-              <p:cNvPr id="291" name="Group 167">
-                <a:extLst>
-                  <a:ext uri="{FF2B5EF4-FFF2-40B4-BE49-F238E27FC236}">
-                    <a16:creationId xmlns:a16="http://schemas.microsoft.com/office/drawing/2014/main" id="{262D6209-A9DF-4E6D-B548-9D206CAF16F2}"/>
-                  </a:ext>
-                </a:extLst>
-              </p:cNvPr>
-              <p:cNvGrpSpPr>
-                <a:grpSpLocks/>
-              </p:cNvGrpSpPr>
-              <p:nvPr/>
-            </p:nvGrpSpPr>
-            <p:grpSpPr bwMode="auto">
-              <a:xfrm>
-                <a:off x="1243" y="2496"/>
-                <a:ext cx="186" cy="331"/>
-                <a:chOff x="1243" y="2496"/>
-                <a:chExt cx="186" cy="331"/>
-              </a:xfrm>
-            </p:grpSpPr>
-            <p:sp>
-              <p:nvSpPr>
-                <p:cNvPr id="292" name="Freeform 168">
-                  <a:extLst>
-                    <a:ext uri="{FF2B5EF4-FFF2-40B4-BE49-F238E27FC236}">
-                      <a16:creationId xmlns:a16="http://schemas.microsoft.com/office/drawing/2014/main" id="{F86BC872-705B-4788-91BA-A227713BF664}"/>
-                    </a:ext>
-                  </a:extLst>
-                </p:cNvPr>
-                <p:cNvSpPr>
-                  <a:spLocks/>
-                </p:cNvSpPr>
-                <p:nvPr/>
-              </p:nvSpPr>
-              <p:spPr bwMode="auto">
-                <a:xfrm>
-                  <a:off x="1248" y="2496"/>
-                  <a:ext cx="181" cy="331"/>
-                </a:xfrm>
-                <a:custGeom>
-                  <a:avLst/>
-                  <a:gdLst>
-                    <a:gd name="T0" fmla="*/ 1 w 277"/>
-                    <a:gd name="T1" fmla="*/ 0 h 517"/>
-                    <a:gd name="T2" fmla="*/ 1 w 277"/>
-                    <a:gd name="T3" fmla="*/ 0 h 517"/>
-                    <a:gd name="T4" fmla="*/ 1 w 277"/>
-                    <a:gd name="T5" fmla="*/ 1 h 517"/>
-                    <a:gd name="T6" fmla="*/ 1 w 277"/>
-                    <a:gd name="T7" fmla="*/ 1 h 517"/>
-                    <a:gd name="T8" fmla="*/ 1 w 277"/>
-                    <a:gd name="T9" fmla="*/ 1 h 517"/>
-                    <a:gd name="T10" fmla="*/ 1 w 277"/>
-                    <a:gd name="T11" fmla="*/ 1 h 517"/>
-                    <a:gd name="T12" fmla="*/ 1 w 277"/>
-                    <a:gd name="T13" fmla="*/ 1 h 517"/>
-                    <a:gd name="T14" fmla="*/ 1 w 277"/>
-                    <a:gd name="T15" fmla="*/ 1 h 517"/>
-                    <a:gd name="T16" fmla="*/ 0 w 277"/>
-                    <a:gd name="T17" fmla="*/ 1 h 517"/>
-                    <a:gd name="T18" fmla="*/ 0 w 277"/>
-                    <a:gd name="T19" fmla="*/ 1 h 517"/>
-                    <a:gd name="T20" fmla="*/ 1 w 277"/>
-                    <a:gd name="T21" fmla="*/ 1 h 517"/>
-                    <a:gd name="T22" fmla="*/ 1 w 277"/>
-                    <a:gd name="T23" fmla="*/ 1 h 517"/>
-                    <a:gd name="T24" fmla="*/ 1 w 277"/>
-                    <a:gd name="T25" fmla="*/ 0 h 517"/>
-                    <a:gd name="T26" fmla="*/ 0 60000 65536"/>
-                    <a:gd name="T27" fmla="*/ 0 60000 65536"/>
-                    <a:gd name="T28" fmla="*/ 0 60000 65536"/>
-                    <a:gd name="T29" fmla="*/ 0 60000 65536"/>
-                    <a:gd name="T30" fmla="*/ 0 60000 65536"/>
-                    <a:gd name="T31" fmla="*/ 0 60000 65536"/>
-                    <a:gd name="T32" fmla="*/ 0 60000 65536"/>
-                    <a:gd name="T33" fmla="*/ 0 60000 65536"/>
-                    <a:gd name="T34" fmla="*/ 0 60000 65536"/>
-                    <a:gd name="T35" fmla="*/ 0 60000 65536"/>
-                    <a:gd name="T36" fmla="*/ 0 60000 65536"/>
-                    <a:gd name="T37" fmla="*/ 0 60000 65536"/>
-                    <a:gd name="T38" fmla="*/ 0 60000 65536"/>
-                    <a:gd name="T39" fmla="*/ 0 w 277"/>
-                    <a:gd name="T40" fmla="*/ 0 h 517"/>
-                    <a:gd name="T41" fmla="*/ 277 w 277"/>
-                    <a:gd name="T42" fmla="*/ 517 h 517"/>
-                  </a:gdLst>
-                  <a:ahLst/>
-                  <a:cxnLst>
-                    <a:cxn ang="T26">
-                      <a:pos x="T0" y="T1"/>
-                    </a:cxn>
-                    <a:cxn ang="T27">
-                      <a:pos x="T2" y="T3"/>
-                    </a:cxn>
-                    <a:cxn ang="T28">
-                      <a:pos x="T4" y="T5"/>
-                    </a:cxn>
-                    <a:cxn ang="T29">
-                      <a:pos x="T6" y="T7"/>
-                    </a:cxn>
-                    <a:cxn ang="T30">
-                      <a:pos x="T8" y="T9"/>
-                    </a:cxn>
-                    <a:cxn ang="T31">
-                      <a:pos x="T10" y="T11"/>
-                    </a:cxn>
-                    <a:cxn ang="T32">
-                      <a:pos x="T12" y="T13"/>
-                    </a:cxn>
-                    <a:cxn ang="T33">
-                      <a:pos x="T14" y="T15"/>
-                    </a:cxn>
-                    <a:cxn ang="T34">
-                      <a:pos x="T16" y="T17"/>
-                    </a:cxn>
-                    <a:cxn ang="T35">
-                      <a:pos x="T18" y="T19"/>
-                    </a:cxn>
-                    <a:cxn ang="T36">
-                      <a:pos x="T20" y="T21"/>
-                    </a:cxn>
-                    <a:cxn ang="T37">
-                      <a:pos x="T22" y="T23"/>
-                    </a:cxn>
-                    <a:cxn ang="T38">
-                      <a:pos x="T24" y="T25"/>
-                    </a:cxn>
-                  </a:cxnLst>
-                  <a:rect l="T39" t="T40" r="T41" b="T42"/>
-                  <a:pathLst>
-                    <a:path w="277" h="517">
-                      <a:moveTo>
-                        <a:pt x="89" y="0"/>
-                      </a:moveTo>
-                      <a:lnTo>
-                        <a:pt x="191" y="0"/>
-                      </a:lnTo>
-                      <a:lnTo>
-                        <a:pt x="191" y="105"/>
-                      </a:lnTo>
-                      <a:lnTo>
-                        <a:pt x="225" y="105"/>
-                      </a:lnTo>
-                      <a:lnTo>
-                        <a:pt x="276" y="139"/>
-                      </a:lnTo>
-                      <a:lnTo>
-                        <a:pt x="276" y="415"/>
-                      </a:lnTo>
-                      <a:lnTo>
-                        <a:pt x="225" y="516"/>
-                      </a:lnTo>
-                      <a:lnTo>
-                        <a:pt x="51" y="516"/>
-                      </a:lnTo>
-                      <a:lnTo>
-                        <a:pt x="0" y="415"/>
-                      </a:lnTo>
-                      <a:lnTo>
-                        <a:pt x="0" y="139"/>
-                      </a:lnTo>
-                      <a:lnTo>
-                        <a:pt x="51" y="105"/>
-                      </a:lnTo>
-                      <a:lnTo>
-                        <a:pt x="89" y="105"/>
-                      </a:lnTo>
-                      <a:lnTo>
-                        <a:pt x="89" y="0"/>
-                      </a:lnTo>
-                    </a:path>
-                  </a:pathLst>
-                </a:custGeom>
-                <a:solidFill>
-                  <a:srgbClr val="FFCC99"/>
-                </a:solidFill>
-                <a:ln w="12700" cap="rnd">
-                  <a:solidFill>
-                    <a:schemeClr val="tx1"/>
-                  </a:solidFill>
-                  <a:round/>
-                  <a:headEnd/>
-                  <a:tailEnd/>
-                </a:ln>
-              </p:spPr>
-              <p:txBody>
-                <a:bodyPr/>
-                <a:lstStyle/>
-                <a:p>
-                  <a:endParaRPr lang="en-US"/>
-                </a:p>
-              </p:txBody>
-            </p:sp>
-            <p:sp>
-              <p:nvSpPr>
-                <p:cNvPr id="293" name="Freeform 169">
-                  <a:extLst>
-                    <a:ext uri="{FF2B5EF4-FFF2-40B4-BE49-F238E27FC236}">
-                      <a16:creationId xmlns:a16="http://schemas.microsoft.com/office/drawing/2014/main" id="{4ED89CAB-C2C7-4587-836F-073042750158}"/>
-                    </a:ext>
-                  </a:extLst>
-                </p:cNvPr>
-                <p:cNvSpPr>
-                  <a:spLocks/>
-                </p:cNvSpPr>
-                <p:nvPr/>
-              </p:nvSpPr>
-              <p:spPr bwMode="auto">
-                <a:xfrm>
-                  <a:off x="1243" y="2642"/>
-                  <a:ext cx="184" cy="184"/>
-                </a:xfrm>
-                <a:custGeom>
-                  <a:avLst/>
-                  <a:gdLst>
-                    <a:gd name="T0" fmla="*/ 2 w 182"/>
-                    <a:gd name="T1" fmla="*/ 0 h 142"/>
-                    <a:gd name="T2" fmla="*/ 180 w 182"/>
-                    <a:gd name="T3" fmla="*/ 0 h 142"/>
-                    <a:gd name="T4" fmla="*/ 182 w 182"/>
-                    <a:gd name="T5" fmla="*/ 75 h 142"/>
-                    <a:gd name="T6" fmla="*/ 146 w 182"/>
-                    <a:gd name="T7" fmla="*/ 142 h 142"/>
-                    <a:gd name="T8" fmla="*/ 35 w 182"/>
-                    <a:gd name="T9" fmla="*/ 142 h 142"/>
-                    <a:gd name="T10" fmla="*/ 0 w 182"/>
-                    <a:gd name="T11" fmla="*/ 78 h 142"/>
-                    <a:gd name="T12" fmla="*/ 2 w 182"/>
-                    <a:gd name="T13" fmla="*/ 0 h 142"/>
-                    <a:gd name="T14" fmla="*/ 0 60000 65536"/>
-                    <a:gd name="T15" fmla="*/ 0 60000 65536"/>
-                    <a:gd name="T16" fmla="*/ 0 60000 65536"/>
-                    <a:gd name="T17" fmla="*/ 0 60000 65536"/>
-                    <a:gd name="T18" fmla="*/ 0 60000 65536"/>
-                    <a:gd name="T19" fmla="*/ 0 60000 65536"/>
-                    <a:gd name="T20" fmla="*/ 0 60000 65536"/>
-                    <a:gd name="T21" fmla="*/ 0 w 182"/>
-                    <a:gd name="T22" fmla="*/ 0 h 142"/>
-                    <a:gd name="T23" fmla="*/ 182 w 182"/>
-                    <a:gd name="T24" fmla="*/ 142 h 142"/>
-                    <a:gd name="connsiteX0" fmla="*/ 330 w 10220"/>
-                    <a:gd name="connsiteY0" fmla="*/ 0 h 10000"/>
-                    <a:gd name="connsiteX1" fmla="*/ 10110 w 10220"/>
-                    <a:gd name="connsiteY1" fmla="*/ 0 h 10000"/>
-                    <a:gd name="connsiteX2" fmla="*/ 10220 w 10220"/>
-                    <a:gd name="connsiteY2" fmla="*/ 5282 h 10000"/>
-                    <a:gd name="connsiteX3" fmla="*/ 8242 w 10220"/>
-                    <a:gd name="connsiteY3" fmla="*/ 10000 h 10000"/>
-                    <a:gd name="connsiteX4" fmla="*/ 2143 w 10220"/>
-                    <a:gd name="connsiteY4" fmla="*/ 10000 h 10000"/>
-                    <a:gd name="connsiteX5" fmla="*/ 0 w 10220"/>
-                    <a:gd name="connsiteY5" fmla="*/ 6689 h 10000"/>
-                    <a:gd name="connsiteX6" fmla="*/ 330 w 10220"/>
-                    <a:gd name="connsiteY6" fmla="*/ 0 h 10000"/>
-                    <a:gd name="connsiteX0" fmla="*/ 330 w 10120"/>
-                    <a:gd name="connsiteY0" fmla="*/ 0 h 10000"/>
-                    <a:gd name="connsiteX1" fmla="*/ 10110 w 10120"/>
-                    <a:gd name="connsiteY1" fmla="*/ 0 h 10000"/>
-                    <a:gd name="connsiteX2" fmla="*/ 10110 w 10120"/>
-                    <a:gd name="connsiteY2" fmla="*/ 6152 h 10000"/>
-                    <a:gd name="connsiteX3" fmla="*/ 8242 w 10120"/>
-                    <a:gd name="connsiteY3" fmla="*/ 10000 h 10000"/>
-                    <a:gd name="connsiteX4" fmla="*/ 2143 w 10120"/>
-                    <a:gd name="connsiteY4" fmla="*/ 10000 h 10000"/>
-                    <a:gd name="connsiteX5" fmla="*/ 0 w 10120"/>
-                    <a:gd name="connsiteY5" fmla="*/ 6689 h 10000"/>
-                    <a:gd name="connsiteX6" fmla="*/ 330 w 10120"/>
-                    <a:gd name="connsiteY6" fmla="*/ 0 h 10000"/>
-                  </a:gdLst>
-                  <a:ahLst/>
-                  <a:cxnLst>
-                    <a:cxn ang="0">
-                      <a:pos x="connsiteX0" y="connsiteY0"/>
-                    </a:cxn>
-                    <a:cxn ang="0">
-                      <a:pos x="connsiteX1" y="connsiteY1"/>
-                    </a:cxn>
-                    <a:cxn ang="0">
-                      <a:pos x="connsiteX2" y="connsiteY2"/>
-                    </a:cxn>
-                    <a:cxn ang="0">
-                      <a:pos x="connsiteX3" y="connsiteY3"/>
-                    </a:cxn>
-                    <a:cxn ang="0">
-                      <a:pos x="connsiteX4" y="connsiteY4"/>
-                    </a:cxn>
-                    <a:cxn ang="0">
-                      <a:pos x="connsiteX5" y="connsiteY5"/>
-                    </a:cxn>
-                    <a:cxn ang="0">
-                      <a:pos x="connsiteX6" y="connsiteY6"/>
-                    </a:cxn>
-                  </a:cxnLst>
-                  <a:rect l="l" t="t" r="r" b="b"/>
-                  <a:pathLst>
-                    <a:path w="10120" h="10000">
-                      <a:moveTo>
-                        <a:pt x="330" y="0"/>
-                      </a:moveTo>
-                      <a:lnTo>
-                        <a:pt x="10110" y="0"/>
-                      </a:lnTo>
-                      <a:cubicBezTo>
-                        <a:pt x="10147" y="1761"/>
-                        <a:pt x="10073" y="4391"/>
-                        <a:pt x="10110" y="6152"/>
-                      </a:cubicBezTo>
-                      <a:lnTo>
-                        <a:pt x="8242" y="10000"/>
-                      </a:lnTo>
-                      <a:lnTo>
-                        <a:pt x="2143" y="10000"/>
-                      </a:lnTo>
-                      <a:lnTo>
-                        <a:pt x="0" y="6689"/>
-                      </a:lnTo>
-                      <a:lnTo>
-                        <a:pt x="330" y="0"/>
-                      </a:lnTo>
-                      <a:close/>
-                    </a:path>
-                  </a:pathLst>
-                </a:custGeom>
-                <a:solidFill>
-                  <a:schemeClr val="tx1"/>
-                </a:solidFill>
-                <a:ln w="0">
-                  <a:solidFill>
-                    <a:schemeClr val="tx1"/>
-                  </a:solidFill>
-                  <a:round/>
-                  <a:headEnd/>
-                  <a:tailEnd/>
-                </a:ln>
-              </p:spPr>
-              <p:txBody>
-                <a:bodyPr/>
-                <a:lstStyle/>
-                <a:p>
-                  <a:endParaRPr lang="en-US"/>
-                </a:p>
-              </p:txBody>
-            </p:sp>
-          </p:grpSp>
-        </p:grpSp>
-        <p:sp>
-          <p:nvSpPr>
-            <p:cNvPr id="288" name="Freeform 32">
-              <a:extLst>
-                <a:ext uri="{FF2B5EF4-FFF2-40B4-BE49-F238E27FC236}">
-                  <a16:creationId xmlns:a16="http://schemas.microsoft.com/office/drawing/2014/main" id="{41890ADA-230A-4BBC-BB9E-F8D8A484B240}"/>
-                </a:ext>
-              </a:extLst>
-            </p:cNvPr>
-            <p:cNvSpPr>
-              <a:spLocks/>
-            </p:cNvSpPr>
-            <p:nvPr/>
-          </p:nvSpPr>
-          <p:spPr bwMode="auto">
-            <a:xfrm>
-              <a:off x="1371147" y="3742649"/>
-              <a:ext cx="287338" cy="527050"/>
-            </a:xfrm>
-            <a:custGeom>
-              <a:avLst/>
-              <a:gdLst>
-                <a:gd name="T0" fmla="*/ 1 w 277"/>
-                <a:gd name="T1" fmla="*/ 0 h 517"/>
-                <a:gd name="T2" fmla="*/ 1 w 277"/>
-                <a:gd name="T3" fmla="*/ 0 h 517"/>
-                <a:gd name="T4" fmla="*/ 1 w 277"/>
-                <a:gd name="T5" fmla="*/ 1 h 517"/>
-                <a:gd name="T6" fmla="*/ 1 w 277"/>
-                <a:gd name="T7" fmla="*/ 1 h 517"/>
-                <a:gd name="T8" fmla="*/ 1 w 277"/>
-                <a:gd name="T9" fmla="*/ 1 h 517"/>
-                <a:gd name="T10" fmla="*/ 1 w 277"/>
-                <a:gd name="T11" fmla="*/ 1 h 517"/>
-                <a:gd name="T12" fmla="*/ 1 w 277"/>
-                <a:gd name="T13" fmla="*/ 1 h 517"/>
-                <a:gd name="T14" fmla="*/ 1 w 277"/>
-                <a:gd name="T15" fmla="*/ 1 h 517"/>
-                <a:gd name="T16" fmla="*/ 0 w 277"/>
-                <a:gd name="T17" fmla="*/ 1 h 517"/>
-                <a:gd name="T18" fmla="*/ 0 w 277"/>
-                <a:gd name="T19" fmla="*/ 1 h 517"/>
-                <a:gd name="T20" fmla="*/ 1 w 277"/>
-                <a:gd name="T21" fmla="*/ 1 h 517"/>
-                <a:gd name="T22" fmla="*/ 1 w 277"/>
-                <a:gd name="T23" fmla="*/ 1 h 517"/>
-                <a:gd name="T24" fmla="*/ 1 w 277"/>
-                <a:gd name="T25" fmla="*/ 0 h 517"/>
-                <a:gd name="T26" fmla="*/ 0 60000 65536"/>
-                <a:gd name="T27" fmla="*/ 0 60000 65536"/>
-                <a:gd name="T28" fmla="*/ 0 60000 65536"/>
-                <a:gd name="T29" fmla="*/ 0 60000 65536"/>
-                <a:gd name="T30" fmla="*/ 0 60000 65536"/>
-                <a:gd name="T31" fmla="*/ 0 60000 65536"/>
-                <a:gd name="T32" fmla="*/ 0 60000 65536"/>
-                <a:gd name="T33" fmla="*/ 0 60000 65536"/>
-                <a:gd name="T34" fmla="*/ 0 60000 65536"/>
-                <a:gd name="T35" fmla="*/ 0 60000 65536"/>
-                <a:gd name="T36" fmla="*/ 0 60000 65536"/>
-                <a:gd name="T37" fmla="*/ 0 60000 65536"/>
-                <a:gd name="T38" fmla="*/ 0 60000 65536"/>
-                <a:gd name="T39" fmla="*/ 0 w 277"/>
-                <a:gd name="T40" fmla="*/ 0 h 517"/>
-                <a:gd name="T41" fmla="*/ 277 w 277"/>
-                <a:gd name="T42" fmla="*/ 517 h 517"/>
-              </a:gdLst>
-              <a:ahLst/>
-              <a:cxnLst>
-                <a:cxn ang="T26">
-                  <a:pos x="T0" y="T1"/>
-                </a:cxn>
-                <a:cxn ang="T27">
-                  <a:pos x="T2" y="T3"/>
-                </a:cxn>
-                <a:cxn ang="T28">
-                  <a:pos x="T4" y="T5"/>
-                </a:cxn>
-                <a:cxn ang="T29">
-                  <a:pos x="T6" y="T7"/>
-                </a:cxn>
-                <a:cxn ang="T30">
-                  <a:pos x="T8" y="T9"/>
-                </a:cxn>
-                <a:cxn ang="T31">
-                  <a:pos x="T10" y="T11"/>
-                </a:cxn>
-                <a:cxn ang="T32">
-                  <a:pos x="T12" y="T13"/>
-                </a:cxn>
-                <a:cxn ang="T33">
-                  <a:pos x="T14" y="T15"/>
-                </a:cxn>
-                <a:cxn ang="T34">
-                  <a:pos x="T16" y="T17"/>
-                </a:cxn>
-                <a:cxn ang="T35">
-                  <a:pos x="T18" y="T19"/>
-                </a:cxn>
-                <a:cxn ang="T36">
-                  <a:pos x="T20" y="T21"/>
-                </a:cxn>
-                <a:cxn ang="T37">
-                  <a:pos x="T22" y="T23"/>
-                </a:cxn>
-                <a:cxn ang="T38">
-                  <a:pos x="T24" y="T25"/>
-                </a:cxn>
-              </a:cxnLst>
-              <a:rect l="T39" t="T40" r="T41" b="T42"/>
-              <a:pathLst>
-                <a:path w="277" h="517">
-                  <a:moveTo>
-                    <a:pt x="89" y="0"/>
-                  </a:moveTo>
-                  <a:lnTo>
-                    <a:pt x="191" y="0"/>
-                  </a:lnTo>
-                  <a:lnTo>
-                    <a:pt x="191" y="105"/>
-                  </a:lnTo>
-                  <a:lnTo>
-                    <a:pt x="225" y="105"/>
-                  </a:lnTo>
-                  <a:lnTo>
-                    <a:pt x="276" y="139"/>
-                  </a:lnTo>
-                  <a:lnTo>
-                    <a:pt x="276" y="415"/>
-                  </a:lnTo>
-                  <a:lnTo>
-                    <a:pt x="225" y="516"/>
-                  </a:lnTo>
-                  <a:lnTo>
-                    <a:pt x="51" y="516"/>
-                  </a:lnTo>
-                  <a:lnTo>
-                    <a:pt x="0" y="415"/>
-                  </a:lnTo>
-                  <a:lnTo>
-                    <a:pt x="0" y="139"/>
-                  </a:lnTo>
-                  <a:lnTo>
-                    <a:pt x="51" y="105"/>
-                  </a:lnTo>
-                  <a:lnTo>
-                    <a:pt x="89" y="105"/>
-                  </a:lnTo>
-                  <a:lnTo>
-                    <a:pt x="89" y="0"/>
-                  </a:lnTo>
-                </a:path>
-              </a:pathLst>
-            </a:custGeom>
-            <a:solidFill>
-              <a:srgbClr val="FFCC99"/>
-            </a:solidFill>
-            <a:ln w="12700" cap="rnd">
-              <a:solidFill>
-                <a:schemeClr val="tx1"/>
-              </a:solidFill>
-              <a:round/>
-              <a:headEnd/>
-              <a:tailEnd/>
-            </a:ln>
-          </p:spPr>
-          <p:txBody>
-            <a:bodyPr/>
-            <a:lstStyle/>
-            <a:p>
-              <a:endParaRPr lang="en-US"/>
-            </a:p>
-          </p:txBody>
-        </p:sp>
-      </p:grpSp>
-      <p:sp>
-        <p:nvSpPr>
-          <p:cNvPr id="294" name="Freeform 175">
-            <a:extLst>
-              <a:ext uri="{FF2B5EF4-FFF2-40B4-BE49-F238E27FC236}">
-                <a16:creationId xmlns:a16="http://schemas.microsoft.com/office/drawing/2014/main" id="{DEF198A3-DE78-40C4-9356-E0D7F1D3C0D6}"/>
-              </a:ext>
-            </a:extLst>
-          </p:cNvPr>
-          <p:cNvSpPr>
-            <a:spLocks/>
-          </p:cNvSpPr>
-          <p:nvPr/>
-        </p:nvSpPr>
-        <p:spPr bwMode="auto">
-          <a:xfrm>
-            <a:off x="1094228" y="4020848"/>
-            <a:ext cx="288925" cy="292100"/>
-          </a:xfrm>
-          <a:custGeom>
-            <a:avLst/>
-            <a:gdLst>
-              <a:gd name="T0" fmla="*/ 0 w 182"/>
-              <a:gd name="T1" fmla="*/ 0 h 237"/>
-              <a:gd name="T2" fmla="*/ 182 w 182"/>
-              <a:gd name="T3" fmla="*/ 0 h 237"/>
-              <a:gd name="T4" fmla="*/ 182 w 182"/>
-              <a:gd name="T5" fmla="*/ 170 h 237"/>
-              <a:gd name="T6" fmla="*/ 146 w 182"/>
-              <a:gd name="T7" fmla="*/ 237 h 237"/>
-              <a:gd name="T8" fmla="*/ 35 w 182"/>
-              <a:gd name="T9" fmla="*/ 237 h 237"/>
-              <a:gd name="T10" fmla="*/ 0 w 182"/>
-              <a:gd name="T11" fmla="*/ 173 h 237"/>
-              <a:gd name="T12" fmla="*/ 0 w 182"/>
-              <a:gd name="T13" fmla="*/ 0 h 237"/>
-              <a:gd name="T14" fmla="*/ 0 60000 65536"/>
-              <a:gd name="T15" fmla="*/ 0 60000 65536"/>
-              <a:gd name="T16" fmla="*/ 0 60000 65536"/>
-              <a:gd name="T17" fmla="*/ 0 60000 65536"/>
-              <a:gd name="T18" fmla="*/ 0 60000 65536"/>
-              <a:gd name="T19" fmla="*/ 0 60000 65536"/>
-              <a:gd name="T20" fmla="*/ 0 60000 65536"/>
-              <a:gd name="T21" fmla="*/ 0 w 182"/>
-              <a:gd name="T22" fmla="*/ 0 h 237"/>
-              <a:gd name="T23" fmla="*/ 182 w 182"/>
-              <a:gd name="T24" fmla="*/ 237 h 237"/>
-            </a:gdLst>
-            <a:ahLst/>
-            <a:cxnLst>
-              <a:cxn ang="T14">
-                <a:pos x="T0" y="T1"/>
-              </a:cxn>
-              <a:cxn ang="T15">
-                <a:pos x="T2" y="T3"/>
-              </a:cxn>
-              <a:cxn ang="T16">
-                <a:pos x="T4" y="T5"/>
-              </a:cxn>
-              <a:cxn ang="T17">
-                <a:pos x="T6" y="T7"/>
-              </a:cxn>
-              <a:cxn ang="T18">
-                <a:pos x="T8" y="T9"/>
-              </a:cxn>
-              <a:cxn ang="T19">
-                <a:pos x="T10" y="T11"/>
-              </a:cxn>
-              <a:cxn ang="T20">
-                <a:pos x="T12" y="T13"/>
-              </a:cxn>
-            </a:cxnLst>
-            <a:rect l="T21" t="T22" r="T23" b="T24"/>
-            <a:pathLst>
-              <a:path w="182" h="237">
-                <a:moveTo>
-                  <a:pt x="0" y="0"/>
-                </a:moveTo>
-                <a:lnTo>
-                  <a:pt x="182" y="0"/>
-                </a:lnTo>
-                <a:lnTo>
-                  <a:pt x="182" y="170"/>
-                </a:lnTo>
-                <a:lnTo>
-                  <a:pt x="146" y="237"/>
-                </a:lnTo>
-                <a:lnTo>
-                  <a:pt x="35" y="237"/>
-                </a:lnTo>
-                <a:lnTo>
-                  <a:pt x="0" y="173"/>
-                </a:lnTo>
-                <a:lnTo>
-                  <a:pt x="0" y="0"/>
-                </a:lnTo>
-                <a:close/>
-              </a:path>
-            </a:pathLst>
-          </a:custGeom>
-          <a:solidFill>
-            <a:schemeClr val="tx1"/>
-          </a:solidFill>
-          <a:ln w="0">
-            <a:solidFill>
-              <a:schemeClr val="tx1"/>
-            </a:solidFill>
-            <a:round/>
-            <a:headEnd/>
-            <a:tailEnd/>
-          </a:ln>
-        </p:spPr>
-        <p:txBody>
-          <a:bodyPr/>
-          <a:lstStyle/>
-          <a:p>
-            <a:endParaRPr lang="en-US"/>
-          </a:p>
-        </p:txBody>
-      </p:sp>
       <p:sp>
         <p:nvSpPr>
           <p:cNvPr id="295" name="TextBox 13">
@@ -14373,110 +11191,6 @@
           </a:p>
         </p:txBody>
       </p:sp>
-      <p:sp>
-        <p:nvSpPr>
-          <p:cNvPr id="114" name="Freeform 301">
-            <a:extLst>
-              <a:ext uri="{FF2B5EF4-FFF2-40B4-BE49-F238E27FC236}">
-                <a16:creationId xmlns:a16="http://schemas.microsoft.com/office/drawing/2014/main" id="{A9999D40-DF5A-4EC7-B74E-E5E16867C0BE}"/>
-              </a:ext>
-            </a:extLst>
-          </p:cNvPr>
-          <p:cNvSpPr>
-            <a:spLocks/>
-          </p:cNvSpPr>
-          <p:nvPr/>
-        </p:nvSpPr>
-        <p:spPr bwMode="auto">
-          <a:xfrm>
-            <a:off x="5732123" y="4354180"/>
-            <a:ext cx="150084" cy="2275220"/>
-          </a:xfrm>
-          <a:custGeom>
-            <a:avLst/>
-            <a:gdLst>
-              <a:gd name="T0" fmla="*/ 0 w 240"/>
-              <a:gd name="T1" fmla="*/ 2147483646 h 840"/>
-              <a:gd name="T2" fmla="*/ 2147483646 w 240"/>
-              <a:gd name="T3" fmla="*/ 2147483646 h 840"/>
-              <a:gd name="T4" fmla="*/ 2147483646 w 240"/>
-              <a:gd name="T5" fmla="*/ 2147483646 h 840"/>
-              <a:gd name="T6" fmla="*/ 0 w 240"/>
-              <a:gd name="T7" fmla="*/ 0 h 840"/>
-              <a:gd name="T8" fmla="*/ 0 w 240"/>
-              <a:gd name="T9" fmla="*/ 2147483646 h 840"/>
-              <a:gd name="T10" fmla="*/ 0 60000 65536"/>
-              <a:gd name="T11" fmla="*/ 0 60000 65536"/>
-              <a:gd name="T12" fmla="*/ 0 60000 65536"/>
-              <a:gd name="T13" fmla="*/ 0 60000 65536"/>
-              <a:gd name="T14" fmla="*/ 0 60000 65536"/>
-              <a:gd name="T15" fmla="*/ 0 w 240"/>
-              <a:gd name="T16" fmla="*/ 0 h 840"/>
-              <a:gd name="T17" fmla="*/ 240 w 240"/>
-              <a:gd name="T18" fmla="*/ 840 h 840"/>
-            </a:gdLst>
-            <a:ahLst/>
-            <a:cxnLst>
-              <a:cxn ang="T10">
-                <a:pos x="T0" y="T1"/>
-              </a:cxn>
-              <a:cxn ang="T11">
-                <a:pos x="T2" y="T3"/>
-              </a:cxn>
-              <a:cxn ang="T12">
-                <a:pos x="T4" y="T5"/>
-              </a:cxn>
-              <a:cxn ang="T13">
-                <a:pos x="T6" y="T7"/>
-              </a:cxn>
-              <a:cxn ang="T14">
-                <a:pos x="T8" y="T9"/>
-              </a:cxn>
-            </a:cxnLst>
-            <a:rect l="T15" t="T16" r="T17" b="T18"/>
-            <a:pathLst>
-              <a:path w="240" h="840">
-                <a:moveTo>
-                  <a:pt x="0" y="480"/>
-                </a:moveTo>
-                <a:lnTo>
-                  <a:pt x="240" y="840"/>
-                </a:lnTo>
-                <a:lnTo>
-                  <a:pt x="240" y="120"/>
-                </a:lnTo>
-                <a:lnTo>
-                  <a:pt x="0" y="0"/>
-                </a:lnTo>
-                <a:lnTo>
-                  <a:pt x="0" y="480"/>
-                </a:lnTo>
-                <a:close/>
-              </a:path>
-            </a:pathLst>
-          </a:custGeom>
-          <a:solidFill>
-            <a:schemeClr val="accent1">
-              <a:alpha val="64000"/>
-            </a:schemeClr>
-          </a:solidFill>
-          <a:ln w="9525">
-            <a:solidFill>
-              <a:schemeClr val="tx1"/>
-            </a:solidFill>
-            <a:round/>
-            <a:headEnd/>
-            <a:tailEnd/>
-          </a:ln>
-        </p:spPr>
-        <p:txBody>
-          <a:bodyPr wrap="none" anchor="ctr"/>
-          <a:lstStyle/>
-          <a:p>
-            <a:endParaRPr lang="en-US"/>
-          </a:p>
-        </p:txBody>
-      </p:sp>
       <p:grpSp>
         <p:nvGrpSpPr>
           <p:cNvPr id="115" name="Group 29">
@@ -14493,7 +11207,7 @@
         </p:nvGrpSpPr>
         <p:grpSpPr bwMode="auto">
           <a:xfrm>
-            <a:off x="5933065" y="3850288"/>
+            <a:off x="5767908" y="3701760"/>
             <a:ext cx="287338" cy="790575"/>
             <a:chOff x="528" y="240"/>
             <a:chExt cx="181" cy="498"/>
@@ -14783,7 +11497,7 @@
         </p:nvSpPr>
         <p:spPr bwMode="auto">
           <a:xfrm>
-            <a:off x="4403494" y="3748213"/>
+            <a:off x="4610477" y="3308421"/>
             <a:ext cx="290513" cy="525459"/>
           </a:xfrm>
           <a:custGeom>
@@ -14940,110 +11654,296 @@
           </a:p>
         </p:txBody>
       </p:sp>
-      <p:sp>
-        <p:nvSpPr>
-          <p:cNvPr id="118" name="Freeform 301">
+      <p:grpSp>
+        <p:nvGrpSpPr>
+          <p:cNvPr id="94" name="Group 29">
             <a:extLst>
               <a:ext uri="{FF2B5EF4-FFF2-40B4-BE49-F238E27FC236}">
-                <a16:creationId xmlns:a16="http://schemas.microsoft.com/office/drawing/2014/main" id="{D159311C-0753-4A7F-BDC6-095641145CD8}"/>
+                <a16:creationId xmlns:a16="http://schemas.microsoft.com/office/drawing/2014/main" id="{C6DD56F6-3E0E-4C68-AC6E-BCBD9FA285EF}"/>
               </a:ext>
             </a:extLst>
           </p:cNvPr>
-          <p:cNvSpPr>
-            <a:spLocks/>
-          </p:cNvSpPr>
+          <p:cNvGrpSpPr>
+            <a:grpSpLocks/>
+          </p:cNvGrpSpPr>
           <p:nvPr/>
-        </p:nvSpPr>
-        <p:spPr bwMode="auto">
-          <a:xfrm flipH="1">
-            <a:off x="2507917" y="4010944"/>
-            <a:ext cx="171061" cy="1888806"/>
+        </p:nvGrpSpPr>
+        <p:grpSpPr bwMode="auto">
+          <a:xfrm>
+            <a:off x="1186370" y="3496562"/>
+            <a:ext cx="287338" cy="588963"/>
+            <a:chOff x="528" y="240"/>
+            <a:chExt cx="181" cy="371"/>
           </a:xfrm>
-          <a:custGeom>
-            <a:avLst/>
-            <a:gdLst>
-              <a:gd name="T0" fmla="*/ 0 w 240"/>
-              <a:gd name="T1" fmla="*/ 2147483646 h 840"/>
-              <a:gd name="T2" fmla="*/ 2147483646 w 240"/>
-              <a:gd name="T3" fmla="*/ 2147483646 h 840"/>
-              <a:gd name="T4" fmla="*/ 2147483646 w 240"/>
-              <a:gd name="T5" fmla="*/ 2147483646 h 840"/>
-              <a:gd name="T6" fmla="*/ 0 w 240"/>
-              <a:gd name="T7" fmla="*/ 0 h 840"/>
-              <a:gd name="T8" fmla="*/ 0 w 240"/>
-              <a:gd name="T9" fmla="*/ 2147483646 h 840"/>
-              <a:gd name="T10" fmla="*/ 0 60000 65536"/>
-              <a:gd name="T11" fmla="*/ 0 60000 65536"/>
-              <a:gd name="T12" fmla="*/ 0 60000 65536"/>
-              <a:gd name="T13" fmla="*/ 0 60000 65536"/>
-              <a:gd name="T14" fmla="*/ 0 60000 65536"/>
-              <a:gd name="T15" fmla="*/ 0 w 240"/>
-              <a:gd name="T16" fmla="*/ 0 h 840"/>
-              <a:gd name="T17" fmla="*/ 240 w 240"/>
-              <a:gd name="T18" fmla="*/ 840 h 840"/>
-            </a:gdLst>
-            <a:ahLst/>
-            <a:cxnLst>
-              <a:cxn ang="T10">
-                <a:pos x="T0" y="T1"/>
-              </a:cxn>
-              <a:cxn ang="T11">
-                <a:pos x="T2" y="T3"/>
-              </a:cxn>
-              <a:cxn ang="T12">
-                <a:pos x="T4" y="T5"/>
-              </a:cxn>
-              <a:cxn ang="T13">
-                <a:pos x="T6" y="T7"/>
-              </a:cxn>
-              <a:cxn ang="T14">
-                <a:pos x="T8" y="T9"/>
-              </a:cxn>
-            </a:cxnLst>
-            <a:rect l="T15" t="T16" r="T17" b="T18"/>
-            <a:pathLst>
-              <a:path w="240" h="840">
-                <a:moveTo>
-                  <a:pt x="0" y="480"/>
-                </a:moveTo>
-                <a:lnTo>
-                  <a:pt x="240" y="840"/>
-                </a:lnTo>
-                <a:lnTo>
-                  <a:pt x="240" y="120"/>
-                </a:lnTo>
-                <a:lnTo>
-                  <a:pt x="0" y="0"/>
-                </a:lnTo>
-                <a:lnTo>
-                  <a:pt x="0" y="480"/>
-                </a:lnTo>
-                <a:close/>
-              </a:path>
-            </a:pathLst>
-          </a:custGeom>
-          <a:solidFill>
-            <a:schemeClr val="accent1">
-              <a:alpha val="64000"/>
-            </a:schemeClr>
-          </a:solidFill>
-          <a:ln w="9525">
+        </p:grpSpPr>
+        <p:sp>
+          <p:nvSpPr>
+            <p:cNvPr id="95" name="Line 30">
+              <a:extLst>
+                <a:ext uri="{FF2B5EF4-FFF2-40B4-BE49-F238E27FC236}">
+                  <a16:creationId xmlns:a16="http://schemas.microsoft.com/office/drawing/2014/main" id="{E9960C56-BD37-4131-87B2-50E20067CBCB}"/>
+                </a:ext>
+              </a:extLst>
+            </p:cNvPr>
+            <p:cNvSpPr>
+              <a:spLocks noChangeShapeType="1"/>
+            </p:cNvSpPr>
+            <p:nvPr/>
+          </p:nvSpPr>
+          <p:spPr bwMode="auto">
+            <a:xfrm>
+              <a:off x="535" y="358"/>
+              <a:ext cx="0" cy="253"/>
+            </a:xfrm>
+            <a:prstGeom prst="line">
+              <a:avLst/>
+            </a:prstGeom>
+            <a:noFill/>
+            <a:ln w="28575">
+              <a:solidFill>
+                <a:schemeClr val="tx1"/>
+              </a:solidFill>
+              <a:round/>
+              <a:headEnd/>
+              <a:tailEnd/>
+            </a:ln>
+            <a:extLst>
+              <a:ext uri="{909E8E84-426E-40DD-AFC4-6F175D3DCCD1}">
+                <a14:hiddenFill xmlns:a14="http://schemas.microsoft.com/office/drawing/2010/main">
+                  <a:noFill/>
+                </a14:hiddenFill>
+              </a:ext>
+            </a:extLst>
+          </p:spPr>
+          <p:txBody>
+            <a:bodyPr wrap="none" anchor="ctr"/>
+            <a:lstStyle/>
+            <a:p>
+              <a:endParaRPr lang="en-US"/>
+            </a:p>
+          </p:txBody>
+        </p:sp>
+        <p:sp>
+          <p:nvSpPr>
+            <p:cNvPr id="96" name="Line 31">
+              <a:extLst>
+                <a:ext uri="{FF2B5EF4-FFF2-40B4-BE49-F238E27FC236}">
+                  <a16:creationId xmlns:a16="http://schemas.microsoft.com/office/drawing/2014/main" id="{F01F6AB0-9B9A-403F-90DD-AC7E98AF0D9A}"/>
+                </a:ext>
+              </a:extLst>
+            </p:cNvPr>
+            <p:cNvSpPr>
+              <a:spLocks noChangeShapeType="1"/>
+            </p:cNvSpPr>
+            <p:nvPr/>
+          </p:nvSpPr>
+          <p:spPr bwMode="auto">
+            <a:xfrm>
+              <a:off x="701" y="358"/>
+              <a:ext cx="0" cy="253"/>
+            </a:xfrm>
+            <a:prstGeom prst="line">
+              <a:avLst/>
+            </a:prstGeom>
+            <a:noFill/>
+            <a:ln w="28575">
+              <a:solidFill>
+                <a:schemeClr val="tx1"/>
+              </a:solidFill>
+              <a:round/>
+              <a:headEnd/>
+              <a:tailEnd/>
+            </a:ln>
+            <a:extLst>
+              <a:ext uri="{909E8E84-426E-40DD-AFC4-6F175D3DCCD1}">
+                <a14:hiddenFill xmlns:a14="http://schemas.microsoft.com/office/drawing/2010/main">
+                  <a:noFill/>
+                </a14:hiddenFill>
+              </a:ext>
+            </a:extLst>
+          </p:spPr>
+          <p:txBody>
+            <a:bodyPr wrap="none" anchor="ctr"/>
+            <a:lstStyle/>
+            <a:p>
+              <a:endParaRPr lang="en-US"/>
+            </a:p>
+          </p:txBody>
+        </p:sp>
+        <p:sp>
+          <p:nvSpPr>
+            <p:cNvPr id="97" name="Freeform 32">
+              <a:extLst>
+                <a:ext uri="{FF2B5EF4-FFF2-40B4-BE49-F238E27FC236}">
+                  <a16:creationId xmlns:a16="http://schemas.microsoft.com/office/drawing/2014/main" id="{14C2E815-0FE2-464A-B872-6E2C1B20BF48}"/>
+                </a:ext>
+              </a:extLst>
+            </p:cNvPr>
+            <p:cNvSpPr>
+              <a:spLocks/>
+            </p:cNvSpPr>
+            <p:nvPr/>
+          </p:nvSpPr>
+          <p:spPr bwMode="auto">
+            <a:xfrm>
+              <a:off x="528" y="240"/>
+              <a:ext cx="181" cy="332"/>
+            </a:xfrm>
+            <a:custGeom>
+              <a:avLst/>
+              <a:gdLst>
+                <a:gd name="T0" fmla="*/ 1 w 277"/>
+                <a:gd name="T1" fmla="*/ 0 h 517"/>
+                <a:gd name="T2" fmla="*/ 1 w 277"/>
+                <a:gd name="T3" fmla="*/ 0 h 517"/>
+                <a:gd name="T4" fmla="*/ 1 w 277"/>
+                <a:gd name="T5" fmla="*/ 1 h 517"/>
+                <a:gd name="T6" fmla="*/ 1 w 277"/>
+                <a:gd name="T7" fmla="*/ 1 h 517"/>
+                <a:gd name="T8" fmla="*/ 1 w 277"/>
+                <a:gd name="T9" fmla="*/ 1 h 517"/>
+                <a:gd name="T10" fmla="*/ 1 w 277"/>
+                <a:gd name="T11" fmla="*/ 1 h 517"/>
+                <a:gd name="T12" fmla="*/ 1 w 277"/>
+                <a:gd name="T13" fmla="*/ 1 h 517"/>
+                <a:gd name="T14" fmla="*/ 1 w 277"/>
+                <a:gd name="T15" fmla="*/ 1 h 517"/>
+                <a:gd name="T16" fmla="*/ 0 w 277"/>
+                <a:gd name="T17" fmla="*/ 1 h 517"/>
+                <a:gd name="T18" fmla="*/ 0 w 277"/>
+                <a:gd name="T19" fmla="*/ 1 h 517"/>
+                <a:gd name="T20" fmla="*/ 1 w 277"/>
+                <a:gd name="T21" fmla="*/ 1 h 517"/>
+                <a:gd name="T22" fmla="*/ 1 w 277"/>
+                <a:gd name="T23" fmla="*/ 1 h 517"/>
+                <a:gd name="T24" fmla="*/ 1 w 277"/>
+                <a:gd name="T25" fmla="*/ 0 h 517"/>
+                <a:gd name="T26" fmla="*/ 0 60000 65536"/>
+                <a:gd name="T27" fmla="*/ 0 60000 65536"/>
+                <a:gd name="T28" fmla="*/ 0 60000 65536"/>
+                <a:gd name="T29" fmla="*/ 0 60000 65536"/>
+                <a:gd name="T30" fmla="*/ 0 60000 65536"/>
+                <a:gd name="T31" fmla="*/ 0 60000 65536"/>
+                <a:gd name="T32" fmla="*/ 0 60000 65536"/>
+                <a:gd name="T33" fmla="*/ 0 60000 65536"/>
+                <a:gd name="T34" fmla="*/ 0 60000 65536"/>
+                <a:gd name="T35" fmla="*/ 0 60000 65536"/>
+                <a:gd name="T36" fmla="*/ 0 60000 65536"/>
+                <a:gd name="T37" fmla="*/ 0 60000 65536"/>
+                <a:gd name="T38" fmla="*/ 0 60000 65536"/>
+                <a:gd name="T39" fmla="*/ 0 w 277"/>
+                <a:gd name="T40" fmla="*/ 0 h 517"/>
+                <a:gd name="T41" fmla="*/ 277 w 277"/>
+                <a:gd name="T42" fmla="*/ 517 h 517"/>
+              </a:gdLst>
+              <a:ahLst/>
+              <a:cxnLst>
+                <a:cxn ang="T26">
+                  <a:pos x="T0" y="T1"/>
+                </a:cxn>
+                <a:cxn ang="T27">
+                  <a:pos x="T2" y="T3"/>
+                </a:cxn>
+                <a:cxn ang="T28">
+                  <a:pos x="T4" y="T5"/>
+                </a:cxn>
+                <a:cxn ang="T29">
+                  <a:pos x="T6" y="T7"/>
+                </a:cxn>
+                <a:cxn ang="T30">
+                  <a:pos x="T8" y="T9"/>
+                </a:cxn>
+                <a:cxn ang="T31">
+                  <a:pos x="T10" y="T11"/>
+                </a:cxn>
+                <a:cxn ang="T32">
+                  <a:pos x="T12" y="T13"/>
+                </a:cxn>
+                <a:cxn ang="T33">
+                  <a:pos x="T14" y="T15"/>
+                </a:cxn>
+                <a:cxn ang="T34">
+                  <a:pos x="T16" y="T17"/>
+                </a:cxn>
+                <a:cxn ang="T35">
+                  <a:pos x="T18" y="T19"/>
+                </a:cxn>
+                <a:cxn ang="T36">
+                  <a:pos x="T20" y="T21"/>
+                </a:cxn>
+                <a:cxn ang="T37">
+                  <a:pos x="T22" y="T23"/>
+                </a:cxn>
+                <a:cxn ang="T38">
+                  <a:pos x="T24" y="T25"/>
+                </a:cxn>
+              </a:cxnLst>
+              <a:rect l="T39" t="T40" r="T41" b="T42"/>
+              <a:pathLst>
+                <a:path w="277" h="517">
+                  <a:moveTo>
+                    <a:pt x="89" y="0"/>
+                  </a:moveTo>
+                  <a:lnTo>
+                    <a:pt x="191" y="0"/>
+                  </a:lnTo>
+                  <a:lnTo>
+                    <a:pt x="191" y="105"/>
+                  </a:lnTo>
+                  <a:lnTo>
+                    <a:pt x="225" y="105"/>
+                  </a:lnTo>
+                  <a:lnTo>
+                    <a:pt x="276" y="139"/>
+                  </a:lnTo>
+                  <a:lnTo>
+                    <a:pt x="276" y="415"/>
+                  </a:lnTo>
+                  <a:lnTo>
+                    <a:pt x="225" y="516"/>
+                  </a:lnTo>
+                  <a:lnTo>
+                    <a:pt x="51" y="516"/>
+                  </a:lnTo>
+                  <a:lnTo>
+                    <a:pt x="0" y="415"/>
+                  </a:lnTo>
+                  <a:lnTo>
+                    <a:pt x="0" y="139"/>
+                  </a:lnTo>
+                  <a:lnTo>
+                    <a:pt x="51" y="105"/>
+                  </a:lnTo>
+                  <a:lnTo>
+                    <a:pt x="89" y="105"/>
+                  </a:lnTo>
+                  <a:lnTo>
+                    <a:pt x="89" y="0"/>
+                  </a:lnTo>
+                </a:path>
+              </a:pathLst>
+            </a:custGeom>
             <a:solidFill>
-              <a:schemeClr val="tx1"/>
+              <a:srgbClr val="FFCC99"/>
             </a:solidFill>
-            <a:round/>
-            <a:headEnd/>
-            <a:tailEnd/>
-          </a:ln>
-        </p:spPr>
-        <p:txBody>
-          <a:bodyPr wrap="none" anchor="ctr"/>
-          <a:lstStyle/>
-          <a:p>
-            <a:endParaRPr lang="en-US"/>
-          </a:p>
-        </p:txBody>
-      </p:sp>
+            <a:ln w="12700" cap="rnd">
+              <a:solidFill>
+                <a:schemeClr val="tx1"/>
+              </a:solidFill>
+              <a:round/>
+              <a:headEnd/>
+              <a:tailEnd/>
+            </a:ln>
+          </p:spPr>
+          <p:txBody>
+            <a:bodyPr/>
+            <a:lstStyle/>
+            <a:p>
+              <a:endParaRPr lang="en-US"/>
+            </a:p>
+          </p:txBody>
+        </p:sp>
+      </p:grpSp>
     </p:spTree>
     <p:extLst>
       <p:ext uri="{BB962C8B-B14F-4D97-AF65-F5344CB8AC3E}">
